--- a/visdomesitys.pptx
+++ b/visdomesitys.pptx
@@ -2,7 +2,7 @@
 <file path=ppt/presentation.xml><?xml version="1.0" encoding="utf-8"?>
 <p:presentation xmlns:a="http://schemas.openxmlformats.org/drawingml/2006/main" xmlns:r="http://schemas.openxmlformats.org/officeDocument/2006/relationships" xmlns:p="http://schemas.openxmlformats.org/presentationml/2006/main" saveSubsetFonts="1">
   <p:sldMasterIdLst>
-    <p:sldMasterId id="2147483648" r:id="rId1"/>
+    <p:sldMasterId id="2147483767" r:id="rId1"/>
   </p:sldMasterIdLst>
   <p:sldIdLst>
     <p:sldId id="262" r:id="rId2"/>
@@ -11,18 +11,19 @@
     <p:sldId id="258" r:id="rId5"/>
     <p:sldId id="259" r:id="rId6"/>
     <p:sldId id="257" r:id="rId7"/>
-    <p:sldId id="261" r:id="rId8"/>
-    <p:sldId id="260" r:id="rId9"/>
+    <p:sldId id="260" r:id="rId8"/>
+    <p:sldId id="261" r:id="rId9"/>
     <p:sldId id="264" r:id="rId10"/>
     <p:sldId id="265" r:id="rId11"/>
+    <p:sldId id="266" r:id="rId12"/>
   </p:sldIdLst>
   <p:sldSz cx="12192000" cy="6858000"/>
   <p:notesSz cx="6858000" cy="9144000"/>
   <p:defaultTextStyle>
     <a:defPPr>
-      <a:defRPr lang="fi-FI"/>
+      <a:defRPr lang="en-US"/>
     </a:defPPr>
-    <a:lvl1pPr marL="0" algn="l" defTabSz="914400" rtl="0" eaLnBrk="1" latinLnBrk="0" hangingPunct="1">
+    <a:lvl1pPr marL="0" algn="l" defTabSz="457200" rtl="0" eaLnBrk="1" latinLnBrk="0" hangingPunct="1">
       <a:defRPr sz="1800" kern="1200">
         <a:solidFill>
           <a:schemeClr val="tx1"/>
@@ -32,7 +33,7 @@
         <a:cs typeface="+mn-cs"/>
       </a:defRPr>
     </a:lvl1pPr>
-    <a:lvl2pPr marL="457200" algn="l" defTabSz="914400" rtl="0" eaLnBrk="1" latinLnBrk="0" hangingPunct="1">
+    <a:lvl2pPr marL="457200" algn="l" defTabSz="457200" rtl="0" eaLnBrk="1" latinLnBrk="0" hangingPunct="1">
       <a:defRPr sz="1800" kern="1200">
         <a:solidFill>
           <a:schemeClr val="tx1"/>
@@ -42,7 +43,7 @@
         <a:cs typeface="+mn-cs"/>
       </a:defRPr>
     </a:lvl2pPr>
-    <a:lvl3pPr marL="914400" algn="l" defTabSz="914400" rtl="0" eaLnBrk="1" latinLnBrk="0" hangingPunct="1">
+    <a:lvl3pPr marL="914400" algn="l" defTabSz="457200" rtl="0" eaLnBrk="1" latinLnBrk="0" hangingPunct="1">
       <a:defRPr sz="1800" kern="1200">
         <a:solidFill>
           <a:schemeClr val="tx1"/>
@@ -52,7 +53,7 @@
         <a:cs typeface="+mn-cs"/>
       </a:defRPr>
     </a:lvl3pPr>
-    <a:lvl4pPr marL="1371600" algn="l" defTabSz="914400" rtl="0" eaLnBrk="1" latinLnBrk="0" hangingPunct="1">
+    <a:lvl4pPr marL="1371600" algn="l" defTabSz="457200" rtl="0" eaLnBrk="1" latinLnBrk="0" hangingPunct="1">
       <a:defRPr sz="1800" kern="1200">
         <a:solidFill>
           <a:schemeClr val="tx1"/>
@@ -62,7 +63,7 @@
         <a:cs typeface="+mn-cs"/>
       </a:defRPr>
     </a:lvl4pPr>
-    <a:lvl5pPr marL="1828800" algn="l" defTabSz="914400" rtl="0" eaLnBrk="1" latinLnBrk="0" hangingPunct="1">
+    <a:lvl5pPr marL="1828800" algn="l" defTabSz="457200" rtl="0" eaLnBrk="1" latinLnBrk="0" hangingPunct="1">
       <a:defRPr sz="1800" kern="1200">
         <a:solidFill>
           <a:schemeClr val="tx1"/>
@@ -72,7 +73,7 @@
         <a:cs typeface="+mn-cs"/>
       </a:defRPr>
     </a:lvl5pPr>
-    <a:lvl6pPr marL="2286000" algn="l" defTabSz="914400" rtl="0" eaLnBrk="1" latinLnBrk="0" hangingPunct="1">
+    <a:lvl6pPr marL="2286000" algn="l" defTabSz="457200" rtl="0" eaLnBrk="1" latinLnBrk="0" hangingPunct="1">
       <a:defRPr sz="1800" kern="1200">
         <a:solidFill>
           <a:schemeClr val="tx1"/>
@@ -82,7 +83,7 @@
         <a:cs typeface="+mn-cs"/>
       </a:defRPr>
     </a:lvl6pPr>
-    <a:lvl7pPr marL="2743200" algn="l" defTabSz="914400" rtl="0" eaLnBrk="1" latinLnBrk="0" hangingPunct="1">
+    <a:lvl7pPr marL="2743200" algn="l" defTabSz="457200" rtl="0" eaLnBrk="1" latinLnBrk="0" hangingPunct="1">
       <a:defRPr sz="1800" kern="1200">
         <a:solidFill>
           <a:schemeClr val="tx1"/>
@@ -92,7 +93,7 @@
         <a:cs typeface="+mn-cs"/>
       </a:defRPr>
     </a:lvl7pPr>
-    <a:lvl8pPr marL="3200400" algn="l" defTabSz="914400" rtl="0" eaLnBrk="1" latinLnBrk="0" hangingPunct="1">
+    <a:lvl8pPr marL="3200400" algn="l" defTabSz="457200" rtl="0" eaLnBrk="1" latinLnBrk="0" hangingPunct="1">
       <a:defRPr sz="1800" kern="1200">
         <a:solidFill>
           <a:schemeClr val="tx1"/>
@@ -102,7 +103,7 @@
         <a:cs typeface="+mn-cs"/>
       </a:defRPr>
     </a:lvl8pPr>
-    <a:lvl9pPr marL="3657600" algn="l" defTabSz="914400" rtl="0" eaLnBrk="1" latinLnBrk="0" hangingPunct="1">
+    <a:lvl9pPr marL="3657600" algn="l" defTabSz="457200" rtl="0" eaLnBrk="1" latinLnBrk="0" hangingPunct="1">
       <a:defRPr sz="1800" kern="1200">
         <a:solidFill>
           <a:schemeClr val="tx1"/>
@@ -113,6 +114,11 @@
       </a:defRPr>
     </a:lvl9pPr>
   </p:defaultTextStyle>
+  <p:extLst>
+    <p:ext uri="{EFAFB233-063F-42B5-8137-9DF3F51BA10A}">
+      <p15:sldGuideLst xmlns:p15="http://schemas.microsoft.com/office/powerpoint/2012/main"/>
+    </p:ext>
+  </p:extLst>
 </p:presentation>
 </file>
 
@@ -4621,13 +4627,8 @@
         <a:p>
           <a:r>
             <a:rPr lang="fi-FI" dirty="0"/>
-            <a:t>C# </a:t>
+            <a:t>C# API</a:t>
           </a:r>
-          <a:r>
-            <a:rPr lang="fi-FI" dirty="0" err="1"/>
-            <a:t>Api</a:t>
-          </a:r>
-          <a:endParaRPr lang="fi-FI" dirty="0"/>
         </a:p>
       </dgm:t>
     </dgm:pt>
@@ -4673,7 +4674,12 @@
     </dgm:pt>
     <dgm:pt modelId="{795C8F35-6BDC-499C-812C-71D4EF0CA0EB}" type="parTrans" cxnId="{CE3DA1DB-21F0-45E2-AA3F-7DB427594503}">
       <dgm:prSet/>
-      <dgm:spPr/>
+      <dgm:spPr>
+        <a:ln>
+          <a:headEnd type="triangle" w="lg" len="lg"/>
+          <a:tailEnd type="triangle" w="lg" len="lg"/>
+        </a:ln>
+      </dgm:spPr>
       <dgm:t>
         <a:bodyPr/>
         <a:lstStyle/>
@@ -4701,8 +4707,16 @@
         <a:lstStyle/>
         <a:p>
           <a:r>
-            <a:rPr lang="fi-FI"/>
+            <a:rPr lang="fi-FI" dirty="0" err="1"/>
             <a:t>React</a:t>
+          </a:r>
+          <a:r>
+            <a:rPr lang="fi-FI" dirty="0"/>
+            <a:t> </a:t>
+          </a:r>
+          <a:r>
+            <a:rPr lang="fi-FI" dirty="0" err="1"/>
+            <a:t>app</a:t>
           </a:r>
           <a:endParaRPr lang="fi-FI" dirty="0"/>
         </a:p>
@@ -4710,7 +4724,12 @@
     </dgm:pt>
     <dgm:pt modelId="{DECA8249-FB95-4C1B-BD4F-8D01F2C0EC5A}" type="parTrans" cxnId="{456210EF-88E4-4F1D-B829-AD6EA9180CC6}">
       <dgm:prSet/>
-      <dgm:spPr/>
+      <dgm:spPr>
+        <a:ln>
+          <a:headEnd type="triangle" w="lg" len="lg"/>
+          <a:tailEnd type="triangle" w="lg" len="lg"/>
+        </a:ln>
+      </dgm:spPr>
       <dgm:t>
         <a:bodyPr/>
         <a:lstStyle/>
@@ -4747,7 +4766,7 @@
       <dgm:spPr/>
     </dgm:pt>
     <dgm:pt modelId="{2C8AF445-AC78-4BD3-8F1F-0006FA648CFE}" type="pres">
-      <dgm:prSet presAssocID="{FD06E2BC-B3C7-4187-A775-6047E25F3162}" presName="singleCenter" presStyleLbl="node1" presStyleIdx="0" presStyleCnt="3">
+      <dgm:prSet presAssocID="{FD06E2BC-B3C7-4187-A775-6047E25F3162}" presName="singleCenter" presStyleLbl="node1" presStyleIdx="0" presStyleCnt="3" custScaleX="72375" custScaleY="72375" custLinFactNeighborX="0" custLinFactNeighborY="0">
         <dgm:presLayoutVars>
           <dgm:chMax val="7"/>
           <dgm:chPref val="7"/>
@@ -4760,7 +4779,7 @@
       <dgm:spPr/>
     </dgm:pt>
     <dgm:pt modelId="{76FAC605-17BD-44DA-A8C6-3AD256BBF210}" type="pres">
-      <dgm:prSet presAssocID="{4A25A57E-FC45-4DC1-8262-F5665ADC9F7C}" presName="text0" presStyleLbl="node1" presStyleIdx="1" presStyleCnt="3" custRadScaleRad="122010" custRadScaleInc="-100000">
+      <dgm:prSet presAssocID="{4A25A57E-FC45-4DC1-8262-F5665ADC9F7C}" presName="text0" presStyleLbl="node1" presStyleIdx="1" presStyleCnt="3" custRadScaleRad="113715" custRadScaleInc="-100000">
         <dgm:presLayoutVars>
           <dgm:bulletEnabled val="1"/>
         </dgm:presLayoutVars>
@@ -4772,7 +4791,7 @@
       <dgm:spPr/>
     </dgm:pt>
     <dgm:pt modelId="{7F640740-BAAC-4D6E-ABF7-A3787A5EFBBE}" type="pres">
-      <dgm:prSet presAssocID="{01D16D9E-01BB-4332-B3B0-4186EF8D32C7}" presName="text0" presStyleLbl="node1" presStyleIdx="2" presStyleCnt="3" custRadScaleRad="118061" custRadScaleInc="-100000">
+      <dgm:prSet presAssocID="{01D16D9E-01BB-4332-B3B0-4186EF8D32C7}" presName="text0" presStyleLbl="node1" presStyleIdx="2" presStyleCnt="3" custRadScaleRad="113321" custRadScaleInc="-100000">
         <dgm:presLayoutVars>
           <dgm:bulletEnabled val="1"/>
         </dgm:presLayoutVars>
@@ -4781,21 +4800,21 @@
     </dgm:pt>
   </dgm:ptLst>
   <dgm:cxnLst>
-    <dgm:cxn modelId="{A2B88012-7112-4372-BBAD-B60B88513F57}" type="presOf" srcId="{FD06E2BC-B3C7-4187-A775-6047E25F3162}" destId="{2C8AF445-AC78-4BD3-8F1F-0006FA648CFE}" srcOrd="0" destOrd="0" presId="urn:microsoft.com/office/officeart/2008/layout/RadialCluster"/>
-    <dgm:cxn modelId="{DE91F927-D2F0-4CA5-A218-FCD1B0395010}" type="presOf" srcId="{795C8F35-6BDC-499C-812C-71D4EF0CA0EB}" destId="{048B7A30-11BD-4381-8E1F-7E927F4CE675}" srcOrd="0" destOrd="0" presId="urn:microsoft.com/office/officeart/2008/layout/RadialCluster"/>
+    <dgm:cxn modelId="{CCE26828-CDF2-48F3-A9F8-8FB0D5D519BC}" type="presOf" srcId="{4A25A57E-FC45-4DC1-8262-F5665ADC9F7C}" destId="{76FAC605-17BD-44DA-A8C6-3AD256BBF210}" srcOrd="0" destOrd="0" presId="urn:microsoft.com/office/officeart/2008/layout/RadialCluster"/>
+    <dgm:cxn modelId="{81EAA060-AE7B-4453-A2EB-500868594EBF}" type="presOf" srcId="{01D16D9E-01BB-4332-B3B0-4186EF8D32C7}" destId="{7F640740-BAAC-4D6E-ABF7-A3787A5EFBBE}" srcOrd="0" destOrd="0" presId="urn:microsoft.com/office/officeart/2008/layout/RadialCluster"/>
     <dgm:cxn modelId="{1BAF9C44-E063-40EC-9A0E-E285F8236363}" srcId="{A339568A-C61B-40DF-B16E-075CD0282EF1}" destId="{FD06E2BC-B3C7-4187-A775-6047E25F3162}" srcOrd="0" destOrd="0" parTransId="{F1276295-FA74-4D99-9F07-5DFA69078897}" sibTransId="{D6F0B91D-C43F-4E98-8B93-F22CE5E81DE4}"/>
-    <dgm:cxn modelId="{1AB37A59-8BA7-4793-8FC9-7E30ED507BCA}" type="presOf" srcId="{A339568A-C61B-40DF-B16E-075CD0282EF1}" destId="{AB113441-2777-43F5-A8FD-AACBC91A3EA8}" srcOrd="0" destOrd="0" presId="urn:microsoft.com/office/officeart/2008/layout/RadialCluster"/>
-    <dgm:cxn modelId="{FB28B77F-4DEF-4B90-9564-9145E39F31CC}" type="presOf" srcId="{4A25A57E-FC45-4DC1-8262-F5665ADC9F7C}" destId="{76FAC605-17BD-44DA-A8C6-3AD256BBF210}" srcOrd="0" destOrd="0" presId="urn:microsoft.com/office/officeart/2008/layout/RadialCluster"/>
-    <dgm:cxn modelId="{AE90E3B2-C9DD-4771-89EE-70355A371B1F}" type="presOf" srcId="{DECA8249-FB95-4C1B-BD4F-8D01F2C0EC5A}" destId="{AEC968E4-D9EF-4A2D-A28B-568E40EE9D9B}" srcOrd="0" destOrd="0" presId="urn:microsoft.com/office/officeart/2008/layout/RadialCluster"/>
-    <dgm:cxn modelId="{C75DF2D9-97DE-4895-9C83-2E0E8F036ED6}" type="presOf" srcId="{01D16D9E-01BB-4332-B3B0-4186EF8D32C7}" destId="{7F640740-BAAC-4D6E-ABF7-A3787A5EFBBE}" srcOrd="0" destOrd="0" presId="urn:microsoft.com/office/officeart/2008/layout/RadialCluster"/>
+    <dgm:cxn modelId="{2754444B-64BB-4436-9C6D-38F793321FAB}" type="presOf" srcId="{795C8F35-6BDC-499C-812C-71D4EF0CA0EB}" destId="{048B7A30-11BD-4381-8E1F-7E927F4CE675}" srcOrd="0" destOrd="0" presId="urn:microsoft.com/office/officeart/2008/layout/RadialCluster"/>
+    <dgm:cxn modelId="{650B856E-F246-4645-B591-87C6C6009D2C}" type="presOf" srcId="{A339568A-C61B-40DF-B16E-075CD0282EF1}" destId="{AB113441-2777-43F5-A8FD-AACBC91A3EA8}" srcOrd="0" destOrd="0" presId="urn:microsoft.com/office/officeart/2008/layout/RadialCluster"/>
+    <dgm:cxn modelId="{14978353-86D5-4E3F-A431-EFE3A6DF4B5F}" type="presOf" srcId="{FD06E2BC-B3C7-4187-A775-6047E25F3162}" destId="{2C8AF445-AC78-4BD3-8F1F-0006FA648CFE}" srcOrd="0" destOrd="0" presId="urn:microsoft.com/office/officeart/2008/layout/RadialCluster"/>
+    <dgm:cxn modelId="{2DFD7A57-DCDA-42C4-905F-901879A18740}" type="presOf" srcId="{DECA8249-FB95-4C1B-BD4F-8D01F2C0EC5A}" destId="{AEC968E4-D9EF-4A2D-A28B-568E40EE9D9B}" srcOrd="0" destOrd="0" presId="urn:microsoft.com/office/officeart/2008/layout/RadialCluster"/>
     <dgm:cxn modelId="{CE3DA1DB-21F0-45E2-AA3F-7DB427594503}" srcId="{FD06E2BC-B3C7-4187-A775-6047E25F3162}" destId="{01D16D9E-01BB-4332-B3B0-4186EF8D32C7}" srcOrd="1" destOrd="0" parTransId="{795C8F35-6BDC-499C-812C-71D4EF0CA0EB}" sibTransId="{5F139354-F43B-4C84-8F2A-A61F28F90FAA}"/>
     <dgm:cxn modelId="{456210EF-88E4-4F1D-B829-AD6EA9180CC6}" srcId="{FD06E2BC-B3C7-4187-A775-6047E25F3162}" destId="{4A25A57E-FC45-4DC1-8262-F5665ADC9F7C}" srcOrd="0" destOrd="0" parTransId="{DECA8249-FB95-4C1B-BD4F-8D01F2C0EC5A}" sibTransId="{BDBEADDD-7137-4749-89AB-062AA7481C91}"/>
-    <dgm:cxn modelId="{E6445350-9A15-4357-B99C-1A3B82598C99}" type="presParOf" srcId="{AB113441-2777-43F5-A8FD-AACBC91A3EA8}" destId="{6DB6EEB9-31FB-4D6E-8E4A-E4B2009AC77C}" srcOrd="0" destOrd="0" presId="urn:microsoft.com/office/officeart/2008/layout/RadialCluster"/>
-    <dgm:cxn modelId="{0AE94BBA-957D-463A-8C3C-BF90F57E904D}" type="presParOf" srcId="{6DB6EEB9-31FB-4D6E-8E4A-E4B2009AC77C}" destId="{2C8AF445-AC78-4BD3-8F1F-0006FA648CFE}" srcOrd="0" destOrd="0" presId="urn:microsoft.com/office/officeart/2008/layout/RadialCluster"/>
-    <dgm:cxn modelId="{B343ACA4-47F6-423B-8FE4-4627F3CCB2CA}" type="presParOf" srcId="{6DB6EEB9-31FB-4D6E-8E4A-E4B2009AC77C}" destId="{AEC968E4-D9EF-4A2D-A28B-568E40EE9D9B}" srcOrd="1" destOrd="0" presId="urn:microsoft.com/office/officeart/2008/layout/RadialCluster"/>
-    <dgm:cxn modelId="{354B8948-EBC3-4131-97E0-21C6BEFB84CE}" type="presParOf" srcId="{6DB6EEB9-31FB-4D6E-8E4A-E4B2009AC77C}" destId="{76FAC605-17BD-44DA-A8C6-3AD256BBF210}" srcOrd="2" destOrd="0" presId="urn:microsoft.com/office/officeart/2008/layout/RadialCluster"/>
-    <dgm:cxn modelId="{3C51A00E-E19F-44A3-9E87-B8B06FE1E61C}" type="presParOf" srcId="{6DB6EEB9-31FB-4D6E-8E4A-E4B2009AC77C}" destId="{048B7A30-11BD-4381-8E1F-7E927F4CE675}" srcOrd="3" destOrd="0" presId="urn:microsoft.com/office/officeart/2008/layout/RadialCluster"/>
-    <dgm:cxn modelId="{A4488C67-95F3-4C13-B9CB-40FBB30FAB3A}" type="presParOf" srcId="{6DB6EEB9-31FB-4D6E-8E4A-E4B2009AC77C}" destId="{7F640740-BAAC-4D6E-ABF7-A3787A5EFBBE}" srcOrd="4" destOrd="0" presId="urn:microsoft.com/office/officeart/2008/layout/RadialCluster"/>
+    <dgm:cxn modelId="{49A87C85-1D51-4A25-89A1-B2BA18CF2DBA}" type="presParOf" srcId="{AB113441-2777-43F5-A8FD-AACBC91A3EA8}" destId="{6DB6EEB9-31FB-4D6E-8E4A-E4B2009AC77C}" srcOrd="0" destOrd="0" presId="urn:microsoft.com/office/officeart/2008/layout/RadialCluster"/>
+    <dgm:cxn modelId="{4DCD1F33-3AE1-4477-889C-77F9A7589A10}" type="presParOf" srcId="{6DB6EEB9-31FB-4D6E-8E4A-E4B2009AC77C}" destId="{2C8AF445-AC78-4BD3-8F1F-0006FA648CFE}" srcOrd="0" destOrd="0" presId="urn:microsoft.com/office/officeart/2008/layout/RadialCluster"/>
+    <dgm:cxn modelId="{C9635CD8-3586-4068-8ABA-EA10651393E3}" type="presParOf" srcId="{6DB6EEB9-31FB-4D6E-8E4A-E4B2009AC77C}" destId="{AEC968E4-D9EF-4A2D-A28B-568E40EE9D9B}" srcOrd="1" destOrd="0" presId="urn:microsoft.com/office/officeart/2008/layout/RadialCluster"/>
+    <dgm:cxn modelId="{C5E1DAC5-1F55-456D-BD67-734142A67D75}" type="presParOf" srcId="{6DB6EEB9-31FB-4D6E-8E4A-E4B2009AC77C}" destId="{76FAC605-17BD-44DA-A8C6-3AD256BBF210}" srcOrd="2" destOrd="0" presId="urn:microsoft.com/office/officeart/2008/layout/RadialCluster"/>
+    <dgm:cxn modelId="{3B29CFCF-03B9-4AF7-80D7-02F79314425E}" type="presParOf" srcId="{6DB6EEB9-31FB-4D6E-8E4A-E4B2009AC77C}" destId="{048B7A30-11BD-4381-8E1F-7E927F4CE675}" srcOrd="3" destOrd="0" presId="urn:microsoft.com/office/officeart/2008/layout/RadialCluster"/>
+    <dgm:cxn modelId="{5FE43243-44EE-428D-A344-E8A3BF1208FF}" type="presParOf" srcId="{6DB6EEB9-31FB-4D6E-8E4A-E4B2009AC77C}" destId="{7F640740-BAAC-4D6E-ABF7-A3787A5EFBBE}" srcOrd="4" destOrd="0" presId="urn:microsoft.com/office/officeart/2008/layout/RadialCluster"/>
   </dgm:cxnLst>
   <dgm:bg/>
   <dgm:whole/>
@@ -4986,7 +5005,7 @@
       <dgm:spPr/>
     </dgm:pt>
     <dgm:pt modelId="{2C8AF445-AC78-4BD3-8F1F-0006FA648CFE}" type="pres">
-      <dgm:prSet presAssocID="{FD06E2BC-B3C7-4187-A775-6047E25F3162}" presName="singleCenter" presStyleLbl="node1" presStyleIdx="0" presStyleCnt="4">
+      <dgm:prSet presAssocID="{FD06E2BC-B3C7-4187-A775-6047E25F3162}" presName="singleCenter" presStyleLbl="node1" presStyleIdx="0" presStyleCnt="4" custLinFactNeighborX="0" custLinFactNeighborY="-12500">
         <dgm:presLayoutVars>
           <dgm:chMax val="7"/>
           <dgm:chPref val="7"/>
@@ -4999,7 +5018,7 @@
       <dgm:spPr/>
     </dgm:pt>
     <dgm:pt modelId="{8F51BF9E-8437-41D1-B67A-A9A35FF63817}" type="pres">
-      <dgm:prSet presAssocID="{6B2BDCD8-DF54-45FC-9198-F382754A103E}" presName="text0" presStyleLbl="node1" presStyleIdx="1" presStyleCnt="4">
+      <dgm:prSet presAssocID="{6B2BDCD8-DF54-45FC-9198-F382754A103E}" presName="text0" presStyleLbl="node1" presStyleIdx="1" presStyleCnt="4" custRadScaleRad="101661" custRadScaleInc="-126273">
         <dgm:presLayoutVars>
           <dgm:bulletEnabled val="1"/>
         </dgm:presLayoutVars>
@@ -5011,7 +5030,7 @@
       <dgm:spPr/>
     </dgm:pt>
     <dgm:pt modelId="{A0087E71-282F-426D-9580-7C5639D40366}" type="pres">
-      <dgm:prSet presAssocID="{F1F3FDA6-E8DF-4CA3-9028-278214BA85C4}" presName="text0" presStyleLbl="node1" presStyleIdx="2" presStyleCnt="4">
+      <dgm:prSet presAssocID="{F1F3FDA6-E8DF-4CA3-9028-278214BA85C4}" presName="text0" presStyleLbl="node1" presStyleIdx="2" presStyleCnt="4" custRadScaleRad="99246" custRadScaleInc="-200000">
         <dgm:presLayoutVars>
           <dgm:bulletEnabled val="1"/>
         </dgm:presLayoutVars>
@@ -5023,7 +5042,7 @@
       <dgm:spPr/>
     </dgm:pt>
     <dgm:pt modelId="{84655B8D-9689-4056-A586-F6164116A16C}" type="pres">
-      <dgm:prSet presAssocID="{0848E0AD-8CED-4AF3-9820-629924496C9C}" presName="text0" presStyleLbl="node1" presStyleIdx="3" presStyleCnt="4">
+      <dgm:prSet presAssocID="{0848E0AD-8CED-4AF3-9820-629924496C9C}" presName="text0" presStyleLbl="node1" presStyleIdx="3" presStyleCnt="4" custRadScaleRad="101292" custRadScaleInc="-273815">
         <dgm:presLayoutVars>
           <dgm:bulletEnabled val="1"/>
         </dgm:presLayoutVars>
@@ -5205,7 +5224,7 @@
       <dgm:spPr/>
     </dgm:pt>
     <dgm:pt modelId="{2C8AF445-AC78-4BD3-8F1F-0006FA648CFE}" type="pres">
-      <dgm:prSet presAssocID="{FD06E2BC-B3C7-4187-A775-6047E25F3162}" presName="singleCenter" presStyleLbl="node1" presStyleIdx="0" presStyleCnt="3">
+      <dgm:prSet presAssocID="{FD06E2BC-B3C7-4187-A775-6047E25F3162}" presName="singleCenter" presStyleLbl="node1" presStyleIdx="0" presStyleCnt="3" custLinFactNeighborX="0" custLinFactNeighborY="0">
         <dgm:presLayoutVars>
           <dgm:chMax val="7"/>
           <dgm:chPref val="7"/>
@@ -5218,7 +5237,7 @@
       <dgm:spPr/>
     </dgm:pt>
     <dgm:pt modelId="{8F51BF9E-8437-41D1-B67A-A9A35FF63817}" type="pres">
-      <dgm:prSet presAssocID="{6B2BDCD8-DF54-45FC-9198-F382754A103E}" presName="text0" presStyleLbl="node1" presStyleIdx="1" presStyleCnt="3">
+      <dgm:prSet presAssocID="{6B2BDCD8-DF54-45FC-9198-F382754A103E}" presName="text0" presStyleLbl="node1" presStyleIdx="1" presStyleCnt="3" custRadScaleRad="113716" custRadScaleInc="-100000">
         <dgm:presLayoutVars>
           <dgm:bulletEnabled val="1"/>
         </dgm:presLayoutVars>
@@ -5230,7 +5249,7 @@
       <dgm:spPr/>
     </dgm:pt>
     <dgm:pt modelId="{84655B8D-9689-4056-A586-F6164116A16C}" type="pres">
-      <dgm:prSet presAssocID="{0848E0AD-8CED-4AF3-9820-629924496C9C}" presName="text0" presStyleLbl="node1" presStyleIdx="2" presStyleCnt="3">
+      <dgm:prSet presAssocID="{0848E0AD-8CED-4AF3-9820-629924496C9C}" presName="text0" presStyleLbl="node1" presStyleIdx="2" presStyleCnt="3" custRadScaleRad="112924" custRadScaleInc="-100000">
         <dgm:presLayoutVars>
           <dgm:bulletEnabled val="1"/>
         </dgm:presLayoutVars>
@@ -5535,7 +5554,7 @@
       <dgm:spPr/>
     </dgm:pt>
     <dgm:pt modelId="{2C8AF445-AC78-4BD3-8F1F-0006FA648CFE}" type="pres">
-      <dgm:prSet presAssocID="{FD06E2BC-B3C7-4187-A775-6047E25F3162}" presName="singleCenter" presStyleLbl="node1" presStyleIdx="0" presStyleCnt="4">
+      <dgm:prSet presAssocID="{FD06E2BC-B3C7-4187-A775-6047E25F3162}" presName="singleCenter" presStyleLbl="node1" presStyleIdx="0" presStyleCnt="4" custLinFactNeighborX="0" custLinFactNeighborY="-12500">
         <dgm:presLayoutVars>
           <dgm:chMax val="7"/>
           <dgm:chPref val="7"/>
@@ -5548,7 +5567,7 @@
       <dgm:spPr/>
     </dgm:pt>
     <dgm:pt modelId="{8F51BF9E-8437-41D1-B67A-A9A35FF63817}" type="pres">
-      <dgm:prSet presAssocID="{6B2BDCD8-DF54-45FC-9198-F382754A103E}" presName="text0" presStyleLbl="node1" presStyleIdx="1" presStyleCnt="4" custRadScaleRad="96236" custRadScaleInc="0">
+      <dgm:prSet presAssocID="{6B2BDCD8-DF54-45FC-9198-F382754A103E}" presName="text0" presStyleLbl="node1" presStyleIdx="1" presStyleCnt="4" custRadScaleRad="98972">
         <dgm:presLayoutVars>
           <dgm:bulletEnabled val="1"/>
         </dgm:presLayoutVars>
@@ -5560,7 +5579,7 @@
       <dgm:spPr/>
     </dgm:pt>
     <dgm:pt modelId="{A0087E71-282F-426D-9580-7C5639D40366}" type="pres">
-      <dgm:prSet presAssocID="{F1F3FDA6-E8DF-4CA3-9028-278214BA85C4}" presName="text0" presStyleLbl="node1" presStyleIdx="2" presStyleCnt="4">
+      <dgm:prSet presAssocID="{F1F3FDA6-E8DF-4CA3-9028-278214BA85C4}" presName="text0" presStyleLbl="node1" presStyleIdx="2" presStyleCnt="4" custRadScaleRad="101034" custRadScaleInc="-73877">
         <dgm:presLayoutVars>
           <dgm:bulletEnabled val="1"/>
         </dgm:presLayoutVars>
@@ -5572,7 +5591,7 @@
       <dgm:spPr/>
     </dgm:pt>
     <dgm:pt modelId="{84655B8D-9689-4056-A586-F6164116A16C}" type="pres">
-      <dgm:prSet presAssocID="{0848E0AD-8CED-4AF3-9820-629924496C9C}" presName="text0" presStyleLbl="node1" presStyleIdx="3" presStyleCnt="4">
+      <dgm:prSet presAssocID="{0848E0AD-8CED-4AF3-9820-629924496C9C}" presName="text0" presStyleLbl="node1" presStyleIdx="3" presStyleCnt="4" custRadScaleRad="101699" custRadScaleInc="73718">
         <dgm:presLayoutVars>
           <dgm:bulletEnabled val="1"/>
         </dgm:presLayoutVars>
@@ -5774,8 +5793,8 @@
       </dsp:nvSpPr>
       <dsp:spPr>
         <a:xfrm>
-          <a:off x="3251199" y="1896533"/>
-          <a:ext cx="1625600" cy="1625600"/>
+          <a:off x="3475735" y="2121069"/>
+          <a:ext cx="1176528" cy="1176528"/>
         </a:xfrm>
         <a:prstGeom prst="roundRect">
           <a:avLst/>
@@ -5788,9 +5807,9 @@
                 <a:satOff val="0"/>
                 <a:lumOff val="0"/>
                 <a:alphaOff val="0"/>
+                <a:tint val="94000"/>
                 <a:satMod val="103000"/>
                 <a:lumMod val="102000"/>
-                <a:tint val="94000"/>
               </a:schemeClr>
             </a:gs>
             <a:gs pos="50000">
@@ -5799,9 +5818,9 @@
                 <a:satOff val="0"/>
                 <a:lumOff val="0"/>
                 <a:alphaOff val="0"/>
+                <a:shade val="100000"/>
                 <a:satMod val="110000"/>
                 <a:lumMod val="100000"/>
-                <a:shade val="100000"/>
               </a:schemeClr>
             </a:gs>
             <a:gs pos="100000">
@@ -5810,9 +5829,9 @@
                 <a:satOff val="0"/>
                 <a:lumOff val="0"/>
                 <a:alphaOff val="0"/>
+                <a:shade val="78000"/>
+                <a:satMod val="120000"/>
                 <a:lumMod val="99000"/>
-                <a:satMod val="120000"/>
-                <a:shade val="78000"/>
               </a:schemeClr>
             </a:gs>
           </a:gsLst>
@@ -5824,7 +5843,7 @@
         <a:effectLst>
           <a:outerShdw blurRad="57150" dist="19050" dir="5400000" algn="ctr" rotWithShape="0">
             <a:srgbClr val="000000">
-              <a:alpha val="63000"/>
+              <a:alpha val="35000"/>
             </a:srgbClr>
           </a:outerShdw>
         </a:effectLst>
@@ -5844,12 +5863,12 @@
         </a:fontRef>
       </dsp:style>
       <dsp:txBody>
-        <a:bodyPr spcFirstLastPara="0" vert="horz" wrap="square" lIns="91440" tIns="91440" rIns="91440" bIns="91440" numCol="1" spcCol="1270" anchor="ctr" anchorCtr="0">
+        <a:bodyPr spcFirstLastPara="0" vert="horz" wrap="square" lIns="86360" tIns="86360" rIns="86360" bIns="86360" numCol="1" spcCol="1270" anchor="ctr" anchorCtr="0">
           <a:noAutofit/>
         </a:bodyPr>
         <a:lstStyle/>
         <a:p>
-          <a:pPr marL="0" lvl="0" indent="0" algn="ctr" defTabSz="1600200">
+          <a:pPr marL="0" lvl="0" indent="0" algn="ctr" defTabSz="1511300">
             <a:lnSpc>
               <a:spcPct val="90000"/>
             </a:lnSpc>
@@ -5862,19 +5881,14 @@
             <a:buNone/>
           </a:pPr>
           <a:r>
-            <a:rPr lang="fi-FI" sz="3600" kern="1200" dirty="0"/>
-            <a:t>C# </a:t>
+            <a:rPr lang="fi-FI" sz="3400" kern="1200" dirty="0"/>
+            <a:t>C# API</a:t>
           </a:r>
-          <a:r>
-            <a:rPr lang="fi-FI" sz="3600" kern="1200" dirty="0" err="1"/>
-            <a:t>Api</a:t>
-          </a:r>
-          <a:endParaRPr lang="fi-FI" sz="3600" kern="1200" dirty="0"/>
         </a:p>
       </dsp:txBody>
       <dsp:txXfrm>
-        <a:off x="3330554" y="1975888"/>
-        <a:ext cx="1466890" cy="1466890"/>
+        <a:off x="3533168" y="2178502"/>
+        <a:ext cx="1061662" cy="1061662"/>
       </dsp:txXfrm>
     </dsp:sp>
     <dsp:sp modelId="{AEC968E4-D9EF-4A2D-A28B-568E40EE9D9B}">
@@ -5884,8 +5898,8 @@
       </dsp:nvSpPr>
       <dsp:spPr>
         <a:xfrm rot="10800000">
-          <a:off x="1967923" y="2709333"/>
-          <a:ext cx="1283276" cy="0"/>
+          <a:off x="2147451" y="2709333"/>
+          <a:ext cx="1328284" cy="0"/>
         </a:xfrm>
         <a:custGeom>
           <a:avLst/>
@@ -5899,24 +5913,19 @@
                 <a:pt x="0" y="0"/>
               </a:moveTo>
               <a:lnTo>
-                <a:pt x="1283276" y="0"/>
+                <a:pt x="1328284" y="0"/>
               </a:lnTo>
             </a:path>
           </a:pathLst>
         </a:custGeom>
         <a:noFill/>
-        <a:ln w="12700" cap="flat" cmpd="sng" algn="ctr">
+        <a:ln w="34925" cap="flat" cmpd="sng" algn="in">
           <a:solidFill>
-            <a:schemeClr val="accent1">
-              <a:shade val="60000"/>
-              <a:hueOff val="0"/>
-              <a:satOff val="0"/>
-              <a:lumOff val="0"/>
-              <a:alphaOff val="0"/>
-            </a:schemeClr>
+            <a:scrgbClr r="0" g="0" b="0"/>
           </a:solidFill>
           <a:prstDash val="solid"/>
-          <a:miter lim="800000"/>
+          <a:headEnd type="triangle" w="lg" len="lg"/>
+          <a:tailEnd type="triangle" w="lg" len="lg"/>
         </a:ln>
         <a:effectLst/>
       </dsp:spPr>
@@ -5940,7 +5949,7 @@
       </dsp:nvSpPr>
       <dsp:spPr>
         <a:xfrm>
-          <a:off x="878771" y="2164757"/>
+          <a:off x="1058299" y="2164757"/>
           <a:ext cx="1089152" cy="1089152"/>
         </a:xfrm>
         <a:prstGeom prst="roundRect">
@@ -5954,9 +5963,9 @@
                 <a:satOff val="0"/>
                 <a:lumOff val="0"/>
                 <a:alphaOff val="0"/>
+                <a:tint val="94000"/>
                 <a:satMod val="103000"/>
                 <a:lumMod val="102000"/>
-                <a:tint val="94000"/>
               </a:schemeClr>
             </a:gs>
             <a:gs pos="50000">
@@ -5965,9 +5974,9 @@
                 <a:satOff val="0"/>
                 <a:lumOff val="0"/>
                 <a:alphaOff val="0"/>
+                <a:shade val="100000"/>
                 <a:satMod val="110000"/>
                 <a:lumMod val="100000"/>
-                <a:shade val="100000"/>
               </a:schemeClr>
             </a:gs>
             <a:gs pos="100000">
@@ -5976,9 +5985,9 @@
                 <a:satOff val="0"/>
                 <a:lumOff val="0"/>
                 <a:alphaOff val="0"/>
+                <a:shade val="78000"/>
+                <a:satMod val="120000"/>
                 <a:lumMod val="99000"/>
-                <a:satMod val="120000"/>
-                <a:shade val="78000"/>
               </a:schemeClr>
             </a:gs>
           </a:gsLst>
@@ -5990,7 +5999,7 @@
         <a:effectLst>
           <a:outerShdw blurRad="57150" dist="19050" dir="5400000" algn="ctr" rotWithShape="0">
             <a:srgbClr val="000000">
-              <a:alpha val="63000"/>
+              <a:alpha val="35000"/>
             </a:srgbClr>
           </a:outerShdw>
         </a:effectLst>
@@ -6010,12 +6019,12 @@
         </a:fontRef>
       </dsp:style>
       <dsp:txBody>
-        <a:bodyPr spcFirstLastPara="0" vert="horz" wrap="square" lIns="73660" tIns="73660" rIns="73660" bIns="73660" numCol="1" spcCol="1270" anchor="ctr" anchorCtr="0">
+        <a:bodyPr spcFirstLastPara="0" vert="horz" wrap="square" lIns="68580" tIns="68580" rIns="68580" bIns="68580" numCol="1" spcCol="1270" anchor="ctr" anchorCtr="0">
           <a:noAutofit/>
         </a:bodyPr>
         <a:lstStyle/>
         <a:p>
-          <a:pPr marL="0" lvl="0" indent="0" algn="ctr" defTabSz="1289050">
+          <a:pPr marL="0" lvl="0" indent="0" algn="ctr" defTabSz="1200150">
             <a:lnSpc>
               <a:spcPct val="90000"/>
             </a:lnSpc>
@@ -6028,14 +6037,22 @@
             <a:buNone/>
           </a:pPr>
           <a:r>
-            <a:rPr lang="fi-FI" sz="2900" kern="1200"/>
+            <a:rPr lang="fi-FI" sz="2700" kern="1200" dirty="0" err="1"/>
             <a:t>React</a:t>
           </a:r>
-          <a:endParaRPr lang="fi-FI" sz="2900" kern="1200" dirty="0"/>
+          <a:r>
+            <a:rPr lang="fi-FI" sz="2700" kern="1200" dirty="0"/>
+            <a:t> </a:t>
+          </a:r>
+          <a:r>
+            <a:rPr lang="fi-FI" sz="2700" kern="1200" dirty="0" err="1"/>
+            <a:t>app</a:t>
+          </a:r>
+          <a:endParaRPr lang="fi-FI" sz="2700" kern="1200" dirty="0"/>
         </a:p>
       </dsp:txBody>
       <dsp:txXfrm>
-        <a:off x="931939" y="2217925"/>
+        <a:off x="1111467" y="2217925"/>
         <a:ext cx="982816" cy="982816"/>
       </dsp:txXfrm>
     </dsp:sp>
@@ -6046,8 +6063,8 @@
       </dsp:nvSpPr>
       <dsp:spPr>
         <a:xfrm>
-          <a:off x="4876800" y="2709333"/>
-          <a:ext cx="1197808" cy="0"/>
+          <a:off x="4652264" y="2709333"/>
+          <a:ext cx="1319757" cy="0"/>
         </a:xfrm>
         <a:custGeom>
           <a:avLst/>
@@ -6061,24 +6078,19 @@
                 <a:pt x="0" y="0"/>
               </a:moveTo>
               <a:lnTo>
-                <a:pt x="1197808" y="0"/>
+                <a:pt x="1319757" y="0"/>
               </a:lnTo>
             </a:path>
           </a:pathLst>
         </a:custGeom>
         <a:noFill/>
-        <a:ln w="12700" cap="flat" cmpd="sng" algn="ctr">
+        <a:ln w="34925" cap="flat" cmpd="sng" algn="in">
           <a:solidFill>
-            <a:schemeClr val="accent1">
-              <a:shade val="60000"/>
-              <a:hueOff val="0"/>
-              <a:satOff val="0"/>
-              <a:lumOff val="0"/>
-              <a:alphaOff val="0"/>
-            </a:schemeClr>
+            <a:scrgbClr r="0" g="0" b="0"/>
           </a:solidFill>
           <a:prstDash val="solid"/>
-          <a:miter lim="800000"/>
+          <a:headEnd type="triangle" w="lg" len="lg"/>
+          <a:tailEnd type="triangle" w="lg" len="lg"/>
         </a:ln>
         <a:effectLst/>
       </dsp:spPr>
@@ -6102,7 +6114,7 @@
       </dsp:nvSpPr>
       <dsp:spPr>
         <a:xfrm>
-          <a:off x="6074608" y="2164757"/>
+          <a:off x="5972021" y="2164757"/>
           <a:ext cx="1089152" cy="1089152"/>
         </a:xfrm>
         <a:prstGeom prst="roundRect">
@@ -6116,9 +6128,9 @@
                 <a:satOff val="0"/>
                 <a:lumOff val="0"/>
                 <a:alphaOff val="0"/>
+                <a:tint val="94000"/>
                 <a:satMod val="103000"/>
                 <a:lumMod val="102000"/>
-                <a:tint val="94000"/>
               </a:schemeClr>
             </a:gs>
             <a:gs pos="50000">
@@ -6127,9 +6139,9 @@
                 <a:satOff val="0"/>
                 <a:lumOff val="0"/>
                 <a:alphaOff val="0"/>
+                <a:shade val="100000"/>
                 <a:satMod val="110000"/>
                 <a:lumMod val="100000"/>
-                <a:shade val="100000"/>
               </a:schemeClr>
             </a:gs>
             <a:gs pos="100000">
@@ -6138,9 +6150,9 @@
                 <a:satOff val="0"/>
                 <a:lumOff val="0"/>
                 <a:alphaOff val="0"/>
+                <a:shade val="78000"/>
+                <a:satMod val="120000"/>
                 <a:lumMod val="99000"/>
-                <a:satMod val="120000"/>
-                <a:shade val="78000"/>
               </a:schemeClr>
             </a:gs>
           </a:gsLst>
@@ -6152,7 +6164,7 @@
         <a:effectLst>
           <a:outerShdw blurRad="57150" dist="19050" dir="5400000" algn="ctr" rotWithShape="0">
             <a:srgbClr val="000000">
-              <a:alpha val="63000"/>
+              <a:alpha val="35000"/>
             </a:srgbClr>
           </a:outerShdw>
         </a:effectLst>
@@ -6200,7 +6212,7 @@
         </a:p>
       </dsp:txBody>
       <dsp:txXfrm>
-        <a:off x="6127776" y="2217925"/>
+        <a:off x="6025189" y="2217925"/>
         <a:ext cx="982816" cy="982816"/>
       </dsp:txXfrm>
     </dsp:sp>
@@ -6223,7 +6235,7 @@
       </dsp:nvSpPr>
       <dsp:spPr>
         <a:xfrm>
-          <a:off x="3251199" y="2520950"/>
+          <a:off x="3251199" y="1896533"/>
           <a:ext cx="1625600" cy="1625600"/>
         </a:xfrm>
         <a:prstGeom prst="roundRect">
@@ -6237,9 +6249,9 @@
                 <a:satOff val="0"/>
                 <a:lumOff val="0"/>
                 <a:alphaOff val="0"/>
+                <a:tint val="94000"/>
                 <a:satMod val="103000"/>
                 <a:lumMod val="102000"/>
-                <a:tint val="94000"/>
               </a:schemeClr>
             </a:gs>
             <a:gs pos="50000">
@@ -6248,9 +6260,9 @@
                 <a:satOff val="0"/>
                 <a:lumOff val="0"/>
                 <a:alphaOff val="0"/>
+                <a:shade val="100000"/>
                 <a:satMod val="110000"/>
                 <a:lumMod val="100000"/>
-                <a:shade val="100000"/>
               </a:schemeClr>
             </a:gs>
             <a:gs pos="100000">
@@ -6259,9 +6271,9 @@
                 <a:satOff val="0"/>
                 <a:lumOff val="0"/>
                 <a:alphaOff val="0"/>
+                <a:shade val="78000"/>
+                <a:satMod val="120000"/>
                 <a:lumMod val="99000"/>
-                <a:satMod val="120000"/>
-                <a:shade val="78000"/>
               </a:schemeClr>
             </a:gs>
           </a:gsLst>
@@ -6273,7 +6285,7 @@
         <a:effectLst>
           <a:outerShdw blurRad="57150" dist="19050" dir="5400000" algn="ctr" rotWithShape="0">
             <a:srgbClr val="000000">
-              <a:alpha val="63000"/>
+              <a:alpha val="35000"/>
             </a:srgbClr>
           </a:outerShdw>
         </a:effectLst>
@@ -6318,7 +6330,7 @@
         </a:p>
       </dsp:txBody>
       <dsp:txXfrm>
-        <a:off x="3330554" y="2600305"/>
+        <a:off x="3330554" y="1975888"/>
         <a:ext cx="1466890" cy="1466890"/>
       </dsp:txXfrm>
     </dsp:sp>
@@ -6328,9 +6340,9 @@
         <dsp:cNvSpPr/>
       </dsp:nvSpPr>
       <dsp:spPr>
-        <a:xfrm rot="16200000">
-          <a:off x="3493854" y="1950804"/>
-          <a:ext cx="1140290" cy="0"/>
+        <a:xfrm rot="10800016">
+          <a:off x="2147399" y="2709327"/>
+          <a:ext cx="1103800" cy="0"/>
         </a:xfrm>
         <a:custGeom>
           <a:avLst/>
@@ -6344,13 +6356,13 @@
                 <a:pt x="0" y="0"/>
               </a:moveTo>
               <a:lnTo>
-                <a:pt x="1140290" y="0"/>
+                <a:pt x="1103800" y="0"/>
               </a:lnTo>
             </a:path>
           </a:pathLst>
         </a:custGeom>
         <a:noFill/>
-        <a:ln w="12700" cap="flat" cmpd="sng" algn="ctr">
+        <a:ln w="34925" cap="flat" cmpd="sng" algn="in">
           <a:solidFill>
             <a:schemeClr val="accent1">
               <a:shade val="60000"/>
@@ -6361,7 +6373,6 @@
             </a:schemeClr>
           </a:solidFill>
           <a:prstDash val="solid"/>
-          <a:miter lim="800000"/>
         </a:ln>
         <a:effectLst/>
       </dsp:spPr>
@@ -6385,7 +6396,7 @@
       </dsp:nvSpPr>
       <dsp:spPr>
         <a:xfrm>
-          <a:off x="3519423" y="291507"/>
+          <a:off x="1058247" y="2164746"/>
           <a:ext cx="1089152" cy="1089152"/>
         </a:xfrm>
         <a:prstGeom prst="roundRect">
@@ -6399,9 +6410,9 @@
                 <a:satOff val="0"/>
                 <a:lumOff val="0"/>
                 <a:alphaOff val="0"/>
+                <a:tint val="94000"/>
                 <a:satMod val="103000"/>
                 <a:lumMod val="102000"/>
-                <a:tint val="94000"/>
               </a:schemeClr>
             </a:gs>
             <a:gs pos="50000">
@@ -6410,9 +6421,9 @@
                 <a:satOff val="0"/>
                 <a:lumOff val="0"/>
                 <a:alphaOff val="0"/>
+                <a:shade val="100000"/>
                 <a:satMod val="110000"/>
                 <a:lumMod val="100000"/>
-                <a:shade val="100000"/>
               </a:schemeClr>
             </a:gs>
             <a:gs pos="100000">
@@ -6421,9 +6432,9 @@
                 <a:satOff val="0"/>
                 <a:lumOff val="0"/>
                 <a:alphaOff val="0"/>
+                <a:shade val="78000"/>
+                <a:satMod val="120000"/>
                 <a:lumMod val="99000"/>
-                <a:satMod val="120000"/>
-                <a:shade val="78000"/>
               </a:schemeClr>
             </a:gs>
           </a:gsLst>
@@ -6435,7 +6446,7 @@
         <a:effectLst>
           <a:outerShdw blurRad="57150" dist="19050" dir="5400000" algn="ctr" rotWithShape="0">
             <a:srgbClr val="000000">
-              <a:alpha val="63000"/>
+              <a:alpha val="35000"/>
             </a:srgbClr>
           </a:outerShdw>
         </a:effectLst>
@@ -6455,12 +6466,12 @@
         </a:fontRef>
       </dsp:style>
       <dsp:txBody>
-        <a:bodyPr spcFirstLastPara="0" vert="horz" wrap="square" lIns="35560" tIns="35560" rIns="35560" bIns="35560" numCol="1" spcCol="1270" anchor="ctr" anchorCtr="0">
+        <a:bodyPr spcFirstLastPara="0" vert="horz" wrap="square" lIns="33020" tIns="33020" rIns="33020" bIns="33020" numCol="1" spcCol="1270" anchor="ctr" anchorCtr="0">
           <a:noAutofit/>
         </a:bodyPr>
         <a:lstStyle/>
         <a:p>
-          <a:pPr marL="0" lvl="0" indent="0" algn="ctr" defTabSz="622300">
+          <a:pPr marL="0" lvl="0" indent="0" algn="ctr" defTabSz="577850">
             <a:lnSpc>
               <a:spcPct val="90000"/>
             </a:lnSpc>
@@ -6473,14 +6484,14 @@
             <a:buNone/>
           </a:pPr>
           <a:r>
-            <a:rPr lang="fi-FI" sz="1400" kern="1200" dirty="0" err="1"/>
+            <a:rPr lang="fi-FI" sz="1300" kern="1200" dirty="0" err="1"/>
             <a:t>LandingPage</a:t>
           </a:r>
-          <a:endParaRPr lang="fi-FI" sz="1400" kern="1200" dirty="0"/>
+          <a:endParaRPr lang="fi-FI" sz="1300" kern="1200" dirty="0"/>
         </a:p>
       </dsp:txBody>
       <dsp:txXfrm>
-        <a:off x="3572591" y="344675"/>
+        <a:off x="1111415" y="2217914"/>
         <a:ext cx="982816" cy="982816"/>
       </dsp:txXfrm>
     </dsp:sp>
@@ -6490,9 +6501,9 @@
         <dsp:cNvSpPr/>
       </dsp:nvSpPr>
       <dsp:spPr>
-        <a:xfrm rot="1800000">
-          <a:off x="4814481" y="4035596"/>
-          <a:ext cx="930303" cy="0"/>
+        <a:xfrm rot="16200000">
+          <a:off x="3815479" y="1648012"/>
+          <a:ext cx="497041" cy="0"/>
         </a:xfrm>
         <a:custGeom>
           <a:avLst/>
@@ -6506,13 +6517,13 @@
                 <a:pt x="0" y="0"/>
               </a:moveTo>
               <a:lnTo>
-                <a:pt x="930303" y="0"/>
+                <a:pt x="497041" y="0"/>
               </a:lnTo>
             </a:path>
           </a:pathLst>
         </a:custGeom>
         <a:noFill/>
-        <a:ln w="12700" cap="flat" cmpd="sng" algn="ctr">
+        <a:ln w="34925" cap="flat" cmpd="sng" algn="in">
           <a:solidFill>
             <a:schemeClr val="accent1">
               <a:shade val="60000"/>
@@ -6523,7 +6534,6 @@
             </a:schemeClr>
           </a:solidFill>
           <a:prstDash val="solid"/>
-          <a:miter lim="800000"/>
         </a:ln>
         <a:effectLst/>
       </dsp:spPr>
@@ -6547,7 +6557,7 @@
       </dsp:nvSpPr>
       <dsp:spPr>
         <a:xfrm>
-          <a:off x="5682466" y="4038007"/>
+          <a:off x="3519423" y="310339"/>
           <a:ext cx="1089152" cy="1089152"/>
         </a:xfrm>
         <a:prstGeom prst="roundRect">
@@ -6561,9 +6571,9 @@
                 <a:satOff val="0"/>
                 <a:lumOff val="0"/>
                 <a:alphaOff val="0"/>
+                <a:tint val="94000"/>
                 <a:satMod val="103000"/>
                 <a:lumMod val="102000"/>
-                <a:tint val="94000"/>
               </a:schemeClr>
             </a:gs>
             <a:gs pos="50000">
@@ -6572,9 +6582,9 @@
                 <a:satOff val="0"/>
                 <a:lumOff val="0"/>
                 <a:alphaOff val="0"/>
+                <a:shade val="100000"/>
                 <a:satMod val="110000"/>
                 <a:lumMod val="100000"/>
-                <a:shade val="100000"/>
               </a:schemeClr>
             </a:gs>
             <a:gs pos="100000">
@@ -6583,9 +6593,9 @@
                 <a:satOff val="0"/>
                 <a:lumOff val="0"/>
                 <a:alphaOff val="0"/>
+                <a:shade val="78000"/>
+                <a:satMod val="120000"/>
                 <a:lumMod val="99000"/>
-                <a:satMod val="120000"/>
-                <a:shade val="78000"/>
               </a:schemeClr>
             </a:gs>
           </a:gsLst>
@@ -6597,7 +6607,7 @@
         <a:effectLst>
           <a:outerShdw blurRad="57150" dist="19050" dir="5400000" algn="ctr" rotWithShape="0">
             <a:srgbClr val="000000">
-              <a:alpha val="63000"/>
+              <a:alpha val="35000"/>
             </a:srgbClr>
           </a:outerShdw>
         </a:effectLst>
@@ -6642,7 +6652,7 @@
         </a:p>
       </dsp:txBody>
       <dsp:txXfrm>
-        <a:off x="5735634" y="4091175"/>
+        <a:off x="3572591" y="363507"/>
         <a:ext cx="982816" cy="982816"/>
       </dsp:txXfrm>
     </dsp:sp>
@@ -6652,9 +6662,9 @@
         <dsp:cNvSpPr/>
       </dsp:nvSpPr>
       <dsp:spPr>
-        <a:xfrm rot="9000000">
-          <a:off x="2383214" y="4035596"/>
-          <a:ext cx="930303" cy="0"/>
+        <a:xfrm rot="21599994">
+          <a:off x="4876800" y="2709331"/>
+          <a:ext cx="1094292" cy="0"/>
         </a:xfrm>
         <a:custGeom>
           <a:avLst/>
@@ -6668,13 +6678,13 @@
                 <a:pt x="0" y="0"/>
               </a:moveTo>
               <a:lnTo>
-                <a:pt x="930303" y="0"/>
+                <a:pt x="1094292" y="0"/>
               </a:lnTo>
             </a:path>
           </a:pathLst>
         </a:custGeom>
         <a:noFill/>
-        <a:ln w="12700" cap="flat" cmpd="sng" algn="ctr">
+        <a:ln w="34925" cap="flat" cmpd="sng" algn="in">
           <a:solidFill>
             <a:schemeClr val="accent1">
               <a:shade val="60000"/>
@@ -6685,7 +6695,6 @@
             </a:schemeClr>
           </a:solidFill>
           <a:prstDash val="solid"/>
-          <a:miter lim="800000"/>
         </a:ln>
         <a:effectLst/>
       </dsp:spPr>
@@ -6709,7 +6718,7 @@
       </dsp:nvSpPr>
       <dsp:spPr>
         <a:xfrm>
-          <a:off x="1356381" y="4038007"/>
+          <a:off x="5971092" y="2164752"/>
           <a:ext cx="1089152" cy="1089152"/>
         </a:xfrm>
         <a:prstGeom prst="roundRect">
@@ -6723,9 +6732,9 @@
                 <a:satOff val="0"/>
                 <a:lumOff val="0"/>
                 <a:alphaOff val="0"/>
+                <a:tint val="94000"/>
                 <a:satMod val="103000"/>
                 <a:lumMod val="102000"/>
-                <a:tint val="94000"/>
               </a:schemeClr>
             </a:gs>
             <a:gs pos="50000">
@@ -6734,9 +6743,9 @@
                 <a:satOff val="0"/>
                 <a:lumOff val="0"/>
                 <a:alphaOff val="0"/>
+                <a:shade val="100000"/>
                 <a:satMod val="110000"/>
                 <a:lumMod val="100000"/>
-                <a:shade val="100000"/>
               </a:schemeClr>
             </a:gs>
             <a:gs pos="100000">
@@ -6745,9 +6754,9 @@
                 <a:satOff val="0"/>
                 <a:lumOff val="0"/>
                 <a:alphaOff val="0"/>
+                <a:shade val="78000"/>
+                <a:satMod val="120000"/>
                 <a:lumMod val="99000"/>
-                <a:satMod val="120000"/>
-                <a:shade val="78000"/>
               </a:schemeClr>
             </a:gs>
           </a:gsLst>
@@ -6759,125 +6768,7 @@
         <a:effectLst>
           <a:outerShdw blurRad="57150" dist="19050" dir="5400000" algn="ctr" rotWithShape="0">
             <a:srgbClr val="000000">
-              <a:alpha val="63000"/>
-            </a:srgbClr>
-          </a:outerShdw>
-        </a:effectLst>
-      </dsp:spPr>
-      <dsp:style>
-        <a:lnRef idx="0">
-          <a:scrgbClr r="0" g="0" b="0"/>
-        </a:lnRef>
-        <a:fillRef idx="3">
-          <a:scrgbClr r="0" g="0" b="0"/>
-        </a:fillRef>
-        <a:effectRef idx="3">
-          <a:scrgbClr r="0" g="0" b="0"/>
-        </a:effectRef>
-        <a:fontRef idx="minor">
-          <a:schemeClr val="lt1"/>
-        </a:fontRef>
-      </dsp:style>
-      <dsp:txBody>
-        <a:bodyPr spcFirstLastPara="0" vert="horz" wrap="square" lIns="55880" tIns="55880" rIns="55880" bIns="55880" numCol="1" spcCol="1270" anchor="ctr" anchorCtr="0">
-          <a:noAutofit/>
-        </a:bodyPr>
-        <a:lstStyle/>
-        <a:p>
-          <a:pPr marL="0" lvl="0" indent="0" algn="ctr" defTabSz="977900">
-            <a:lnSpc>
-              <a:spcPct val="90000"/>
-            </a:lnSpc>
-            <a:spcBef>
-              <a:spcPct val="0"/>
-            </a:spcBef>
-            <a:spcAft>
-              <a:spcPct val="35000"/>
-            </a:spcAft>
-            <a:buNone/>
-          </a:pPr>
-          <a:r>
-            <a:rPr lang="fi-FI" sz="2200" kern="1200" dirty="0" err="1"/>
-            <a:t>PostList</a:t>
-          </a:r>
-          <a:endParaRPr lang="fi-FI" sz="2200" kern="1200" dirty="0"/>
-        </a:p>
-      </dsp:txBody>
-      <dsp:txXfrm>
-        <a:off x="1409549" y="4091175"/>
-        <a:ext cx="982816" cy="982816"/>
-      </dsp:txXfrm>
-    </dsp:sp>
-  </dsp:spTree>
-</dsp:drawing>
-</file>
-
-<file path=ppt/diagrams/drawing3.xml><?xml version="1.0" encoding="utf-8"?>
-<dsp:drawing xmlns:dgm="http://schemas.openxmlformats.org/drawingml/2006/diagram" xmlns:dsp="http://schemas.microsoft.com/office/drawing/2008/diagram" xmlns:a="http://schemas.openxmlformats.org/drawingml/2006/main">
-  <dsp:spTree>
-    <dsp:nvGrpSpPr>
-      <dsp:cNvPr id="0" name=""/>
-      <dsp:cNvGrpSpPr/>
-    </dsp:nvGrpSpPr>
-    <dsp:grpSpPr/>
-    <dsp:sp modelId="{2C8AF445-AC78-4BD3-8F1F-0006FA648CFE}">
-      <dsp:nvSpPr>
-        <dsp:cNvPr id="0" name=""/>
-        <dsp:cNvSpPr/>
-      </dsp:nvSpPr>
-      <dsp:spPr>
-        <a:xfrm>
-          <a:off x="3251199" y="1896533"/>
-          <a:ext cx="1625600" cy="1625600"/>
-        </a:xfrm>
-        <a:prstGeom prst="roundRect">
-          <a:avLst/>
-        </a:prstGeom>
-        <a:gradFill rotWithShape="0">
-          <a:gsLst>
-            <a:gs pos="0">
-              <a:schemeClr val="accent1">
-                <a:hueOff val="0"/>
-                <a:satOff val="0"/>
-                <a:lumOff val="0"/>
-                <a:alphaOff val="0"/>
-                <a:satMod val="103000"/>
-                <a:lumMod val="102000"/>
-                <a:tint val="94000"/>
-              </a:schemeClr>
-            </a:gs>
-            <a:gs pos="50000">
-              <a:schemeClr val="accent1">
-                <a:hueOff val="0"/>
-                <a:satOff val="0"/>
-                <a:lumOff val="0"/>
-                <a:alphaOff val="0"/>
-                <a:satMod val="110000"/>
-                <a:lumMod val="100000"/>
-                <a:shade val="100000"/>
-              </a:schemeClr>
-            </a:gs>
-            <a:gs pos="100000">
-              <a:schemeClr val="accent1">
-                <a:hueOff val="0"/>
-                <a:satOff val="0"/>
-                <a:lumOff val="0"/>
-                <a:alphaOff val="0"/>
-                <a:lumMod val="99000"/>
-                <a:satMod val="120000"/>
-                <a:shade val="78000"/>
-              </a:schemeClr>
-            </a:gs>
-          </a:gsLst>
-          <a:lin ang="5400000" scaled="0"/>
-        </a:gradFill>
-        <a:ln>
-          <a:noFill/>
-        </a:ln>
-        <a:effectLst>
-          <a:outerShdw blurRad="57150" dist="19050" dir="5400000" algn="ctr" rotWithShape="0">
-            <a:srgbClr val="000000">
-              <a:alpha val="63000"/>
+              <a:alpha val="35000"/>
             </a:srgbClr>
           </a:outerShdw>
         </a:effectLst>
@@ -6916,9 +6807,127 @@
           </a:pPr>
           <a:r>
             <a:rPr lang="fi-FI" sz="2000" kern="1200" dirty="0" err="1"/>
+            <a:t>PostList</a:t>
+          </a:r>
+          <a:endParaRPr lang="fi-FI" sz="2000" kern="1200" dirty="0"/>
+        </a:p>
+      </dsp:txBody>
+      <dsp:txXfrm>
+        <a:off x="6024260" y="2217920"/>
+        <a:ext cx="982816" cy="982816"/>
+      </dsp:txXfrm>
+    </dsp:sp>
+  </dsp:spTree>
+</dsp:drawing>
+</file>
+
+<file path=ppt/diagrams/drawing3.xml><?xml version="1.0" encoding="utf-8"?>
+<dsp:drawing xmlns:dgm="http://schemas.openxmlformats.org/drawingml/2006/diagram" xmlns:dsp="http://schemas.microsoft.com/office/drawing/2008/diagram" xmlns:a="http://schemas.openxmlformats.org/drawingml/2006/main">
+  <dsp:spTree>
+    <dsp:nvGrpSpPr>
+      <dsp:cNvPr id="0" name=""/>
+      <dsp:cNvGrpSpPr/>
+    </dsp:nvGrpSpPr>
+    <dsp:grpSpPr/>
+    <dsp:sp modelId="{2C8AF445-AC78-4BD3-8F1F-0006FA648CFE}">
+      <dsp:nvSpPr>
+        <dsp:cNvPr id="0" name=""/>
+        <dsp:cNvSpPr/>
+      </dsp:nvSpPr>
+      <dsp:spPr>
+        <a:xfrm>
+          <a:off x="3251199" y="1896533"/>
+          <a:ext cx="1625600" cy="1625600"/>
+        </a:xfrm>
+        <a:prstGeom prst="roundRect">
+          <a:avLst/>
+        </a:prstGeom>
+        <a:gradFill rotWithShape="0">
+          <a:gsLst>
+            <a:gs pos="0">
+              <a:schemeClr val="accent1">
+                <a:hueOff val="0"/>
+                <a:satOff val="0"/>
+                <a:lumOff val="0"/>
+                <a:alphaOff val="0"/>
+                <a:tint val="94000"/>
+                <a:satMod val="103000"/>
+                <a:lumMod val="102000"/>
+              </a:schemeClr>
+            </a:gs>
+            <a:gs pos="50000">
+              <a:schemeClr val="accent1">
+                <a:hueOff val="0"/>
+                <a:satOff val="0"/>
+                <a:lumOff val="0"/>
+                <a:alphaOff val="0"/>
+                <a:shade val="100000"/>
+                <a:satMod val="110000"/>
+                <a:lumMod val="100000"/>
+              </a:schemeClr>
+            </a:gs>
+            <a:gs pos="100000">
+              <a:schemeClr val="accent1">
+                <a:hueOff val="0"/>
+                <a:satOff val="0"/>
+                <a:lumOff val="0"/>
+                <a:alphaOff val="0"/>
+                <a:shade val="78000"/>
+                <a:satMod val="120000"/>
+                <a:lumMod val="99000"/>
+              </a:schemeClr>
+            </a:gs>
+          </a:gsLst>
+          <a:lin ang="5400000" scaled="0"/>
+        </a:gradFill>
+        <a:ln>
+          <a:noFill/>
+        </a:ln>
+        <a:effectLst>
+          <a:outerShdw blurRad="57150" dist="19050" dir="5400000" algn="ctr" rotWithShape="0">
+            <a:srgbClr val="000000">
+              <a:alpha val="35000"/>
+            </a:srgbClr>
+          </a:outerShdw>
+        </a:effectLst>
+      </dsp:spPr>
+      <dsp:style>
+        <a:lnRef idx="0">
+          <a:scrgbClr r="0" g="0" b="0"/>
+        </a:lnRef>
+        <a:fillRef idx="3">
+          <a:scrgbClr r="0" g="0" b="0"/>
+        </a:fillRef>
+        <a:effectRef idx="3">
+          <a:scrgbClr r="0" g="0" b="0"/>
+        </a:effectRef>
+        <a:fontRef idx="minor">
+          <a:schemeClr val="lt1"/>
+        </a:fontRef>
+      </dsp:style>
+      <dsp:txBody>
+        <a:bodyPr spcFirstLastPara="0" vert="horz" wrap="square" lIns="48260" tIns="48260" rIns="48260" bIns="48260" numCol="1" spcCol="1270" anchor="ctr" anchorCtr="0">
+          <a:noAutofit/>
+        </a:bodyPr>
+        <a:lstStyle/>
+        <a:p>
+          <a:pPr marL="0" lvl="0" indent="0" algn="ctr" defTabSz="844550">
+            <a:lnSpc>
+              <a:spcPct val="90000"/>
+            </a:lnSpc>
+            <a:spcBef>
+              <a:spcPct val="0"/>
+            </a:spcBef>
+            <a:spcAft>
+              <a:spcPct val="35000"/>
+            </a:spcAft>
+            <a:buNone/>
+          </a:pPr>
+          <a:r>
+            <a:rPr lang="fi-FI" sz="1900" kern="1200" dirty="0" err="1"/>
             <a:t>LandingPage</a:t>
           </a:r>
-          <a:endParaRPr lang="fi-FI" sz="2000" kern="1200" dirty="0"/>
+          <a:endParaRPr lang="fi-FI" sz="1900" kern="1200" dirty="0"/>
         </a:p>
       </dsp:txBody>
       <dsp:txXfrm>
@@ -6932,9 +6941,9 @@
         <dsp:cNvSpPr/>
       </dsp:nvSpPr>
       <dsp:spPr>
-        <a:xfrm rot="16200000">
-          <a:off x="3660542" y="1493075"/>
-          <a:ext cx="806915" cy="0"/>
+        <a:xfrm rot="10800000">
+          <a:off x="2147429" y="2709333"/>
+          <a:ext cx="1103769" cy="0"/>
         </a:xfrm>
         <a:custGeom>
           <a:avLst/>
@@ -6948,13 +6957,13 @@
                 <a:pt x="0" y="0"/>
               </a:moveTo>
               <a:lnTo>
-                <a:pt x="806915" y="0"/>
+                <a:pt x="1103769" y="0"/>
               </a:lnTo>
             </a:path>
           </a:pathLst>
         </a:custGeom>
         <a:noFill/>
-        <a:ln w="12700" cap="flat" cmpd="sng" algn="ctr">
+        <a:ln w="34925" cap="flat" cmpd="sng" algn="in">
           <a:solidFill>
             <a:schemeClr val="accent1">
               <a:shade val="60000"/>
@@ -6965,7 +6974,6 @@
             </a:schemeClr>
           </a:solidFill>
           <a:prstDash val="solid"/>
-          <a:miter lim="800000"/>
         </a:ln>
         <a:effectLst/>
       </dsp:spPr>
@@ -6989,7 +6997,7 @@
       </dsp:nvSpPr>
       <dsp:spPr>
         <a:xfrm>
-          <a:off x="3519423" y="465"/>
+          <a:off x="1058277" y="2164757"/>
           <a:ext cx="1089152" cy="1089152"/>
         </a:xfrm>
         <a:prstGeom prst="roundRect">
@@ -7003,9 +7011,9 @@
                 <a:satOff val="0"/>
                 <a:lumOff val="0"/>
                 <a:alphaOff val="0"/>
+                <a:tint val="94000"/>
                 <a:satMod val="103000"/>
                 <a:lumMod val="102000"/>
-                <a:tint val="94000"/>
               </a:schemeClr>
             </a:gs>
             <a:gs pos="50000">
@@ -7014,9 +7022,9 @@
                 <a:satOff val="0"/>
                 <a:lumOff val="0"/>
                 <a:alphaOff val="0"/>
+                <a:shade val="100000"/>
                 <a:satMod val="110000"/>
                 <a:lumMod val="100000"/>
-                <a:shade val="100000"/>
               </a:schemeClr>
             </a:gs>
             <a:gs pos="100000">
@@ -7025,9 +7033,9 @@
                 <a:satOff val="0"/>
                 <a:lumOff val="0"/>
                 <a:alphaOff val="0"/>
+                <a:shade val="78000"/>
+                <a:satMod val="120000"/>
                 <a:lumMod val="99000"/>
-                <a:satMod val="120000"/>
-                <a:shade val="78000"/>
               </a:schemeClr>
             </a:gs>
           </a:gsLst>
@@ -7039,7 +7047,7 @@
         <a:effectLst>
           <a:outerShdw blurRad="57150" dist="19050" dir="5400000" algn="ctr" rotWithShape="0">
             <a:srgbClr val="000000">
-              <a:alpha val="63000"/>
+              <a:alpha val="35000"/>
             </a:srgbClr>
           </a:outerShdw>
         </a:effectLst>
@@ -7059,12 +7067,12 @@
         </a:fontRef>
       </dsp:style>
       <dsp:txBody>
-        <a:bodyPr spcFirstLastPara="0" vert="horz" wrap="square" lIns="76200" tIns="76200" rIns="76200" bIns="76200" numCol="1" spcCol="1270" anchor="ctr" anchorCtr="0">
+        <a:bodyPr spcFirstLastPara="0" vert="horz" wrap="square" lIns="71120" tIns="71120" rIns="71120" bIns="71120" numCol="1" spcCol="1270" anchor="ctr" anchorCtr="0">
           <a:noAutofit/>
         </a:bodyPr>
         <a:lstStyle/>
         <a:p>
-          <a:pPr marL="0" lvl="0" indent="0" algn="ctr" defTabSz="1333500">
+          <a:pPr marL="0" lvl="0" indent="0" algn="ctr" defTabSz="1244600">
             <a:lnSpc>
               <a:spcPct val="90000"/>
             </a:lnSpc>
@@ -7077,14 +7085,14 @@
             <a:buNone/>
           </a:pPr>
           <a:r>
-            <a:rPr lang="fi-FI" sz="3000" kern="1200" dirty="0" err="1"/>
+            <a:rPr lang="fi-FI" sz="2800" kern="1200" dirty="0" err="1"/>
             <a:t>Login</a:t>
           </a:r>
-          <a:endParaRPr lang="fi-FI" sz="3000" kern="1200" dirty="0"/>
+          <a:endParaRPr lang="fi-FI" sz="2800" kern="1200" dirty="0"/>
         </a:p>
       </dsp:txBody>
       <dsp:txXfrm>
-        <a:off x="3572591" y="53633"/>
+        <a:off x="1111445" y="2217925"/>
         <a:ext cx="982816" cy="982816"/>
       </dsp:txXfrm>
     </dsp:sp>
@@ -7094,9 +7102,9 @@
         <dsp:cNvSpPr/>
       </dsp:nvSpPr>
       <dsp:spPr>
-        <a:xfrm rot="5400000">
-          <a:off x="3660542" y="3925591"/>
-          <a:ext cx="806915" cy="0"/>
+        <a:xfrm>
+          <a:off x="4876800" y="2709333"/>
+          <a:ext cx="1086628" cy="0"/>
         </a:xfrm>
         <a:custGeom>
           <a:avLst/>
@@ -7110,13 +7118,13 @@
                 <a:pt x="0" y="0"/>
               </a:moveTo>
               <a:lnTo>
-                <a:pt x="806915" y="0"/>
+                <a:pt x="1086628" y="0"/>
               </a:lnTo>
             </a:path>
           </a:pathLst>
         </a:custGeom>
         <a:noFill/>
-        <a:ln w="12700" cap="flat" cmpd="sng" algn="ctr">
+        <a:ln w="34925" cap="flat" cmpd="sng" algn="in">
           <a:solidFill>
             <a:schemeClr val="accent1">
               <a:shade val="60000"/>
@@ -7127,7 +7135,6 @@
             </a:schemeClr>
           </a:solidFill>
           <a:prstDash val="solid"/>
-          <a:miter lim="800000"/>
         </a:ln>
         <a:effectLst/>
       </dsp:spPr>
@@ -7151,7 +7158,7 @@
       </dsp:nvSpPr>
       <dsp:spPr>
         <a:xfrm>
-          <a:off x="3519423" y="4329049"/>
+          <a:off x="5963428" y="2164757"/>
           <a:ext cx="1089152" cy="1089152"/>
         </a:xfrm>
         <a:prstGeom prst="roundRect">
@@ -7165,9 +7172,9 @@
                 <a:satOff val="0"/>
                 <a:lumOff val="0"/>
                 <a:alphaOff val="0"/>
+                <a:tint val="94000"/>
                 <a:satMod val="103000"/>
                 <a:lumMod val="102000"/>
-                <a:tint val="94000"/>
               </a:schemeClr>
             </a:gs>
             <a:gs pos="50000">
@@ -7176,9 +7183,9 @@
                 <a:satOff val="0"/>
                 <a:lumOff val="0"/>
                 <a:alphaOff val="0"/>
+                <a:shade val="100000"/>
                 <a:satMod val="110000"/>
                 <a:lumMod val="100000"/>
-                <a:shade val="100000"/>
               </a:schemeClr>
             </a:gs>
             <a:gs pos="100000">
@@ -7187,9 +7194,9 @@
                 <a:satOff val="0"/>
                 <a:lumOff val="0"/>
                 <a:alphaOff val="0"/>
+                <a:shade val="78000"/>
+                <a:satMod val="120000"/>
                 <a:lumMod val="99000"/>
-                <a:satMod val="120000"/>
-                <a:shade val="78000"/>
               </a:schemeClr>
             </a:gs>
           </a:gsLst>
@@ -7201,7 +7208,7 @@
         <a:effectLst>
           <a:outerShdw blurRad="57150" dist="19050" dir="5400000" algn="ctr" rotWithShape="0">
             <a:srgbClr val="000000">
-              <a:alpha val="63000"/>
+              <a:alpha val="35000"/>
             </a:srgbClr>
           </a:outerShdw>
         </a:effectLst>
@@ -7221,12 +7228,12 @@
         </a:fontRef>
       </dsp:style>
       <dsp:txBody>
-        <a:bodyPr spcFirstLastPara="0" vert="horz" wrap="square" lIns="63500" tIns="63500" rIns="63500" bIns="63500" numCol="1" spcCol="1270" anchor="ctr" anchorCtr="0">
+        <a:bodyPr spcFirstLastPara="0" vert="horz" wrap="square" lIns="60960" tIns="60960" rIns="60960" bIns="60960" numCol="1" spcCol="1270" anchor="ctr" anchorCtr="0">
           <a:noAutofit/>
         </a:bodyPr>
         <a:lstStyle/>
         <a:p>
-          <a:pPr marL="0" lvl="0" indent="0" algn="ctr" defTabSz="1111250">
+          <a:pPr marL="0" lvl="0" indent="0" algn="ctr" defTabSz="1066800">
             <a:lnSpc>
               <a:spcPct val="90000"/>
             </a:lnSpc>
@@ -7239,14 +7246,14 @@
             <a:buNone/>
           </a:pPr>
           <a:r>
-            <a:rPr lang="fi-FI" sz="2500" kern="1200" dirty="0" err="1"/>
+            <a:rPr lang="fi-FI" sz="2400" kern="1200" dirty="0" err="1"/>
             <a:t>Create</a:t>
           </a:r>
-          <a:endParaRPr lang="fi-FI" sz="2500" kern="1200" dirty="0"/>
+          <a:endParaRPr lang="fi-FI" sz="2400" kern="1200" dirty="0"/>
         </a:p>
       </dsp:txBody>
       <dsp:txXfrm>
-        <a:off x="3572591" y="4382217"/>
+        <a:off x="6016596" y="2217925"/>
         <a:ext cx="982816" cy="982816"/>
       </dsp:txXfrm>
     </dsp:sp>
@@ -7283,9 +7290,9 @@
                 <a:satOff val="0"/>
                 <a:lumOff val="0"/>
                 <a:alphaOff val="0"/>
+                <a:tint val="94000"/>
                 <a:satMod val="103000"/>
                 <a:lumMod val="102000"/>
-                <a:tint val="94000"/>
               </a:schemeClr>
             </a:gs>
             <a:gs pos="50000">
@@ -7294,9 +7301,9 @@
                 <a:satOff val="0"/>
                 <a:lumOff val="0"/>
                 <a:alphaOff val="0"/>
+                <a:shade val="100000"/>
                 <a:satMod val="110000"/>
                 <a:lumMod val="100000"/>
-                <a:shade val="100000"/>
               </a:schemeClr>
             </a:gs>
             <a:gs pos="100000">
@@ -7305,9 +7312,9 @@
                 <a:satOff val="0"/>
                 <a:lumOff val="0"/>
                 <a:alphaOff val="0"/>
+                <a:shade val="78000"/>
+                <a:satMod val="120000"/>
                 <a:lumMod val="99000"/>
-                <a:satMod val="120000"/>
-                <a:shade val="78000"/>
               </a:schemeClr>
             </a:gs>
           </a:gsLst>
@@ -7319,7 +7326,7 @@
         <a:effectLst>
           <a:outerShdw blurRad="57150" dist="19050" dir="5400000" algn="ctr" rotWithShape="0">
             <a:srgbClr val="000000">
-              <a:alpha val="63000"/>
+              <a:alpha val="35000"/>
             </a:srgbClr>
           </a:outerShdw>
         </a:effectLst>
@@ -7387,7 +7394,7 @@
       </dsp:nvSpPr>
       <dsp:spPr>
         <a:xfrm>
-          <a:off x="3251199" y="2520950"/>
+          <a:off x="3251199" y="1896533"/>
           <a:ext cx="1625600" cy="1625600"/>
         </a:xfrm>
         <a:prstGeom prst="roundRect">
@@ -7401,9 +7408,9 @@
                 <a:satOff val="0"/>
                 <a:lumOff val="0"/>
                 <a:alphaOff val="0"/>
+                <a:tint val="94000"/>
                 <a:satMod val="103000"/>
                 <a:lumMod val="102000"/>
-                <a:tint val="94000"/>
               </a:schemeClr>
             </a:gs>
             <a:gs pos="50000">
@@ -7412,9 +7419,9 @@
                 <a:satOff val="0"/>
                 <a:lumOff val="0"/>
                 <a:alphaOff val="0"/>
+                <a:shade val="100000"/>
                 <a:satMod val="110000"/>
                 <a:lumMod val="100000"/>
-                <a:shade val="100000"/>
               </a:schemeClr>
             </a:gs>
             <a:gs pos="100000">
@@ -7423,9 +7430,9 @@
                 <a:satOff val="0"/>
                 <a:lumOff val="0"/>
                 <a:alphaOff val="0"/>
+                <a:shade val="78000"/>
+                <a:satMod val="120000"/>
                 <a:lumMod val="99000"/>
-                <a:satMod val="120000"/>
-                <a:shade val="78000"/>
               </a:schemeClr>
             </a:gs>
           </a:gsLst>
@@ -7437,7 +7444,7 @@
         <a:effectLst>
           <a:outerShdw blurRad="57150" dist="19050" dir="5400000" algn="ctr" rotWithShape="0">
             <a:srgbClr val="000000">
-              <a:alpha val="63000"/>
+              <a:alpha val="35000"/>
             </a:srgbClr>
           </a:outerShdw>
         </a:effectLst>
@@ -7457,12 +7464,12 @@
         </a:fontRef>
       </dsp:style>
       <dsp:txBody>
-        <a:bodyPr spcFirstLastPara="0" vert="horz" wrap="square" lIns="81280" tIns="81280" rIns="81280" bIns="81280" numCol="1" spcCol="1270" anchor="ctr" anchorCtr="0">
+        <a:bodyPr spcFirstLastPara="0" vert="horz" wrap="square" lIns="76200" tIns="76200" rIns="76200" bIns="76200" numCol="1" spcCol="1270" anchor="ctr" anchorCtr="0">
           <a:noAutofit/>
         </a:bodyPr>
         <a:lstStyle/>
         <a:p>
-          <a:pPr marL="0" lvl="0" indent="0" algn="ctr" defTabSz="1422400">
+          <a:pPr marL="0" lvl="0" indent="0" algn="ctr" defTabSz="1333500">
             <a:lnSpc>
               <a:spcPct val="90000"/>
             </a:lnSpc>
@@ -7475,14 +7482,14 @@
             <a:buNone/>
           </a:pPr>
           <a:r>
-            <a:rPr lang="fi-FI" sz="3200" kern="1200" dirty="0" err="1"/>
+            <a:rPr lang="fi-FI" sz="3000" kern="1200" dirty="0" err="1"/>
             <a:t>PostList</a:t>
           </a:r>
-          <a:endParaRPr lang="fi-FI" sz="3200" kern="1200" dirty="0"/>
+          <a:endParaRPr lang="fi-FI" sz="3000" kern="1200" dirty="0"/>
         </a:p>
       </dsp:txBody>
       <dsp:txXfrm>
-        <a:off x="3330554" y="2600305"/>
+        <a:off x="3330554" y="1975888"/>
         <a:ext cx="1466890" cy="1466890"/>
       </dsp:txXfrm>
     </dsp:sp>
@@ -7493,8 +7500,8 @@
       </dsp:nvSpPr>
       <dsp:spPr>
         <a:xfrm rot="16200000">
-          <a:off x="3540860" y="1997810"/>
-          <a:ext cx="1046278" cy="0"/>
+          <a:off x="3818900" y="1651434"/>
+          <a:ext cx="490198" cy="0"/>
         </a:xfrm>
         <a:custGeom>
           <a:avLst/>
@@ -7508,13 +7515,13 @@
                 <a:pt x="0" y="0"/>
               </a:moveTo>
               <a:lnTo>
-                <a:pt x="1046278" y="0"/>
+                <a:pt x="490198" y="0"/>
               </a:lnTo>
             </a:path>
           </a:pathLst>
         </a:custGeom>
         <a:noFill/>
-        <a:ln w="12700" cap="flat" cmpd="sng" algn="ctr">
+        <a:ln w="34925" cap="flat" cmpd="sng" algn="in">
           <a:solidFill>
             <a:schemeClr val="accent1">
               <a:shade val="60000"/>
@@ -7525,7 +7532,6 @@
             </a:schemeClr>
           </a:solidFill>
           <a:prstDash val="solid"/>
-          <a:miter lim="800000"/>
         </a:ln>
         <a:effectLst/>
       </dsp:spPr>
@@ -7549,7 +7555,7 @@
       </dsp:nvSpPr>
       <dsp:spPr>
         <a:xfrm>
-          <a:off x="3519423" y="385519"/>
+          <a:off x="3519423" y="317183"/>
           <a:ext cx="1089152" cy="1089152"/>
         </a:xfrm>
         <a:prstGeom prst="roundRect">
@@ -7563,9 +7569,9 @@
                 <a:satOff val="0"/>
                 <a:lumOff val="0"/>
                 <a:alphaOff val="0"/>
+                <a:tint val="94000"/>
                 <a:satMod val="103000"/>
                 <a:lumMod val="102000"/>
-                <a:tint val="94000"/>
               </a:schemeClr>
             </a:gs>
             <a:gs pos="50000">
@@ -7574,9 +7580,9 @@
                 <a:satOff val="0"/>
                 <a:lumOff val="0"/>
                 <a:alphaOff val="0"/>
+                <a:shade val="100000"/>
                 <a:satMod val="110000"/>
                 <a:lumMod val="100000"/>
-                <a:shade val="100000"/>
               </a:schemeClr>
             </a:gs>
             <a:gs pos="100000">
@@ -7585,9 +7591,9 @@
                 <a:satOff val="0"/>
                 <a:lumOff val="0"/>
                 <a:alphaOff val="0"/>
+                <a:shade val="78000"/>
+                <a:satMod val="120000"/>
                 <a:lumMod val="99000"/>
-                <a:satMod val="120000"/>
-                <a:shade val="78000"/>
               </a:schemeClr>
             </a:gs>
           </a:gsLst>
@@ -7599,7 +7605,7 @@
         <a:effectLst>
           <a:outerShdw blurRad="57150" dist="19050" dir="5400000" algn="ctr" rotWithShape="0">
             <a:srgbClr val="000000">
-              <a:alpha val="63000"/>
+              <a:alpha val="35000"/>
             </a:srgbClr>
           </a:outerShdw>
         </a:effectLst>
@@ -7619,12 +7625,12 @@
         </a:fontRef>
       </dsp:style>
       <dsp:txBody>
-        <a:bodyPr spcFirstLastPara="0" vert="horz" wrap="square" lIns="48260" tIns="48260" rIns="48260" bIns="48260" numCol="1" spcCol="1270" anchor="ctr" anchorCtr="0">
+        <a:bodyPr spcFirstLastPara="0" vert="horz" wrap="square" lIns="45720" tIns="45720" rIns="45720" bIns="45720" numCol="1" spcCol="1270" anchor="ctr" anchorCtr="0">
           <a:noAutofit/>
         </a:bodyPr>
         <a:lstStyle/>
         <a:p>
-          <a:pPr marL="0" lvl="0" indent="0" algn="ctr" defTabSz="844550">
+          <a:pPr marL="0" lvl="0" indent="0" algn="ctr" defTabSz="800100">
             <a:lnSpc>
               <a:spcPct val="90000"/>
             </a:lnSpc>
@@ -7637,13 +7643,13 @@
             <a:buNone/>
           </a:pPr>
           <a:r>
-            <a:rPr lang="fi-FI" sz="1900" kern="1200" dirty="0"/>
+            <a:rPr lang="fi-FI" sz="1800" kern="1200" dirty="0"/>
             <a:t>Message</a:t>
           </a:r>
         </a:p>
       </dsp:txBody>
       <dsp:txXfrm>
-        <a:off x="3572591" y="438687"/>
+        <a:off x="3572591" y="370351"/>
         <a:ext cx="982816" cy="982816"/>
       </dsp:txXfrm>
     </dsp:sp>
@@ -7653,9 +7659,9 @@
         <dsp:cNvSpPr/>
       </dsp:nvSpPr>
       <dsp:spPr>
-        <a:xfrm rot="1800000">
-          <a:off x="4814481" y="4035596"/>
-          <a:ext cx="930303" cy="0"/>
+        <a:xfrm rot="21599998">
+          <a:off x="4876800" y="2709332"/>
+          <a:ext cx="1087642" cy="0"/>
         </a:xfrm>
         <a:custGeom>
           <a:avLst/>
@@ -7669,13 +7675,13 @@
                 <a:pt x="0" y="0"/>
               </a:moveTo>
               <a:lnTo>
-                <a:pt x="930303" y="0"/>
+                <a:pt x="1087642" y="0"/>
               </a:lnTo>
             </a:path>
           </a:pathLst>
         </a:custGeom>
         <a:noFill/>
-        <a:ln w="12700" cap="flat" cmpd="sng" algn="ctr">
+        <a:ln w="34925" cap="flat" cmpd="sng" algn="in">
           <a:solidFill>
             <a:schemeClr val="accent1">
               <a:shade val="60000"/>
@@ -7686,7 +7692,6 @@
             </a:schemeClr>
           </a:solidFill>
           <a:prstDash val="solid"/>
-          <a:miter lim="800000"/>
         </a:ln>
         <a:effectLst/>
       </dsp:spPr>
@@ -7710,7 +7715,7 @@
       </dsp:nvSpPr>
       <dsp:spPr>
         <a:xfrm>
-          <a:off x="5682466" y="4038007"/>
+          <a:off x="5964442" y="2164755"/>
           <a:ext cx="1089152" cy="1089152"/>
         </a:xfrm>
         <a:prstGeom prst="roundRect">
@@ -7724,9 +7729,9 @@
                 <a:satOff val="0"/>
                 <a:lumOff val="0"/>
                 <a:alphaOff val="0"/>
+                <a:tint val="94000"/>
                 <a:satMod val="103000"/>
                 <a:lumMod val="102000"/>
-                <a:tint val="94000"/>
               </a:schemeClr>
             </a:gs>
             <a:gs pos="50000">
@@ -7735,9 +7740,9 @@
                 <a:satOff val="0"/>
                 <a:lumOff val="0"/>
                 <a:alphaOff val="0"/>
+                <a:shade val="100000"/>
                 <a:satMod val="110000"/>
                 <a:lumMod val="100000"/>
-                <a:shade val="100000"/>
               </a:schemeClr>
             </a:gs>
             <a:gs pos="100000">
@@ -7746,9 +7751,9 @@
                 <a:satOff val="0"/>
                 <a:lumOff val="0"/>
                 <a:alphaOff val="0"/>
+                <a:shade val="78000"/>
+                <a:satMod val="120000"/>
                 <a:lumMod val="99000"/>
-                <a:satMod val="120000"/>
-                <a:shade val="78000"/>
               </a:schemeClr>
             </a:gs>
           </a:gsLst>
@@ -7760,7 +7765,7 @@
         <a:effectLst>
           <a:outerShdw blurRad="57150" dist="19050" dir="5400000" algn="ctr" rotWithShape="0">
             <a:srgbClr val="000000">
-              <a:alpha val="63000"/>
+              <a:alpha val="35000"/>
             </a:srgbClr>
           </a:outerShdw>
         </a:effectLst>
@@ -7780,12 +7785,12 @@
         </a:fontRef>
       </dsp:style>
       <dsp:txBody>
-        <a:bodyPr spcFirstLastPara="0" vert="horz" wrap="square" lIns="91440" tIns="91440" rIns="91440" bIns="91440" numCol="1" spcCol="1270" anchor="ctr" anchorCtr="0">
+        <a:bodyPr spcFirstLastPara="0" vert="horz" wrap="square" lIns="86360" tIns="86360" rIns="86360" bIns="86360" numCol="1" spcCol="1270" anchor="ctr" anchorCtr="0">
           <a:noAutofit/>
         </a:bodyPr>
         <a:lstStyle/>
         <a:p>
-          <a:pPr marL="0" lvl="0" indent="0" algn="ctr" defTabSz="1600200">
+          <a:pPr marL="0" lvl="0" indent="0" algn="ctr" defTabSz="1511300">
             <a:lnSpc>
               <a:spcPct val="90000"/>
             </a:lnSpc>
@@ -7798,13 +7803,13 @@
             <a:buNone/>
           </a:pPr>
           <a:r>
-            <a:rPr lang="fi-FI" sz="3600" kern="1200" dirty="0"/>
+            <a:rPr lang="fi-FI" sz="3400" kern="1200" dirty="0"/>
             <a:t>Post</a:t>
           </a:r>
         </a:p>
       </dsp:txBody>
       <dsp:txXfrm>
-        <a:off x="5735634" y="4091175"/>
+        <a:off x="6017610" y="2217923"/>
         <a:ext cx="982816" cy="982816"/>
       </dsp:txXfrm>
     </dsp:sp>
@@ -7814,9 +7819,9 @@
         <dsp:cNvSpPr/>
       </dsp:nvSpPr>
       <dsp:spPr>
-        <a:xfrm rot="9000000">
-          <a:off x="2383214" y="4035596"/>
-          <a:ext cx="930303" cy="0"/>
+        <a:xfrm rot="10800018">
+          <a:off x="2146421" y="2709326"/>
+          <a:ext cx="1104778" cy="0"/>
         </a:xfrm>
         <a:custGeom>
           <a:avLst/>
@@ -7830,13 +7835,13 @@
                 <a:pt x="0" y="0"/>
               </a:moveTo>
               <a:lnTo>
-                <a:pt x="930303" y="0"/>
+                <a:pt x="1104778" y="0"/>
               </a:lnTo>
             </a:path>
           </a:pathLst>
         </a:custGeom>
         <a:noFill/>
-        <a:ln w="12700" cap="flat" cmpd="sng" algn="ctr">
+        <a:ln w="34925" cap="flat" cmpd="sng" algn="in">
           <a:solidFill>
             <a:schemeClr val="accent1">
               <a:shade val="60000"/>
@@ -7847,7 +7852,6 @@
             </a:schemeClr>
           </a:solidFill>
           <a:prstDash val="solid"/>
-          <a:miter lim="800000"/>
         </a:ln>
         <a:effectLst/>
       </dsp:spPr>
@@ -7871,7 +7875,7 @@
       </dsp:nvSpPr>
       <dsp:spPr>
         <a:xfrm>
-          <a:off x="1356381" y="4038007"/>
+          <a:off x="1057269" y="2164744"/>
           <a:ext cx="1089152" cy="1089152"/>
         </a:xfrm>
         <a:prstGeom prst="roundRect">
@@ -7885,9 +7889,9 @@
                 <a:satOff val="0"/>
                 <a:lumOff val="0"/>
                 <a:alphaOff val="0"/>
+                <a:tint val="94000"/>
                 <a:satMod val="103000"/>
                 <a:lumMod val="102000"/>
-                <a:tint val="94000"/>
               </a:schemeClr>
             </a:gs>
             <a:gs pos="50000">
@@ -7896,9 +7900,9 @@
                 <a:satOff val="0"/>
                 <a:lumOff val="0"/>
                 <a:alphaOff val="0"/>
+                <a:shade val="100000"/>
                 <a:satMod val="110000"/>
                 <a:lumMod val="100000"/>
-                <a:shade val="100000"/>
               </a:schemeClr>
             </a:gs>
             <a:gs pos="100000">
@@ -7907,9 +7911,9 @@
                 <a:satOff val="0"/>
                 <a:lumOff val="0"/>
                 <a:alphaOff val="0"/>
+                <a:shade val="78000"/>
+                <a:satMod val="120000"/>
                 <a:lumMod val="99000"/>
-                <a:satMod val="120000"/>
-                <a:shade val="78000"/>
               </a:schemeClr>
             </a:gs>
           </a:gsLst>
@@ -7921,7 +7925,7 @@
         <a:effectLst>
           <a:outerShdw blurRad="57150" dist="19050" dir="5400000" algn="ctr" rotWithShape="0">
             <a:srgbClr val="000000">
-              <a:alpha val="63000"/>
+              <a:alpha val="35000"/>
             </a:srgbClr>
           </a:outerShdw>
         </a:effectLst>
@@ -7941,12 +7945,12 @@
         </a:fontRef>
       </dsp:style>
       <dsp:txBody>
-        <a:bodyPr spcFirstLastPara="0" vert="horz" wrap="square" lIns="58420" tIns="58420" rIns="58420" bIns="58420" numCol="1" spcCol="1270" anchor="ctr" anchorCtr="0">
+        <a:bodyPr spcFirstLastPara="0" vert="horz" wrap="square" lIns="55880" tIns="55880" rIns="55880" bIns="55880" numCol="1" spcCol="1270" anchor="ctr" anchorCtr="0">
           <a:noAutofit/>
         </a:bodyPr>
         <a:lstStyle/>
         <a:p>
-          <a:pPr marL="0" lvl="0" indent="0" algn="ctr" defTabSz="1022350">
+          <a:pPr marL="0" lvl="0" indent="0" algn="ctr" defTabSz="977900">
             <a:lnSpc>
               <a:spcPct val="90000"/>
             </a:lnSpc>
@@ -7959,13 +7963,13 @@
             <a:buNone/>
           </a:pPr>
           <a:r>
-            <a:rPr lang="fi-FI" sz="2300" kern="1200" dirty="0"/>
+            <a:rPr lang="fi-FI" sz="2200" kern="1200" dirty="0"/>
             <a:t>Valikko</a:t>
           </a:r>
         </a:p>
       </dsp:txBody>
       <dsp:txXfrm>
-        <a:off x="1409549" y="4091175"/>
+        <a:off x="1110437" y="2217912"/>
         <a:ext cx="982816" cy="982816"/>
       </dsp:txXfrm>
     </dsp:sp>
@@ -8002,9 +8006,9 @@
                 <a:satOff val="0"/>
                 <a:lumOff val="0"/>
                 <a:alphaOff val="0"/>
+                <a:tint val="94000"/>
                 <a:satMod val="103000"/>
                 <a:lumMod val="102000"/>
-                <a:tint val="94000"/>
               </a:schemeClr>
             </a:gs>
             <a:gs pos="50000">
@@ -8013,9 +8017,9 @@
                 <a:satOff val="0"/>
                 <a:lumOff val="0"/>
                 <a:alphaOff val="0"/>
+                <a:shade val="100000"/>
                 <a:satMod val="110000"/>
                 <a:lumMod val="100000"/>
-                <a:shade val="100000"/>
               </a:schemeClr>
             </a:gs>
             <a:gs pos="100000">
@@ -8024,9 +8028,9 @@
                 <a:satOff val="0"/>
                 <a:lumOff val="0"/>
                 <a:alphaOff val="0"/>
+                <a:shade val="78000"/>
+                <a:satMod val="120000"/>
                 <a:lumMod val="99000"/>
-                <a:satMod val="120000"/>
-                <a:shade val="78000"/>
               </a:schemeClr>
             </a:gs>
           </a:gsLst>
@@ -8038,7 +8042,7 @@
         <a:effectLst>
           <a:outerShdw blurRad="57150" dist="19050" dir="5400000" algn="ctr" rotWithShape="0">
             <a:srgbClr val="000000">
-              <a:alpha val="63000"/>
+              <a:alpha val="35000"/>
             </a:srgbClr>
           </a:outerShdw>
         </a:effectLst>
@@ -8114,7 +8118,7 @@
           </a:pathLst>
         </a:custGeom>
         <a:noFill/>
-        <a:ln w="12700" cap="flat" cmpd="sng" algn="ctr">
+        <a:ln w="34925" cap="flat" cmpd="sng" algn="in">
           <a:solidFill>
             <a:schemeClr val="accent1">
               <a:shade val="60000"/>
@@ -8125,7 +8129,6 @@
             </a:schemeClr>
           </a:solidFill>
           <a:prstDash val="solid"/>
-          <a:miter lim="800000"/>
         </a:ln>
         <a:effectLst/>
       </dsp:spPr>
@@ -8163,9 +8166,9 @@
                 <a:satOff val="0"/>
                 <a:lumOff val="0"/>
                 <a:alphaOff val="0"/>
+                <a:tint val="94000"/>
                 <a:satMod val="103000"/>
                 <a:lumMod val="102000"/>
-                <a:tint val="94000"/>
               </a:schemeClr>
             </a:gs>
             <a:gs pos="50000">
@@ -8174,9 +8177,9 @@
                 <a:satOff val="0"/>
                 <a:lumOff val="0"/>
                 <a:alphaOff val="0"/>
+                <a:shade val="100000"/>
                 <a:satMod val="110000"/>
                 <a:lumMod val="100000"/>
-                <a:shade val="100000"/>
               </a:schemeClr>
             </a:gs>
             <a:gs pos="100000">
@@ -8185,9 +8188,9 @@
                 <a:satOff val="0"/>
                 <a:lumOff val="0"/>
                 <a:alphaOff val="0"/>
+                <a:shade val="78000"/>
+                <a:satMod val="120000"/>
                 <a:lumMod val="99000"/>
-                <a:satMod val="120000"/>
-                <a:shade val="78000"/>
               </a:schemeClr>
             </a:gs>
           </a:gsLst>
@@ -8199,7 +8202,7 @@
         <a:effectLst>
           <a:outerShdw blurRad="57150" dist="19050" dir="5400000" algn="ctr" rotWithShape="0">
             <a:srgbClr val="000000">
-              <a:alpha val="63000"/>
+              <a:alpha val="35000"/>
             </a:srgbClr>
           </a:outerShdw>
         </a:effectLst>
@@ -32925,8 +32928,16 @@
 </file>
 
 <file path=ppt/slideLayouts/slideLayout1.xml><?xml version="1.0" encoding="utf-8"?>
-<p:sldLayout xmlns:a="http://schemas.openxmlformats.org/drawingml/2006/main" xmlns:r="http://schemas.openxmlformats.org/officeDocument/2006/relationships" xmlns:p="http://schemas.openxmlformats.org/presentationml/2006/main" type="title" preserve="1">
+<p:sldLayout xmlns:a="http://schemas.openxmlformats.org/drawingml/2006/main" xmlns:r="http://schemas.openxmlformats.org/officeDocument/2006/relationships" xmlns:p="http://schemas.openxmlformats.org/presentationml/2006/main" showMasterSp="0" type="title" preserve="1">
   <p:cSld name="Title Slide">
+    <p:bg>
+      <p:bgPr>
+        <a:solidFill>
+          <a:schemeClr val="bg2"/>
+        </a:solidFill>
+        <a:effectLst/>
+      </p:bgPr>
+    </p:bg>
     <p:spTree>
       <p:nvGrpSpPr>
         <p:cNvPr id="1" name=""/>
@@ -32943,13 +32954,7 @@
       </p:grpSpPr>
       <p:sp>
         <p:nvSpPr>
-          <p:cNvPr id="2" name="Title 1">
-            <a:extLst>
-              <a:ext uri="{FF2B5EF4-FFF2-40B4-BE49-F238E27FC236}">
-                <a16:creationId xmlns:a16="http://schemas.microsoft.com/office/drawing/2014/main" id="{1BDD4DFE-25D2-4B70-96CF-9764286F89BE}"/>
-              </a:ext>
-            </a:extLst>
-          </p:cNvPr>
+          <p:cNvPr id="2" name="Title 1"/>
           <p:cNvSpPr>
             <a:spLocks noGrp="1"/>
           </p:cNvSpPr>
@@ -32959,15 +32964,21 @@
         </p:nvSpPr>
         <p:spPr>
           <a:xfrm>
-            <a:off x="1524000" y="1122363"/>
-            <a:ext cx="9144000" cy="2387600"/>
+            <a:off x="1915128" y="1788454"/>
+            <a:ext cx="8361229" cy="2098226"/>
           </a:xfrm>
         </p:spPr>
         <p:txBody>
-          <a:bodyPr anchor="b"/>
+          <a:bodyPr anchor="b">
+            <a:noAutofit/>
+          </a:bodyPr>
           <a:lstStyle>
             <a:lvl1pPr algn="ctr">
-              <a:defRPr sz="6000"/>
+              <a:defRPr sz="7200" cap="all" baseline="0">
+                <a:solidFill>
+                  <a:schemeClr val="tx2"/>
+                </a:solidFill>
+              </a:defRPr>
             </a:lvl1pPr>
           </a:lstStyle>
           <a:p>
@@ -32975,19 +32986,13 @@
               <a:rPr lang="en-US"/>
               <a:t>Click to edit Master title style</a:t>
             </a:r>
-            <a:endParaRPr lang="fi-FI"/>
+            <a:endParaRPr lang="en-US" dirty="0"/>
           </a:p>
         </p:txBody>
       </p:sp>
       <p:sp>
         <p:nvSpPr>
-          <p:cNvPr id="3" name="Subtitle 2">
-            <a:extLst>
-              <a:ext uri="{FF2B5EF4-FFF2-40B4-BE49-F238E27FC236}">
-                <a16:creationId xmlns:a16="http://schemas.microsoft.com/office/drawing/2014/main" id="{4E437981-857D-4666-9349-C6A1BB389AE6}"/>
-              </a:ext>
-            </a:extLst>
-          </p:cNvPr>
+          <p:cNvPr id="3" name="Subtitle 2"/>
           <p:cNvSpPr>
             <a:spLocks noGrp="1"/>
           </p:cNvSpPr>
@@ -32997,16 +33002,27 @@
         </p:nvSpPr>
         <p:spPr>
           <a:xfrm>
-            <a:off x="1524000" y="3602038"/>
-            <a:ext cx="9144000" cy="1655762"/>
+            <a:off x="2679906" y="3956279"/>
+            <a:ext cx="6831673" cy="1086237"/>
           </a:xfrm>
         </p:spPr>
         <p:txBody>
-          <a:bodyPr/>
+          <a:bodyPr>
+            <a:normAutofit/>
+          </a:bodyPr>
           <a:lstStyle>
             <a:lvl1pPr marL="0" indent="0" algn="ctr">
+              <a:lnSpc>
+                <a:spcPct val="112000"/>
+              </a:lnSpc>
+              <a:spcBef>
+                <a:spcPts val="0"/>
+              </a:spcBef>
+              <a:spcAft>
+                <a:spcPts val="0"/>
+              </a:spcAft>
               <a:buNone/>
-              <a:defRPr sz="2400"/>
+              <a:defRPr sz="2300"/>
             </a:lvl1pPr>
             <a:lvl2pPr marL="457200" indent="0" algn="ctr">
               <a:buNone/>
@@ -33046,19 +33062,13 @@
               <a:rPr lang="en-US"/>
               <a:t>Click to edit Master subtitle style</a:t>
             </a:r>
-            <a:endParaRPr lang="fi-FI"/>
+            <a:endParaRPr lang="en-US" dirty="0"/>
           </a:p>
         </p:txBody>
       </p:sp>
       <p:sp>
         <p:nvSpPr>
-          <p:cNvPr id="4" name="Date Placeholder 3">
-            <a:extLst>
-              <a:ext uri="{FF2B5EF4-FFF2-40B4-BE49-F238E27FC236}">
-                <a16:creationId xmlns:a16="http://schemas.microsoft.com/office/drawing/2014/main" id="{E038CBB0-35AF-4364-AAA5-D62ED18336CA}"/>
-              </a:ext>
-            </a:extLst>
-          </p:cNvPr>
+          <p:cNvPr id="4" name="Date Placeholder 3"/>
           <p:cNvSpPr>
             <a:spLocks noGrp="1"/>
           </p:cNvSpPr>
@@ -33066,10 +33076,23 @@
             <p:ph type="dt" sz="half" idx="10"/>
           </p:nvPr>
         </p:nvSpPr>
-        <p:spPr/>
+        <p:spPr>
+          <a:xfrm>
+            <a:off x="752858" y="6453386"/>
+            <a:ext cx="1607944" cy="404614"/>
+          </a:xfrm>
+        </p:spPr>
         <p:txBody>
           <a:bodyPr/>
-          <a:lstStyle/>
+          <a:lstStyle>
+            <a:lvl1pPr>
+              <a:defRPr baseline="0">
+                <a:solidFill>
+                  <a:schemeClr val="tx2"/>
+                </a:solidFill>
+              </a:defRPr>
+            </a:lvl1pPr>
+          </a:lstStyle>
           <a:p>
             <a:fld id="{37A95FFF-27CC-4789-BEEC-3B8C038D4E97}" type="datetimeFigureOut">
               <a:rPr lang="fi-FI" smtClean="0"/>
@@ -33081,13 +33104,7 @@
       </p:sp>
       <p:sp>
         <p:nvSpPr>
-          <p:cNvPr id="5" name="Footer Placeholder 4">
-            <a:extLst>
-              <a:ext uri="{FF2B5EF4-FFF2-40B4-BE49-F238E27FC236}">
-                <a16:creationId xmlns:a16="http://schemas.microsoft.com/office/drawing/2014/main" id="{FD1FDDE3-E82F-4C3B-A4C3-300F501A55D6}"/>
-              </a:ext>
-            </a:extLst>
-          </p:cNvPr>
+          <p:cNvPr id="5" name="Footer Placeholder 4"/>
           <p:cNvSpPr>
             <a:spLocks noGrp="1"/>
           </p:cNvSpPr>
@@ -33095,10 +33112,23 @@
             <p:ph type="ftr" sz="quarter" idx="11"/>
           </p:nvPr>
         </p:nvSpPr>
-        <p:spPr/>
+        <p:spPr>
+          <a:xfrm>
+            <a:off x="2584054" y="6453386"/>
+            <a:ext cx="7023377" cy="404614"/>
+          </a:xfrm>
+        </p:spPr>
         <p:txBody>
           <a:bodyPr/>
-          <a:lstStyle/>
+          <a:lstStyle>
+            <a:lvl1pPr algn="ctr">
+              <a:defRPr baseline="0">
+                <a:solidFill>
+                  <a:schemeClr val="tx2"/>
+                </a:solidFill>
+              </a:defRPr>
+            </a:lvl1pPr>
+          </a:lstStyle>
           <a:p>
             <a:endParaRPr lang="fi-FI"/>
           </a:p>
@@ -33106,13 +33136,7 @@
       </p:sp>
       <p:sp>
         <p:nvSpPr>
-          <p:cNvPr id="6" name="Slide Number Placeholder 5">
-            <a:extLst>
-              <a:ext uri="{FF2B5EF4-FFF2-40B4-BE49-F238E27FC236}">
-                <a16:creationId xmlns:a16="http://schemas.microsoft.com/office/drawing/2014/main" id="{15CF132B-DA6B-4C09-8F12-E4FE1A6B180E}"/>
-              </a:ext>
-            </a:extLst>
-          </p:cNvPr>
+          <p:cNvPr id="6" name="Slide Number Placeholder 5"/>
           <p:cNvSpPr>
             <a:spLocks noGrp="1"/>
           </p:cNvSpPr>
@@ -33120,10 +33144,23 @@
             <p:ph type="sldNum" sz="quarter" idx="12"/>
           </p:nvPr>
         </p:nvSpPr>
-        <p:spPr/>
+        <p:spPr>
+          <a:xfrm>
+            <a:off x="9830683" y="6453386"/>
+            <a:ext cx="1596292" cy="404614"/>
+          </a:xfrm>
+        </p:spPr>
         <p:txBody>
           <a:bodyPr/>
-          <a:lstStyle/>
+          <a:lstStyle>
+            <a:lvl1pPr>
+              <a:defRPr baseline="0">
+                <a:solidFill>
+                  <a:schemeClr val="tx2"/>
+                </a:solidFill>
+              </a:defRPr>
+            </a:lvl1pPr>
+          </a:lstStyle>
           <a:p>
             <a:fld id="{30628122-F659-4DE0-B790-F083F203E105}" type="slidenum">
               <a:rPr lang="fi-FI" smtClean="0"/>
@@ -33133,15 +33170,144 @@
           </a:p>
         </p:txBody>
       </p:sp>
+      <p:grpSp>
+        <p:nvGrpSpPr>
+          <p:cNvPr id="7" name="Group 6"/>
+          <p:cNvGrpSpPr/>
+          <p:nvPr/>
+        </p:nvGrpSpPr>
+        <p:grpSpPr>
+          <a:xfrm>
+            <a:off x="752858" y="744469"/>
+            <a:ext cx="10674117" cy="5349671"/>
+            <a:chOff x="752858" y="744469"/>
+            <a:chExt cx="10674117" cy="5349671"/>
+          </a:xfrm>
+        </p:grpSpPr>
+        <p:sp>
+          <p:nvSpPr>
+            <p:cNvPr id="11" name="Freeform 6"/>
+            <p:cNvSpPr/>
+            <p:nvPr/>
+          </p:nvSpPr>
+          <p:spPr bwMode="auto">
+            <a:xfrm>
+              <a:off x="8151962" y="1685652"/>
+              <a:ext cx="3275013" cy="4408488"/>
+            </a:xfrm>
+            <a:custGeom>
+              <a:avLst/>
+              <a:gdLst/>
+              <a:ahLst/>
+              <a:cxnLst/>
+              <a:rect l="l" t="t" r="r" b="b"/>
+              <a:pathLst>
+                <a:path w="10000" h="10000">
+                  <a:moveTo>
+                    <a:pt x="8761" y="0"/>
+                  </a:moveTo>
+                  <a:lnTo>
+                    <a:pt x="10000" y="0"/>
+                  </a:lnTo>
+                  <a:lnTo>
+                    <a:pt x="10000" y="10000"/>
+                  </a:lnTo>
+                  <a:lnTo>
+                    <a:pt x="0" y="10000"/>
+                  </a:lnTo>
+                  <a:lnTo>
+                    <a:pt x="0" y="9126"/>
+                  </a:lnTo>
+                  <a:lnTo>
+                    <a:pt x="8761" y="9127"/>
+                  </a:lnTo>
+                  <a:lnTo>
+                    <a:pt x="8761" y="0"/>
+                  </a:lnTo>
+                  <a:close/>
+                </a:path>
+              </a:pathLst>
+            </a:custGeom>
+            <a:solidFill>
+              <a:schemeClr val="tx2"/>
+            </a:solidFill>
+            <a:ln w="0">
+              <a:noFill/>
+              <a:prstDash val="solid"/>
+              <a:round/>
+              <a:headEnd/>
+              <a:tailEnd/>
+            </a:ln>
+          </p:spPr>
+        </p:sp>
+        <p:sp>
+          <p:nvSpPr>
+            <p:cNvPr id="14" name="Freeform 6"/>
+            <p:cNvSpPr/>
+            <p:nvPr/>
+          </p:nvSpPr>
+          <p:spPr bwMode="auto">
+            <a:xfrm flipH="1" flipV="1">
+              <a:off x="752858" y="744469"/>
+              <a:ext cx="3275668" cy="4408488"/>
+            </a:xfrm>
+            <a:custGeom>
+              <a:avLst/>
+              <a:gdLst/>
+              <a:ahLst/>
+              <a:cxnLst/>
+              <a:rect l="l" t="t" r="r" b="b"/>
+              <a:pathLst>
+                <a:path w="10002" h="10000">
+                  <a:moveTo>
+                    <a:pt x="8763" y="0"/>
+                  </a:moveTo>
+                  <a:lnTo>
+                    <a:pt x="10002" y="0"/>
+                  </a:lnTo>
+                  <a:lnTo>
+                    <a:pt x="10002" y="10000"/>
+                  </a:lnTo>
+                  <a:lnTo>
+                    <a:pt x="2" y="10000"/>
+                  </a:lnTo>
+                  <a:cubicBezTo>
+                    <a:pt x="-2" y="9698"/>
+                    <a:pt x="4" y="9427"/>
+                    <a:pt x="0" y="9125"/>
+                  </a:cubicBezTo>
+                  <a:lnTo>
+                    <a:pt x="8763" y="9128"/>
+                  </a:lnTo>
+                  <a:lnTo>
+                    <a:pt x="8763" y="0"/>
+                  </a:lnTo>
+                  <a:close/>
+                </a:path>
+              </a:pathLst>
+            </a:custGeom>
+            <a:solidFill>
+              <a:schemeClr val="tx2"/>
+            </a:solidFill>
+            <a:ln w="0">
+              <a:noFill/>
+              <a:prstDash val="solid"/>
+              <a:round/>
+              <a:headEnd/>
+              <a:tailEnd/>
+            </a:ln>
+          </p:spPr>
+        </p:sp>
+      </p:grpSp>
     </p:spTree>
     <p:extLst>
       <p:ext uri="{BB962C8B-B14F-4D97-AF65-F5344CB8AC3E}">
-        <p14:creationId xmlns:p14="http://schemas.microsoft.com/office/powerpoint/2010/main" val="1664415448"/>
+        <p14:creationId xmlns:p14="http://schemas.microsoft.com/office/powerpoint/2010/main" val="1523297413"/>
       </p:ext>
     </p:extLst>
   </p:cSld>
   <p:clrMapOvr>
-    <a:masterClrMapping/>
+    <a:overrideClrMapping bg1="lt1" tx1="dk1" bg2="lt2" tx2="dk2" accent1="accent1" accent2="accent2" accent3="accent3" accent4="accent4" accent5="accent5" accent6="accent6" hlink="hlink" folHlink="folHlink"/>
   </p:clrMapOvr>
 </p:sldLayout>
 </file>
@@ -33165,13 +33331,7 @@
       </p:grpSpPr>
       <p:sp>
         <p:nvSpPr>
-          <p:cNvPr id="2" name="Title 1">
-            <a:extLst>
-              <a:ext uri="{FF2B5EF4-FFF2-40B4-BE49-F238E27FC236}">
-                <a16:creationId xmlns:a16="http://schemas.microsoft.com/office/drawing/2014/main" id="{4BAFA4FA-5632-4BC6-8C43-1CC8C3A95C1B}"/>
-              </a:ext>
-            </a:extLst>
-          </p:cNvPr>
+          <p:cNvPr id="2" name="Title 1"/>
           <p:cNvSpPr>
             <a:spLocks noGrp="1"/>
           </p:cNvSpPr>
@@ -33188,224 +33348,13 @@
               <a:rPr lang="en-US"/>
               <a:t>Click to edit Master title style</a:t>
             </a:r>
-            <a:endParaRPr lang="fi-FI"/>
+            <a:endParaRPr lang="en-US" dirty="0"/>
           </a:p>
         </p:txBody>
       </p:sp>
       <p:sp>
         <p:nvSpPr>
-          <p:cNvPr id="3" name="Vertical Text Placeholder 2">
-            <a:extLst>
-              <a:ext uri="{FF2B5EF4-FFF2-40B4-BE49-F238E27FC236}">
-                <a16:creationId xmlns:a16="http://schemas.microsoft.com/office/drawing/2014/main" id="{4FAA2C14-AF88-479D-92E4-5E7615E502CC}"/>
-              </a:ext>
-            </a:extLst>
-          </p:cNvPr>
-          <p:cNvSpPr>
-            <a:spLocks noGrp="1"/>
-          </p:cNvSpPr>
-          <p:nvPr>
-            <p:ph type="body" orient="vert" idx="1"/>
-          </p:nvPr>
-        </p:nvSpPr>
-        <p:spPr/>
-        <p:txBody>
-          <a:bodyPr vert="eaVert"/>
-          <a:lstStyle/>
-          <a:p>
-            <a:pPr lvl="0"/>
-            <a:r>
-              <a:rPr lang="en-US"/>
-              <a:t>Edit Master text styles</a:t>
-            </a:r>
-          </a:p>
-          <a:p>
-            <a:pPr lvl="1"/>
-            <a:r>
-              <a:rPr lang="en-US"/>
-              <a:t>Second level</a:t>
-            </a:r>
-          </a:p>
-          <a:p>
-            <a:pPr lvl="2"/>
-            <a:r>
-              <a:rPr lang="en-US"/>
-              <a:t>Third level</a:t>
-            </a:r>
-          </a:p>
-          <a:p>
-            <a:pPr lvl="3"/>
-            <a:r>
-              <a:rPr lang="en-US"/>
-              <a:t>Fourth level</a:t>
-            </a:r>
-          </a:p>
-          <a:p>
-            <a:pPr lvl="4"/>
-            <a:r>
-              <a:rPr lang="en-US"/>
-              <a:t>Fifth level</a:t>
-            </a:r>
-            <a:endParaRPr lang="fi-FI"/>
-          </a:p>
-        </p:txBody>
-      </p:sp>
-      <p:sp>
-        <p:nvSpPr>
-          <p:cNvPr id="4" name="Date Placeholder 3">
-            <a:extLst>
-              <a:ext uri="{FF2B5EF4-FFF2-40B4-BE49-F238E27FC236}">
-                <a16:creationId xmlns:a16="http://schemas.microsoft.com/office/drawing/2014/main" id="{94CF5FE4-6E7E-4B59-B118-6CFB87F177DE}"/>
-              </a:ext>
-            </a:extLst>
-          </p:cNvPr>
-          <p:cNvSpPr>
-            <a:spLocks noGrp="1"/>
-          </p:cNvSpPr>
-          <p:nvPr>
-            <p:ph type="dt" sz="half" idx="10"/>
-          </p:nvPr>
-        </p:nvSpPr>
-        <p:spPr/>
-        <p:txBody>
-          <a:bodyPr/>
-          <a:lstStyle/>
-          <a:p>
-            <a:fld id="{37A95FFF-27CC-4789-BEEC-3B8C038D4E97}" type="datetimeFigureOut">
-              <a:rPr lang="fi-FI" smtClean="0"/>
-              <a:t>3.8.2018</a:t>
-            </a:fld>
-            <a:endParaRPr lang="fi-FI"/>
-          </a:p>
-        </p:txBody>
-      </p:sp>
-      <p:sp>
-        <p:nvSpPr>
-          <p:cNvPr id="5" name="Footer Placeholder 4">
-            <a:extLst>
-              <a:ext uri="{FF2B5EF4-FFF2-40B4-BE49-F238E27FC236}">
-                <a16:creationId xmlns:a16="http://schemas.microsoft.com/office/drawing/2014/main" id="{B1EF1923-9690-40D1-B56F-2C63490DB624}"/>
-              </a:ext>
-            </a:extLst>
-          </p:cNvPr>
-          <p:cNvSpPr>
-            <a:spLocks noGrp="1"/>
-          </p:cNvSpPr>
-          <p:nvPr>
-            <p:ph type="ftr" sz="quarter" idx="11"/>
-          </p:nvPr>
-        </p:nvSpPr>
-        <p:spPr/>
-        <p:txBody>
-          <a:bodyPr/>
-          <a:lstStyle/>
-          <a:p>
-            <a:endParaRPr lang="fi-FI"/>
-          </a:p>
-        </p:txBody>
-      </p:sp>
-      <p:sp>
-        <p:nvSpPr>
-          <p:cNvPr id="6" name="Slide Number Placeholder 5">
-            <a:extLst>
-              <a:ext uri="{FF2B5EF4-FFF2-40B4-BE49-F238E27FC236}">
-                <a16:creationId xmlns:a16="http://schemas.microsoft.com/office/drawing/2014/main" id="{017B3CEE-5184-4C73-BBA9-35CDD7EB419D}"/>
-              </a:ext>
-            </a:extLst>
-          </p:cNvPr>
-          <p:cNvSpPr>
-            <a:spLocks noGrp="1"/>
-          </p:cNvSpPr>
-          <p:nvPr>
-            <p:ph type="sldNum" sz="quarter" idx="12"/>
-          </p:nvPr>
-        </p:nvSpPr>
-        <p:spPr/>
-        <p:txBody>
-          <a:bodyPr/>
-          <a:lstStyle/>
-          <a:p>
-            <a:fld id="{30628122-F659-4DE0-B790-F083F203E105}" type="slidenum">
-              <a:rPr lang="fi-FI" smtClean="0"/>
-              <a:t>‹#›</a:t>
-            </a:fld>
-            <a:endParaRPr lang="fi-FI"/>
-          </a:p>
-        </p:txBody>
-      </p:sp>
-    </p:spTree>
-    <p:extLst>
-      <p:ext uri="{BB962C8B-B14F-4D97-AF65-F5344CB8AC3E}">
-        <p14:creationId xmlns:p14="http://schemas.microsoft.com/office/powerpoint/2010/main" val="2476988541"/>
-      </p:ext>
-    </p:extLst>
-  </p:cSld>
-  <p:clrMapOvr>
-    <a:masterClrMapping/>
-  </p:clrMapOvr>
-</p:sldLayout>
-</file>
-
-<file path=ppt/slideLayouts/slideLayout11.xml><?xml version="1.0" encoding="utf-8"?>
-<p:sldLayout xmlns:a="http://schemas.openxmlformats.org/drawingml/2006/main" xmlns:r="http://schemas.openxmlformats.org/officeDocument/2006/relationships" xmlns:p="http://schemas.openxmlformats.org/presentationml/2006/main" type="vertTitleAndTx" preserve="1">
-  <p:cSld name="Vertical Title and Text">
-    <p:spTree>
-      <p:nvGrpSpPr>
-        <p:cNvPr id="1" name=""/>
-        <p:cNvGrpSpPr/>
-        <p:nvPr/>
-      </p:nvGrpSpPr>
-      <p:grpSpPr>
-        <a:xfrm>
-          <a:off x="0" y="0"/>
-          <a:ext cx="0" cy="0"/>
-          <a:chOff x="0" y="0"/>
-          <a:chExt cx="0" cy="0"/>
-        </a:xfrm>
-      </p:grpSpPr>
-      <p:sp>
-        <p:nvSpPr>
-          <p:cNvPr id="2" name="Vertical Title 1">
-            <a:extLst>
-              <a:ext uri="{FF2B5EF4-FFF2-40B4-BE49-F238E27FC236}">
-                <a16:creationId xmlns:a16="http://schemas.microsoft.com/office/drawing/2014/main" id="{DA191315-0EBD-48E9-B082-0A2842D0161E}"/>
-              </a:ext>
-            </a:extLst>
-          </p:cNvPr>
-          <p:cNvSpPr>
-            <a:spLocks noGrp="1"/>
-          </p:cNvSpPr>
-          <p:nvPr>
-            <p:ph type="title" orient="vert"/>
-          </p:nvPr>
-        </p:nvSpPr>
-        <p:spPr>
-          <a:xfrm>
-            <a:off x="8724900" y="365125"/>
-            <a:ext cx="2628900" cy="5811838"/>
-          </a:xfrm>
-        </p:spPr>
-        <p:txBody>
-          <a:bodyPr vert="eaVert"/>
-          <a:lstStyle/>
-          <a:p>
-            <a:r>
-              <a:rPr lang="en-US"/>
-              <a:t>Click to edit Master title style</a:t>
-            </a:r>
-            <a:endParaRPr lang="fi-FI"/>
-          </a:p>
-        </p:txBody>
-      </p:sp>
-      <p:sp>
-        <p:nvSpPr>
-          <p:cNvPr id="3" name="Vertical Text Placeholder 2">
-            <a:extLst>
-              <a:ext uri="{FF2B5EF4-FFF2-40B4-BE49-F238E27FC236}">
-                <a16:creationId xmlns:a16="http://schemas.microsoft.com/office/drawing/2014/main" id="{30CC3AB6-322B-469F-B5C6-D06AA1357DD1}"/>
-              </a:ext>
-            </a:extLst>
-          </p:cNvPr>
+          <p:cNvPr id="3" name="Vertical Text Placeholder 2"/>
           <p:cNvSpPr>
             <a:spLocks noGrp="1"/>
           </p:cNvSpPr>
@@ -33415,8 +33364,8 @@
         </p:nvSpPr>
         <p:spPr>
           <a:xfrm>
-            <a:off x="838200" y="365125"/>
-            <a:ext cx="7734300" cy="5811838"/>
+            <a:off x="1371600" y="2295525"/>
+            <a:ext cx="9601200" cy="3571875"/>
           </a:xfrm>
         </p:spPr>
         <p:txBody>
@@ -33456,19 +33405,13 @@
               <a:rPr lang="en-US"/>
               <a:t>Fifth level</a:t>
             </a:r>
-            <a:endParaRPr lang="fi-FI"/>
+            <a:endParaRPr lang="en-US" dirty="0"/>
           </a:p>
         </p:txBody>
       </p:sp>
       <p:sp>
         <p:nvSpPr>
-          <p:cNvPr id="4" name="Date Placeholder 3">
-            <a:extLst>
-              <a:ext uri="{FF2B5EF4-FFF2-40B4-BE49-F238E27FC236}">
-                <a16:creationId xmlns:a16="http://schemas.microsoft.com/office/drawing/2014/main" id="{C803F953-D8E7-49C1-884F-A4F9F6E5597C}"/>
-              </a:ext>
-            </a:extLst>
-          </p:cNvPr>
+          <p:cNvPr id="4" name="Date Placeholder 3"/>
           <p:cNvSpPr>
             <a:spLocks noGrp="1"/>
           </p:cNvSpPr>
@@ -33491,13 +33434,7 @@
       </p:sp>
       <p:sp>
         <p:nvSpPr>
-          <p:cNvPr id="5" name="Footer Placeholder 4">
-            <a:extLst>
-              <a:ext uri="{FF2B5EF4-FFF2-40B4-BE49-F238E27FC236}">
-                <a16:creationId xmlns:a16="http://schemas.microsoft.com/office/drawing/2014/main" id="{0A965B54-D4DD-4F42-9086-0346ECD0BBBB}"/>
-              </a:ext>
-            </a:extLst>
-          </p:cNvPr>
+          <p:cNvPr id="5" name="Footer Placeholder 4"/>
           <p:cNvSpPr>
             <a:spLocks noGrp="1"/>
           </p:cNvSpPr>
@@ -33516,13 +33453,7 @@
       </p:sp>
       <p:sp>
         <p:nvSpPr>
-          <p:cNvPr id="6" name="Slide Number Placeholder 5">
-            <a:extLst>
-              <a:ext uri="{FF2B5EF4-FFF2-40B4-BE49-F238E27FC236}">
-                <a16:creationId xmlns:a16="http://schemas.microsoft.com/office/drawing/2014/main" id="{0779A6A6-C1C2-4BE6-A85D-44B14B710F81}"/>
-              </a:ext>
-            </a:extLst>
-          </p:cNvPr>
+          <p:cNvPr id="6" name="Slide Number Placeholder 5"/>
           <p:cNvSpPr>
             <a:spLocks noGrp="1"/>
           </p:cNvSpPr>
@@ -33546,7 +33477,187 @@
     </p:spTree>
     <p:extLst>
       <p:ext uri="{BB962C8B-B14F-4D97-AF65-F5344CB8AC3E}">
-        <p14:creationId xmlns:p14="http://schemas.microsoft.com/office/powerpoint/2010/main" val="3976068267"/>
+        <p14:creationId xmlns:p14="http://schemas.microsoft.com/office/powerpoint/2010/main" val="3747675872"/>
+      </p:ext>
+    </p:extLst>
+  </p:cSld>
+  <p:clrMapOvr>
+    <a:masterClrMapping/>
+  </p:clrMapOvr>
+</p:sldLayout>
+</file>
+
+<file path=ppt/slideLayouts/slideLayout11.xml><?xml version="1.0" encoding="utf-8"?>
+<p:sldLayout xmlns:a="http://schemas.openxmlformats.org/drawingml/2006/main" xmlns:r="http://schemas.openxmlformats.org/officeDocument/2006/relationships" xmlns:p="http://schemas.openxmlformats.org/presentationml/2006/main" type="vertTitleAndTx" preserve="1">
+  <p:cSld name="Vertical Title and Text">
+    <p:spTree>
+      <p:nvGrpSpPr>
+        <p:cNvPr id="1" name=""/>
+        <p:cNvGrpSpPr/>
+        <p:nvPr/>
+      </p:nvGrpSpPr>
+      <p:grpSpPr>
+        <a:xfrm>
+          <a:off x="0" y="0"/>
+          <a:ext cx="0" cy="0"/>
+          <a:chOff x="0" y="0"/>
+          <a:chExt cx="0" cy="0"/>
+        </a:xfrm>
+      </p:grpSpPr>
+      <p:sp>
+        <p:nvSpPr>
+          <p:cNvPr id="2" name="Vertical Title 1"/>
+          <p:cNvSpPr>
+            <a:spLocks noGrp="1"/>
+          </p:cNvSpPr>
+          <p:nvPr>
+            <p:ph type="title" orient="vert"/>
+          </p:nvPr>
+        </p:nvSpPr>
+        <p:spPr>
+          <a:xfrm>
+            <a:off x="9596561" y="624156"/>
+            <a:ext cx="1565766" cy="5243244"/>
+          </a:xfrm>
+        </p:spPr>
+        <p:txBody>
+          <a:bodyPr vert="eaVert"/>
+          <a:lstStyle/>
+          <a:p>
+            <a:r>
+              <a:rPr lang="en-US"/>
+              <a:t>Click to edit Master title style</a:t>
+            </a:r>
+            <a:endParaRPr lang="en-US" dirty="0"/>
+          </a:p>
+        </p:txBody>
+      </p:sp>
+      <p:sp>
+        <p:nvSpPr>
+          <p:cNvPr id="3" name="Vertical Text Placeholder 2"/>
+          <p:cNvSpPr>
+            <a:spLocks noGrp="1"/>
+          </p:cNvSpPr>
+          <p:nvPr>
+            <p:ph type="body" orient="vert" idx="1"/>
+          </p:nvPr>
+        </p:nvSpPr>
+        <p:spPr>
+          <a:xfrm>
+            <a:off x="1371600" y="624156"/>
+            <a:ext cx="8179641" cy="5243244"/>
+          </a:xfrm>
+        </p:spPr>
+        <p:txBody>
+          <a:bodyPr vert="eaVert"/>
+          <a:lstStyle/>
+          <a:p>
+            <a:pPr lvl="0"/>
+            <a:r>
+              <a:rPr lang="en-US"/>
+              <a:t>Edit Master text styles</a:t>
+            </a:r>
+          </a:p>
+          <a:p>
+            <a:pPr lvl="1"/>
+            <a:r>
+              <a:rPr lang="en-US"/>
+              <a:t>Second level</a:t>
+            </a:r>
+          </a:p>
+          <a:p>
+            <a:pPr lvl="2"/>
+            <a:r>
+              <a:rPr lang="en-US"/>
+              <a:t>Third level</a:t>
+            </a:r>
+          </a:p>
+          <a:p>
+            <a:pPr lvl="3"/>
+            <a:r>
+              <a:rPr lang="en-US"/>
+              <a:t>Fourth level</a:t>
+            </a:r>
+          </a:p>
+          <a:p>
+            <a:pPr lvl="4"/>
+            <a:r>
+              <a:rPr lang="en-US"/>
+              <a:t>Fifth level</a:t>
+            </a:r>
+            <a:endParaRPr lang="en-US" dirty="0"/>
+          </a:p>
+        </p:txBody>
+      </p:sp>
+      <p:sp>
+        <p:nvSpPr>
+          <p:cNvPr id="4" name="Date Placeholder 3"/>
+          <p:cNvSpPr>
+            <a:spLocks noGrp="1"/>
+          </p:cNvSpPr>
+          <p:nvPr>
+            <p:ph type="dt" sz="half" idx="10"/>
+          </p:nvPr>
+        </p:nvSpPr>
+        <p:spPr/>
+        <p:txBody>
+          <a:bodyPr/>
+          <a:lstStyle/>
+          <a:p>
+            <a:fld id="{37A95FFF-27CC-4789-BEEC-3B8C038D4E97}" type="datetimeFigureOut">
+              <a:rPr lang="fi-FI" smtClean="0"/>
+              <a:t>3.8.2018</a:t>
+            </a:fld>
+            <a:endParaRPr lang="fi-FI"/>
+          </a:p>
+        </p:txBody>
+      </p:sp>
+      <p:sp>
+        <p:nvSpPr>
+          <p:cNvPr id="5" name="Footer Placeholder 4"/>
+          <p:cNvSpPr>
+            <a:spLocks noGrp="1"/>
+          </p:cNvSpPr>
+          <p:nvPr>
+            <p:ph type="ftr" sz="quarter" idx="11"/>
+          </p:nvPr>
+        </p:nvSpPr>
+        <p:spPr/>
+        <p:txBody>
+          <a:bodyPr/>
+          <a:lstStyle/>
+          <a:p>
+            <a:endParaRPr lang="fi-FI"/>
+          </a:p>
+        </p:txBody>
+      </p:sp>
+      <p:sp>
+        <p:nvSpPr>
+          <p:cNvPr id="6" name="Slide Number Placeholder 5"/>
+          <p:cNvSpPr>
+            <a:spLocks noGrp="1"/>
+          </p:cNvSpPr>
+          <p:nvPr>
+            <p:ph type="sldNum" sz="quarter" idx="12"/>
+          </p:nvPr>
+        </p:nvSpPr>
+        <p:spPr/>
+        <p:txBody>
+          <a:bodyPr/>
+          <a:lstStyle/>
+          <a:p>
+            <a:fld id="{30628122-F659-4DE0-B790-F083F203E105}" type="slidenum">
+              <a:rPr lang="fi-FI" smtClean="0"/>
+              <a:t>‹#›</a:t>
+            </a:fld>
+            <a:endParaRPr lang="fi-FI"/>
+          </a:p>
+        </p:txBody>
+      </p:sp>
+    </p:spTree>
+    <p:extLst>
+      <p:ext uri="{BB962C8B-B14F-4D97-AF65-F5344CB8AC3E}">
+        <p14:creationId xmlns:p14="http://schemas.microsoft.com/office/powerpoint/2010/main" val="2081660592"/>
       </p:ext>
     </p:extLst>
   </p:cSld>
@@ -33575,13 +33686,7 @@
       </p:grpSpPr>
       <p:sp>
         <p:nvSpPr>
-          <p:cNvPr id="2" name="Title 1">
-            <a:extLst>
-              <a:ext uri="{FF2B5EF4-FFF2-40B4-BE49-F238E27FC236}">
-                <a16:creationId xmlns:a16="http://schemas.microsoft.com/office/drawing/2014/main" id="{5268F52A-F6B6-40B5-88E8-13FDF8B486DF}"/>
-              </a:ext>
-            </a:extLst>
-          </p:cNvPr>
+          <p:cNvPr id="2" name="Title 1"/>
           <p:cNvSpPr>
             <a:spLocks noGrp="1"/>
           </p:cNvSpPr>
@@ -33598,19 +33703,13 @@
               <a:rPr lang="en-US"/>
               <a:t>Click to edit Master title style</a:t>
             </a:r>
-            <a:endParaRPr lang="fi-FI"/>
+            <a:endParaRPr lang="en-US" dirty="0"/>
           </a:p>
         </p:txBody>
       </p:sp>
       <p:sp>
         <p:nvSpPr>
-          <p:cNvPr id="3" name="Content Placeholder 2">
-            <a:extLst>
-              <a:ext uri="{FF2B5EF4-FFF2-40B4-BE49-F238E27FC236}">
-                <a16:creationId xmlns:a16="http://schemas.microsoft.com/office/drawing/2014/main" id="{0FEA1360-85B3-4B93-BE09-D1CD8D32E25C}"/>
-              </a:ext>
-            </a:extLst>
-          </p:cNvPr>
+          <p:cNvPr id="3" name="Content Placeholder 2"/>
           <p:cNvSpPr>
             <a:spLocks noGrp="1"/>
           </p:cNvSpPr>
@@ -33656,19 +33755,13 @@
               <a:rPr lang="en-US"/>
               <a:t>Fifth level</a:t>
             </a:r>
-            <a:endParaRPr lang="fi-FI"/>
+            <a:endParaRPr lang="en-US" dirty="0"/>
           </a:p>
         </p:txBody>
       </p:sp>
       <p:sp>
         <p:nvSpPr>
-          <p:cNvPr id="4" name="Date Placeholder 3">
-            <a:extLst>
-              <a:ext uri="{FF2B5EF4-FFF2-40B4-BE49-F238E27FC236}">
-                <a16:creationId xmlns:a16="http://schemas.microsoft.com/office/drawing/2014/main" id="{D88937BD-839A-4D81-8F44-E09D00C7D624}"/>
-              </a:ext>
-            </a:extLst>
-          </p:cNvPr>
+          <p:cNvPr id="4" name="Date Placeholder 3"/>
           <p:cNvSpPr>
             <a:spLocks noGrp="1"/>
           </p:cNvSpPr>
@@ -33691,13 +33784,7 @@
       </p:sp>
       <p:sp>
         <p:nvSpPr>
-          <p:cNvPr id="5" name="Footer Placeholder 4">
-            <a:extLst>
-              <a:ext uri="{FF2B5EF4-FFF2-40B4-BE49-F238E27FC236}">
-                <a16:creationId xmlns:a16="http://schemas.microsoft.com/office/drawing/2014/main" id="{3423F641-F47E-4A30-A8B8-F06C46EEB061}"/>
-              </a:ext>
-            </a:extLst>
-          </p:cNvPr>
+          <p:cNvPr id="5" name="Footer Placeholder 4"/>
           <p:cNvSpPr>
             <a:spLocks noGrp="1"/>
           </p:cNvSpPr>
@@ -33716,13 +33803,7 @@
       </p:sp>
       <p:sp>
         <p:nvSpPr>
-          <p:cNvPr id="6" name="Slide Number Placeholder 5">
-            <a:extLst>
-              <a:ext uri="{FF2B5EF4-FFF2-40B4-BE49-F238E27FC236}">
-                <a16:creationId xmlns:a16="http://schemas.microsoft.com/office/drawing/2014/main" id="{EBDE5F5B-2406-423A-B3CA-58CC6821E7B1}"/>
-              </a:ext>
-            </a:extLst>
-          </p:cNvPr>
+          <p:cNvPr id="6" name="Slide Number Placeholder 5"/>
           <p:cNvSpPr>
             <a:spLocks noGrp="1"/>
           </p:cNvSpPr>
@@ -33746,7 +33827,7 @@
     </p:spTree>
     <p:extLst>
       <p:ext uri="{BB962C8B-B14F-4D97-AF65-F5344CB8AC3E}">
-        <p14:creationId xmlns:p14="http://schemas.microsoft.com/office/powerpoint/2010/main" val="2982240359"/>
+        <p14:creationId xmlns:p14="http://schemas.microsoft.com/office/powerpoint/2010/main" val="75895448"/>
       </p:ext>
     </p:extLst>
   </p:cSld>
@@ -33757,8 +33838,13 @@
 </file>
 
 <file path=ppt/slideLayouts/slideLayout3.xml><?xml version="1.0" encoding="utf-8"?>
-<p:sldLayout xmlns:a="http://schemas.openxmlformats.org/drawingml/2006/main" xmlns:r="http://schemas.openxmlformats.org/officeDocument/2006/relationships" xmlns:p="http://schemas.openxmlformats.org/presentationml/2006/main" type="secHead" preserve="1">
+<p:sldLayout xmlns:a="http://schemas.openxmlformats.org/drawingml/2006/main" xmlns:r="http://schemas.openxmlformats.org/officeDocument/2006/relationships" xmlns:p="http://schemas.openxmlformats.org/presentationml/2006/main" showMasterSp="0" type="secHead" preserve="1">
   <p:cSld name="Section Header">
+    <p:bg>
+      <p:bgRef idx="1001">
+        <a:schemeClr val="bg2"/>
+      </p:bgRef>
+    </p:bg>
     <p:spTree>
       <p:nvGrpSpPr>
         <p:cNvPr id="1" name=""/>
@@ -33775,13 +33861,7 @@
       </p:grpSpPr>
       <p:sp>
         <p:nvSpPr>
-          <p:cNvPr id="2" name="Title 1">
-            <a:extLst>
-              <a:ext uri="{FF2B5EF4-FFF2-40B4-BE49-F238E27FC236}">
-                <a16:creationId xmlns:a16="http://schemas.microsoft.com/office/drawing/2014/main" id="{A1122903-8C55-45F5-93EE-9D36CD3E3786}"/>
-              </a:ext>
-            </a:extLst>
-          </p:cNvPr>
+          <p:cNvPr id="2" name="Title 1"/>
           <p:cNvSpPr>
             <a:spLocks noGrp="1"/>
           </p:cNvSpPr>
@@ -33791,15 +33871,21 @@
         </p:nvSpPr>
         <p:spPr>
           <a:xfrm>
-            <a:off x="831850" y="1709738"/>
-            <a:ext cx="10515600" cy="2852737"/>
+            <a:off x="765025" y="1301360"/>
+            <a:ext cx="9612971" cy="2852737"/>
           </a:xfrm>
         </p:spPr>
         <p:txBody>
-          <a:bodyPr anchor="b"/>
+          <a:bodyPr anchor="b">
+            <a:normAutofit/>
+          </a:bodyPr>
           <a:lstStyle>
-            <a:lvl1pPr>
-              <a:defRPr sz="6000"/>
+            <a:lvl1pPr algn="r">
+              <a:defRPr sz="7200" cap="all" baseline="0">
+                <a:solidFill>
+                  <a:schemeClr val="tx2"/>
+                </a:solidFill>
+              </a:defRPr>
             </a:lvl1pPr>
           </a:lstStyle>
           <a:p>
@@ -33807,19 +33893,13 @@
               <a:rPr lang="en-US"/>
               <a:t>Click to edit Master title style</a:t>
             </a:r>
-            <a:endParaRPr lang="fi-FI"/>
+            <a:endParaRPr lang="en-US" dirty="0"/>
           </a:p>
         </p:txBody>
       </p:sp>
       <p:sp>
         <p:nvSpPr>
-          <p:cNvPr id="3" name="Text Placeholder 2">
-            <a:extLst>
-              <a:ext uri="{FF2B5EF4-FFF2-40B4-BE49-F238E27FC236}">
-                <a16:creationId xmlns:a16="http://schemas.microsoft.com/office/drawing/2014/main" id="{A29FF105-DC78-4CF0-A72D-567A6CA8D869}"/>
-              </a:ext>
-            </a:extLst>
-          </p:cNvPr>
+          <p:cNvPr id="3" name="Text Placeholder 2"/>
           <p:cNvSpPr>
             <a:spLocks noGrp="1"/>
           </p:cNvSpPr>
@@ -33829,20 +33909,27 @@
         </p:nvSpPr>
         <p:spPr>
           <a:xfrm>
-            <a:off x="831850" y="4589463"/>
-            <a:ext cx="10515600" cy="1500187"/>
+            <a:off x="765025" y="4216328"/>
+            <a:ext cx="9612971" cy="1143324"/>
           </a:xfrm>
         </p:spPr>
         <p:txBody>
           <a:bodyPr/>
           <a:lstStyle>
-            <a:lvl1pPr marL="0" indent="0">
+            <a:lvl1pPr marL="0" indent="0" algn="r">
+              <a:lnSpc>
+                <a:spcPct val="112000"/>
+              </a:lnSpc>
+              <a:spcBef>
+                <a:spcPts val="0"/>
+              </a:spcBef>
+              <a:spcAft>
+                <a:spcPts val="0"/>
+              </a:spcAft>
               <a:buNone/>
               <a:defRPr sz="2400">
                 <a:solidFill>
-                  <a:schemeClr val="tx1">
-                    <a:tint val="75000"/>
-                  </a:schemeClr>
+                  <a:schemeClr val="tx2"/>
                 </a:solidFill>
               </a:defRPr>
             </a:lvl1pPr>
@@ -33938,13 +34025,7 @@
       </p:sp>
       <p:sp>
         <p:nvSpPr>
-          <p:cNvPr id="4" name="Date Placeholder 3">
-            <a:extLst>
-              <a:ext uri="{FF2B5EF4-FFF2-40B4-BE49-F238E27FC236}">
-                <a16:creationId xmlns:a16="http://schemas.microsoft.com/office/drawing/2014/main" id="{8B5D2BE3-A7F5-4F32-B347-F7A4D867EA49}"/>
-              </a:ext>
-            </a:extLst>
-          </p:cNvPr>
+          <p:cNvPr id="4" name="Date Placeholder 3"/>
           <p:cNvSpPr>
             <a:spLocks noGrp="1"/>
           </p:cNvSpPr>
@@ -33952,10 +34033,23 @@
             <p:ph type="dt" sz="half" idx="10"/>
           </p:nvPr>
         </p:nvSpPr>
-        <p:spPr/>
+        <p:spPr>
+          <a:xfrm>
+            <a:off x="738908" y="6453386"/>
+            <a:ext cx="1622409" cy="404614"/>
+          </a:xfrm>
+        </p:spPr>
         <p:txBody>
           <a:bodyPr/>
-          <a:lstStyle/>
+          <a:lstStyle>
+            <a:lvl1pPr>
+              <a:defRPr>
+                <a:solidFill>
+                  <a:schemeClr val="tx2"/>
+                </a:solidFill>
+              </a:defRPr>
+            </a:lvl1pPr>
+          </a:lstStyle>
           <a:p>
             <a:fld id="{37A95FFF-27CC-4789-BEEC-3B8C038D4E97}" type="datetimeFigureOut">
               <a:rPr lang="fi-FI" smtClean="0"/>
@@ -33967,13 +34061,7 @@
       </p:sp>
       <p:sp>
         <p:nvSpPr>
-          <p:cNvPr id="5" name="Footer Placeholder 4">
-            <a:extLst>
-              <a:ext uri="{FF2B5EF4-FFF2-40B4-BE49-F238E27FC236}">
-                <a16:creationId xmlns:a16="http://schemas.microsoft.com/office/drawing/2014/main" id="{FDA64FC1-5BA2-4302-8EF1-121A9EA75B8B}"/>
-              </a:ext>
-            </a:extLst>
-          </p:cNvPr>
+          <p:cNvPr id="5" name="Footer Placeholder 4"/>
           <p:cNvSpPr>
             <a:spLocks noGrp="1"/>
           </p:cNvSpPr>
@@ -33981,10 +34069,23 @@
             <p:ph type="ftr" sz="quarter" idx="11"/>
           </p:nvPr>
         </p:nvSpPr>
-        <p:spPr/>
+        <p:spPr>
+          <a:xfrm>
+            <a:off x="2584312" y="6453386"/>
+            <a:ext cx="7023377" cy="404614"/>
+          </a:xfrm>
+        </p:spPr>
         <p:txBody>
           <a:bodyPr/>
-          <a:lstStyle/>
+          <a:lstStyle>
+            <a:lvl1pPr algn="ctr">
+              <a:defRPr>
+                <a:solidFill>
+                  <a:schemeClr val="tx2"/>
+                </a:solidFill>
+              </a:defRPr>
+            </a:lvl1pPr>
+          </a:lstStyle>
           <a:p>
             <a:endParaRPr lang="fi-FI"/>
           </a:p>
@@ -33992,13 +34093,7 @@
       </p:sp>
       <p:sp>
         <p:nvSpPr>
-          <p:cNvPr id="6" name="Slide Number Placeholder 5">
-            <a:extLst>
-              <a:ext uri="{FF2B5EF4-FFF2-40B4-BE49-F238E27FC236}">
-                <a16:creationId xmlns:a16="http://schemas.microsoft.com/office/drawing/2014/main" id="{39CCA67B-569B-4A76-B8A7-8E04557F9BE0}"/>
-              </a:ext>
-            </a:extLst>
-          </p:cNvPr>
+          <p:cNvPr id="6" name="Slide Number Placeholder 5"/>
           <p:cNvSpPr>
             <a:spLocks noGrp="1"/>
           </p:cNvSpPr>
@@ -34006,10 +34101,23 @@
             <p:ph type="sldNum" sz="quarter" idx="12"/>
           </p:nvPr>
         </p:nvSpPr>
-        <p:spPr/>
+        <p:spPr>
+          <a:xfrm>
+            <a:off x="9830683" y="6453386"/>
+            <a:ext cx="1596292" cy="404614"/>
+          </a:xfrm>
+        </p:spPr>
         <p:txBody>
           <a:bodyPr/>
-          <a:lstStyle/>
+          <a:lstStyle>
+            <a:lvl1pPr>
+              <a:defRPr>
+                <a:solidFill>
+                  <a:schemeClr val="tx2"/>
+                </a:solidFill>
+              </a:defRPr>
+            </a:lvl1pPr>
+          </a:lstStyle>
           <a:p>
             <a:fld id="{30628122-F659-4DE0-B790-F083F203E105}" type="slidenum">
               <a:rPr lang="fi-FI" smtClean="0"/>
@@ -34019,15 +34127,71 @@
           </a:p>
         </p:txBody>
       </p:sp>
+      <p:sp>
+        <p:nvSpPr>
+          <p:cNvPr id="7" name="Freeform 6" title="Crop Mark"/>
+          <p:cNvSpPr/>
+          <p:nvPr/>
+        </p:nvSpPr>
+        <p:spPr bwMode="auto">
+          <a:xfrm>
+            <a:off x="8151962" y="1685652"/>
+            <a:ext cx="3275013" cy="4408488"/>
+          </a:xfrm>
+          <a:custGeom>
+            <a:avLst/>
+            <a:gdLst/>
+            <a:ahLst/>
+            <a:cxnLst/>
+            <a:rect l="0" t="0" r="r" b="b"/>
+            <a:pathLst>
+              <a:path w="4125" h="5554">
+                <a:moveTo>
+                  <a:pt x="3614" y="0"/>
+                </a:moveTo>
+                <a:lnTo>
+                  <a:pt x="4125" y="0"/>
+                </a:lnTo>
+                <a:lnTo>
+                  <a:pt x="4125" y="5554"/>
+                </a:lnTo>
+                <a:lnTo>
+                  <a:pt x="0" y="5554"/>
+                </a:lnTo>
+                <a:lnTo>
+                  <a:pt x="0" y="5074"/>
+                </a:lnTo>
+                <a:lnTo>
+                  <a:pt x="3614" y="5074"/>
+                </a:lnTo>
+                <a:lnTo>
+                  <a:pt x="3614" y="0"/>
+                </a:lnTo>
+                <a:close/>
+              </a:path>
+            </a:pathLst>
+          </a:custGeom>
+          <a:solidFill>
+            <a:schemeClr val="tx2"/>
+          </a:solidFill>
+          <a:ln w="0">
+            <a:noFill/>
+            <a:prstDash val="solid"/>
+            <a:round/>
+            <a:headEnd/>
+            <a:tailEnd/>
+          </a:ln>
+        </p:spPr>
+      </p:sp>
     </p:spTree>
     <p:extLst>
       <p:ext uri="{BB962C8B-B14F-4D97-AF65-F5344CB8AC3E}">
-        <p14:creationId xmlns:p14="http://schemas.microsoft.com/office/powerpoint/2010/main" val="1228610161"/>
+        <p14:creationId xmlns:p14="http://schemas.microsoft.com/office/powerpoint/2010/main" val="208302714"/>
       </p:ext>
     </p:extLst>
   </p:cSld>
   <p:clrMapOvr>
-    <a:masterClrMapping/>
+    <a:overrideClrMapping bg1="dk1" tx1="lt1" bg2="dk2" tx2="lt2" accent1="accent1" accent2="accent2" accent3="accent3" accent4="accent4" accent5="accent5" accent6="accent6" hlink="hlink" folHlink="folHlink"/>
   </p:clrMapOvr>
 </p:sldLayout>
 </file>
@@ -34051,13 +34215,7 @@
       </p:grpSpPr>
       <p:sp>
         <p:nvSpPr>
-          <p:cNvPr id="2" name="Title 1">
-            <a:extLst>
-              <a:ext uri="{FF2B5EF4-FFF2-40B4-BE49-F238E27FC236}">
-                <a16:creationId xmlns:a16="http://schemas.microsoft.com/office/drawing/2014/main" id="{F6BC0134-9311-4A3E-8DBC-B7101278F12E}"/>
-              </a:ext>
-            </a:extLst>
-          </p:cNvPr>
+          <p:cNvPr id="2" name="Title 1"/>
           <p:cNvSpPr>
             <a:spLocks noGrp="1"/>
           </p:cNvSpPr>
@@ -34068,25 +34226,27 @@
         <p:spPr/>
         <p:txBody>
           <a:bodyPr/>
-          <a:lstStyle/>
+          <a:lstStyle>
+            <a:lvl1pPr>
+              <a:defRPr>
+                <a:solidFill>
+                  <a:schemeClr val="tx2"/>
+                </a:solidFill>
+              </a:defRPr>
+            </a:lvl1pPr>
+          </a:lstStyle>
           <a:p>
             <a:r>
               <a:rPr lang="en-US"/>
               <a:t>Click to edit Master title style</a:t>
             </a:r>
-            <a:endParaRPr lang="fi-FI"/>
+            <a:endParaRPr lang="en-US" dirty="0"/>
           </a:p>
         </p:txBody>
       </p:sp>
       <p:sp>
         <p:nvSpPr>
-          <p:cNvPr id="3" name="Content Placeholder 2">
-            <a:extLst>
-              <a:ext uri="{FF2B5EF4-FFF2-40B4-BE49-F238E27FC236}">
-                <a16:creationId xmlns:a16="http://schemas.microsoft.com/office/drawing/2014/main" id="{7E3671EA-76A8-48F9-89AC-291A730CA77E}"/>
-              </a:ext>
-            </a:extLst>
-          </p:cNvPr>
+          <p:cNvPr id="3" name="Content Placeholder 2"/>
           <p:cNvSpPr>
             <a:spLocks noGrp="1"/>
           </p:cNvSpPr>
@@ -34096,13 +34256,49 @@
         </p:nvSpPr>
         <p:spPr>
           <a:xfrm>
-            <a:off x="838200" y="1825625"/>
-            <a:ext cx="5181600" cy="4351338"/>
+            <a:off x="1371600" y="2285999"/>
+            <a:ext cx="4447786" cy="3581401"/>
           </a:xfrm>
         </p:spPr>
         <p:txBody>
           <a:bodyPr/>
-          <a:lstStyle/>
+          <a:lstStyle>
+            <a:lvl1pPr>
+              <a:defRPr baseline="0">
+                <a:solidFill>
+                  <a:schemeClr val="tx2"/>
+                </a:solidFill>
+              </a:defRPr>
+            </a:lvl1pPr>
+            <a:lvl2pPr>
+              <a:defRPr baseline="0">
+                <a:solidFill>
+                  <a:schemeClr val="tx2"/>
+                </a:solidFill>
+              </a:defRPr>
+            </a:lvl2pPr>
+            <a:lvl3pPr>
+              <a:defRPr baseline="0">
+                <a:solidFill>
+                  <a:schemeClr val="tx2"/>
+                </a:solidFill>
+              </a:defRPr>
+            </a:lvl3pPr>
+            <a:lvl4pPr>
+              <a:defRPr baseline="0">
+                <a:solidFill>
+                  <a:schemeClr val="tx2"/>
+                </a:solidFill>
+              </a:defRPr>
+            </a:lvl4pPr>
+            <a:lvl5pPr>
+              <a:defRPr baseline="0">
+                <a:solidFill>
+                  <a:schemeClr val="tx2"/>
+                </a:solidFill>
+              </a:defRPr>
+            </a:lvl5pPr>
+          </a:lstStyle>
           <a:p>
             <a:pPr lvl="0"/>
             <a:r>
@@ -34137,19 +34333,13 @@
               <a:rPr lang="en-US"/>
               <a:t>Fifth level</a:t>
             </a:r>
-            <a:endParaRPr lang="fi-FI"/>
+            <a:endParaRPr lang="en-US" dirty="0"/>
           </a:p>
         </p:txBody>
       </p:sp>
       <p:sp>
         <p:nvSpPr>
-          <p:cNvPr id="4" name="Content Placeholder 3">
-            <a:extLst>
-              <a:ext uri="{FF2B5EF4-FFF2-40B4-BE49-F238E27FC236}">
-                <a16:creationId xmlns:a16="http://schemas.microsoft.com/office/drawing/2014/main" id="{AE2E719A-09AD-41F4-8570-139374BD3C80}"/>
-              </a:ext>
-            </a:extLst>
-          </p:cNvPr>
+          <p:cNvPr id="4" name="Content Placeholder 3"/>
           <p:cNvSpPr>
             <a:spLocks noGrp="1"/>
           </p:cNvSpPr>
@@ -34159,13 +34349,49 @@
         </p:nvSpPr>
         <p:spPr>
           <a:xfrm>
-            <a:off x="6172200" y="1825625"/>
-            <a:ext cx="5181600" cy="4351338"/>
+            <a:off x="6525403" y="2285999"/>
+            <a:ext cx="4447786" cy="3581401"/>
           </a:xfrm>
         </p:spPr>
         <p:txBody>
           <a:bodyPr/>
-          <a:lstStyle/>
+          <a:lstStyle>
+            <a:lvl1pPr>
+              <a:defRPr>
+                <a:solidFill>
+                  <a:schemeClr val="tx2"/>
+                </a:solidFill>
+              </a:defRPr>
+            </a:lvl1pPr>
+            <a:lvl2pPr>
+              <a:defRPr>
+                <a:solidFill>
+                  <a:schemeClr val="tx2"/>
+                </a:solidFill>
+              </a:defRPr>
+            </a:lvl2pPr>
+            <a:lvl3pPr>
+              <a:defRPr>
+                <a:solidFill>
+                  <a:schemeClr val="tx2"/>
+                </a:solidFill>
+              </a:defRPr>
+            </a:lvl3pPr>
+            <a:lvl4pPr>
+              <a:defRPr>
+                <a:solidFill>
+                  <a:schemeClr val="tx2"/>
+                </a:solidFill>
+              </a:defRPr>
+            </a:lvl4pPr>
+            <a:lvl5pPr>
+              <a:defRPr>
+                <a:solidFill>
+                  <a:schemeClr val="tx2"/>
+                </a:solidFill>
+              </a:defRPr>
+            </a:lvl5pPr>
+          </a:lstStyle>
           <a:p>
             <a:pPr lvl="0"/>
             <a:r>
@@ -34200,19 +34426,13 @@
               <a:rPr lang="en-US"/>
               <a:t>Fifth level</a:t>
             </a:r>
-            <a:endParaRPr lang="fi-FI"/>
+            <a:endParaRPr lang="en-US" dirty="0"/>
           </a:p>
         </p:txBody>
       </p:sp>
       <p:sp>
         <p:nvSpPr>
-          <p:cNvPr id="5" name="Date Placeholder 4">
-            <a:extLst>
-              <a:ext uri="{FF2B5EF4-FFF2-40B4-BE49-F238E27FC236}">
-                <a16:creationId xmlns:a16="http://schemas.microsoft.com/office/drawing/2014/main" id="{7D798FCD-6904-4131-AEF1-91C3ACC6277B}"/>
-              </a:ext>
-            </a:extLst>
-          </p:cNvPr>
+          <p:cNvPr id="5" name="Date Placeholder 4"/>
           <p:cNvSpPr>
             <a:spLocks noGrp="1"/>
           </p:cNvSpPr>
@@ -34235,13 +34455,7 @@
       </p:sp>
       <p:sp>
         <p:nvSpPr>
-          <p:cNvPr id="6" name="Footer Placeholder 5">
-            <a:extLst>
-              <a:ext uri="{FF2B5EF4-FFF2-40B4-BE49-F238E27FC236}">
-                <a16:creationId xmlns:a16="http://schemas.microsoft.com/office/drawing/2014/main" id="{473616E6-B7DE-4523-A964-C893F31AE5F9}"/>
-              </a:ext>
-            </a:extLst>
-          </p:cNvPr>
+          <p:cNvPr id="6" name="Footer Placeholder 5"/>
           <p:cNvSpPr>
             <a:spLocks noGrp="1"/>
           </p:cNvSpPr>
@@ -34260,13 +34474,7 @@
       </p:sp>
       <p:sp>
         <p:nvSpPr>
-          <p:cNvPr id="7" name="Slide Number Placeholder 6">
-            <a:extLst>
-              <a:ext uri="{FF2B5EF4-FFF2-40B4-BE49-F238E27FC236}">
-                <a16:creationId xmlns:a16="http://schemas.microsoft.com/office/drawing/2014/main" id="{A60213D3-6BD0-4FEE-83D0-BAC8089C3B9E}"/>
-              </a:ext>
-            </a:extLst>
-          </p:cNvPr>
+          <p:cNvPr id="7" name="Slide Number Placeholder 6"/>
           <p:cNvSpPr>
             <a:spLocks noGrp="1"/>
           </p:cNvSpPr>
@@ -34290,7 +34498,7 @@
     </p:spTree>
     <p:extLst>
       <p:ext uri="{BB962C8B-B14F-4D97-AF65-F5344CB8AC3E}">
-        <p14:creationId xmlns:p14="http://schemas.microsoft.com/office/powerpoint/2010/main" val="748021242"/>
+        <p14:creationId xmlns:p14="http://schemas.microsoft.com/office/powerpoint/2010/main" val="3213105085"/>
       </p:ext>
     </p:extLst>
   </p:cSld>
@@ -34319,13 +34527,7 @@
       </p:grpSpPr>
       <p:sp>
         <p:nvSpPr>
-          <p:cNvPr id="2" name="Title 1">
-            <a:extLst>
-              <a:ext uri="{FF2B5EF4-FFF2-40B4-BE49-F238E27FC236}">
-                <a16:creationId xmlns:a16="http://schemas.microsoft.com/office/drawing/2014/main" id="{CA70A50C-989B-4E36-9366-180B74614B94}"/>
-              </a:ext>
-            </a:extLst>
-          </p:cNvPr>
+          <p:cNvPr id="2" name="Title 1"/>
           <p:cNvSpPr>
             <a:spLocks noGrp="1"/>
           </p:cNvSpPr>
@@ -34335,31 +34537,33 @@
         </p:nvSpPr>
         <p:spPr>
           <a:xfrm>
-            <a:off x="839788" y="365125"/>
-            <a:ext cx="10515600" cy="1325563"/>
+            <a:off x="1371600" y="685800"/>
+            <a:ext cx="9601200" cy="1485900"/>
           </a:xfrm>
         </p:spPr>
         <p:txBody>
           <a:bodyPr/>
-          <a:lstStyle/>
+          <a:lstStyle>
+            <a:lvl1pPr>
+              <a:defRPr>
+                <a:solidFill>
+                  <a:schemeClr val="tx2"/>
+                </a:solidFill>
+              </a:defRPr>
+            </a:lvl1pPr>
+          </a:lstStyle>
           <a:p>
             <a:r>
               <a:rPr lang="en-US"/>
               <a:t>Click to edit Master title style</a:t>
             </a:r>
-            <a:endParaRPr lang="fi-FI"/>
+            <a:endParaRPr lang="en-US" dirty="0"/>
           </a:p>
         </p:txBody>
       </p:sp>
       <p:sp>
         <p:nvSpPr>
-          <p:cNvPr id="3" name="Text Placeholder 2">
-            <a:extLst>
-              <a:ext uri="{FF2B5EF4-FFF2-40B4-BE49-F238E27FC236}">
-                <a16:creationId xmlns:a16="http://schemas.microsoft.com/office/drawing/2014/main" id="{895C0048-C50C-4539-853A-EEEAF15CD2AF}"/>
-              </a:ext>
-            </a:extLst>
-          </p:cNvPr>
+          <p:cNvPr id="3" name="Text Placeholder 2"/>
           <p:cNvSpPr>
             <a:spLocks noGrp="1"/>
           </p:cNvSpPr>
@@ -34369,16 +34573,31 @@
         </p:nvSpPr>
         <p:spPr>
           <a:xfrm>
-            <a:off x="839788" y="1681163"/>
-            <a:ext cx="5157787" cy="823912"/>
+            <a:off x="1371600" y="2340864"/>
+            <a:ext cx="4443984" cy="823912"/>
           </a:xfrm>
         </p:spPr>
         <p:txBody>
-          <a:bodyPr anchor="b"/>
+          <a:bodyPr anchor="b">
+            <a:noAutofit/>
+          </a:bodyPr>
           <a:lstStyle>
             <a:lvl1pPr marL="0" indent="0">
+              <a:lnSpc>
+                <a:spcPct val="84000"/>
+              </a:lnSpc>
+              <a:spcBef>
+                <a:spcPts val="0"/>
+              </a:spcBef>
+              <a:spcAft>
+                <a:spcPts val="0"/>
+              </a:spcAft>
               <a:buNone/>
-              <a:defRPr sz="2400" b="1"/>
+              <a:defRPr sz="3000" b="0" baseline="0">
+                <a:solidFill>
+                  <a:schemeClr val="tx2"/>
+                </a:solidFill>
+              </a:defRPr>
             </a:lvl1pPr>
             <a:lvl2pPr marL="457200" indent="0">
               <a:buNone/>
@@ -34424,13 +34643,7 @@
       </p:sp>
       <p:sp>
         <p:nvSpPr>
-          <p:cNvPr id="4" name="Content Placeholder 3">
-            <a:extLst>
-              <a:ext uri="{FF2B5EF4-FFF2-40B4-BE49-F238E27FC236}">
-                <a16:creationId xmlns:a16="http://schemas.microsoft.com/office/drawing/2014/main" id="{E995B422-501C-48D7-9ABE-8C86C9C0C24F}"/>
-              </a:ext>
-            </a:extLst>
-          </p:cNvPr>
+          <p:cNvPr id="4" name="Content Placeholder 3"/>
           <p:cNvSpPr>
             <a:spLocks noGrp="1"/>
           </p:cNvSpPr>
@@ -34440,13 +34653,49 @@
         </p:nvSpPr>
         <p:spPr>
           <a:xfrm>
-            <a:off x="839788" y="2505075"/>
-            <a:ext cx="5157787" cy="3684588"/>
+            <a:off x="1371600" y="3305207"/>
+            <a:ext cx="4443984" cy="2562193"/>
           </a:xfrm>
         </p:spPr>
         <p:txBody>
           <a:bodyPr/>
-          <a:lstStyle/>
+          <a:lstStyle>
+            <a:lvl1pPr>
+              <a:defRPr baseline="0">
+                <a:solidFill>
+                  <a:schemeClr val="tx2"/>
+                </a:solidFill>
+              </a:defRPr>
+            </a:lvl1pPr>
+            <a:lvl2pPr>
+              <a:defRPr baseline="0">
+                <a:solidFill>
+                  <a:schemeClr val="tx2"/>
+                </a:solidFill>
+              </a:defRPr>
+            </a:lvl2pPr>
+            <a:lvl3pPr>
+              <a:defRPr baseline="0">
+                <a:solidFill>
+                  <a:schemeClr val="tx2"/>
+                </a:solidFill>
+              </a:defRPr>
+            </a:lvl3pPr>
+            <a:lvl4pPr>
+              <a:defRPr baseline="0">
+                <a:solidFill>
+                  <a:schemeClr val="tx2"/>
+                </a:solidFill>
+              </a:defRPr>
+            </a:lvl4pPr>
+            <a:lvl5pPr>
+              <a:defRPr baseline="0">
+                <a:solidFill>
+                  <a:schemeClr val="tx2"/>
+                </a:solidFill>
+              </a:defRPr>
+            </a:lvl5pPr>
+          </a:lstStyle>
           <a:p>
             <a:pPr lvl="0"/>
             <a:r>
@@ -34481,19 +34730,13 @@
               <a:rPr lang="en-US"/>
               <a:t>Fifth level</a:t>
             </a:r>
-            <a:endParaRPr lang="fi-FI"/>
+            <a:endParaRPr lang="en-US" dirty="0"/>
           </a:p>
         </p:txBody>
       </p:sp>
       <p:sp>
         <p:nvSpPr>
-          <p:cNvPr id="5" name="Text Placeholder 4">
-            <a:extLst>
-              <a:ext uri="{FF2B5EF4-FFF2-40B4-BE49-F238E27FC236}">
-                <a16:creationId xmlns:a16="http://schemas.microsoft.com/office/drawing/2014/main" id="{328CBE2F-F79E-4EB9-8ED1-AF2E10D11CD8}"/>
-              </a:ext>
-            </a:extLst>
-          </p:cNvPr>
+          <p:cNvPr id="5" name="Text Placeholder 4"/>
           <p:cNvSpPr>
             <a:spLocks noGrp="1"/>
           </p:cNvSpPr>
@@ -34503,16 +34746,31 @@
         </p:nvSpPr>
         <p:spPr>
           <a:xfrm>
-            <a:off x="6172200" y="1681163"/>
-            <a:ext cx="5183188" cy="823912"/>
+            <a:off x="6525014" y="2340864"/>
+            <a:ext cx="4443984" cy="823912"/>
           </a:xfrm>
         </p:spPr>
         <p:txBody>
-          <a:bodyPr anchor="b"/>
+          <a:bodyPr anchor="b">
+            <a:noAutofit/>
+          </a:bodyPr>
           <a:lstStyle>
             <a:lvl1pPr marL="0" indent="0">
+              <a:lnSpc>
+                <a:spcPct val="84000"/>
+              </a:lnSpc>
+              <a:spcBef>
+                <a:spcPts val="0"/>
+              </a:spcBef>
+              <a:spcAft>
+                <a:spcPts val="0"/>
+              </a:spcAft>
               <a:buNone/>
-              <a:defRPr sz="2400" b="1"/>
+              <a:defRPr sz="3000" b="0" baseline="0">
+                <a:solidFill>
+                  <a:schemeClr val="tx2"/>
+                </a:solidFill>
+              </a:defRPr>
             </a:lvl1pPr>
             <a:lvl2pPr marL="457200" indent="0">
               <a:buNone/>
@@ -34558,13 +34816,7 @@
       </p:sp>
       <p:sp>
         <p:nvSpPr>
-          <p:cNvPr id="6" name="Content Placeholder 5">
-            <a:extLst>
-              <a:ext uri="{FF2B5EF4-FFF2-40B4-BE49-F238E27FC236}">
-                <a16:creationId xmlns:a16="http://schemas.microsoft.com/office/drawing/2014/main" id="{01B4EBE7-D8BB-4B6B-8712-D1196B14E3CD}"/>
-              </a:ext>
-            </a:extLst>
-          </p:cNvPr>
+          <p:cNvPr id="6" name="Content Placeholder 5"/>
           <p:cNvSpPr>
             <a:spLocks noGrp="1"/>
           </p:cNvSpPr>
@@ -34574,13 +34826,49 @@
         </p:nvSpPr>
         <p:spPr>
           <a:xfrm>
-            <a:off x="6172200" y="2505075"/>
-            <a:ext cx="5183188" cy="3684588"/>
+            <a:off x="6525014" y="3305207"/>
+            <a:ext cx="4443984" cy="2562193"/>
           </a:xfrm>
         </p:spPr>
         <p:txBody>
           <a:bodyPr/>
-          <a:lstStyle/>
+          <a:lstStyle>
+            <a:lvl1pPr>
+              <a:defRPr baseline="0">
+                <a:solidFill>
+                  <a:schemeClr val="tx2"/>
+                </a:solidFill>
+              </a:defRPr>
+            </a:lvl1pPr>
+            <a:lvl2pPr>
+              <a:defRPr baseline="0">
+                <a:solidFill>
+                  <a:schemeClr val="tx2"/>
+                </a:solidFill>
+              </a:defRPr>
+            </a:lvl2pPr>
+            <a:lvl3pPr>
+              <a:defRPr baseline="0">
+                <a:solidFill>
+                  <a:schemeClr val="tx2"/>
+                </a:solidFill>
+              </a:defRPr>
+            </a:lvl3pPr>
+            <a:lvl4pPr>
+              <a:defRPr baseline="0">
+                <a:solidFill>
+                  <a:schemeClr val="tx2"/>
+                </a:solidFill>
+              </a:defRPr>
+            </a:lvl4pPr>
+            <a:lvl5pPr>
+              <a:defRPr baseline="0">
+                <a:solidFill>
+                  <a:schemeClr val="tx2"/>
+                </a:solidFill>
+              </a:defRPr>
+            </a:lvl5pPr>
+          </a:lstStyle>
           <a:p>
             <a:pPr lvl="0"/>
             <a:r>
@@ -34615,19 +34903,13 @@
               <a:rPr lang="en-US"/>
               <a:t>Fifth level</a:t>
             </a:r>
-            <a:endParaRPr lang="fi-FI"/>
+            <a:endParaRPr lang="en-US" dirty="0"/>
           </a:p>
         </p:txBody>
       </p:sp>
       <p:sp>
         <p:nvSpPr>
-          <p:cNvPr id="7" name="Date Placeholder 6">
-            <a:extLst>
-              <a:ext uri="{FF2B5EF4-FFF2-40B4-BE49-F238E27FC236}">
-                <a16:creationId xmlns:a16="http://schemas.microsoft.com/office/drawing/2014/main" id="{C9948FA6-D9C8-4078-B32A-C4CA7CC0065A}"/>
-              </a:ext>
-            </a:extLst>
-          </p:cNvPr>
+          <p:cNvPr id="7" name="Date Placeholder 6"/>
           <p:cNvSpPr>
             <a:spLocks noGrp="1"/>
           </p:cNvSpPr>
@@ -34650,13 +34932,7 @@
       </p:sp>
       <p:sp>
         <p:nvSpPr>
-          <p:cNvPr id="8" name="Footer Placeholder 7">
-            <a:extLst>
-              <a:ext uri="{FF2B5EF4-FFF2-40B4-BE49-F238E27FC236}">
-                <a16:creationId xmlns:a16="http://schemas.microsoft.com/office/drawing/2014/main" id="{428A4583-645E-4C0C-8E5E-48BF7D71CC31}"/>
-              </a:ext>
-            </a:extLst>
-          </p:cNvPr>
+          <p:cNvPr id="8" name="Footer Placeholder 7"/>
           <p:cNvSpPr>
             <a:spLocks noGrp="1"/>
           </p:cNvSpPr>
@@ -34675,13 +34951,7 @@
       </p:sp>
       <p:sp>
         <p:nvSpPr>
-          <p:cNvPr id="9" name="Slide Number Placeholder 8">
-            <a:extLst>
-              <a:ext uri="{FF2B5EF4-FFF2-40B4-BE49-F238E27FC236}">
-                <a16:creationId xmlns:a16="http://schemas.microsoft.com/office/drawing/2014/main" id="{0F4818C4-49A8-4279-AED0-6B525C3191EE}"/>
-              </a:ext>
-            </a:extLst>
-          </p:cNvPr>
+          <p:cNvPr id="9" name="Slide Number Placeholder 8"/>
           <p:cNvSpPr>
             <a:spLocks noGrp="1"/>
           </p:cNvSpPr>
@@ -34705,7 +34975,7 @@
     </p:spTree>
     <p:extLst>
       <p:ext uri="{BB962C8B-B14F-4D97-AF65-F5344CB8AC3E}">
-        <p14:creationId xmlns:p14="http://schemas.microsoft.com/office/powerpoint/2010/main" val="3483027699"/>
+        <p14:creationId xmlns:p14="http://schemas.microsoft.com/office/powerpoint/2010/main" val="3989905847"/>
       </p:ext>
     </p:extLst>
   </p:cSld>
@@ -34734,13 +35004,7 @@
       </p:grpSpPr>
       <p:sp>
         <p:nvSpPr>
-          <p:cNvPr id="2" name="Title 1">
-            <a:extLst>
-              <a:ext uri="{FF2B5EF4-FFF2-40B4-BE49-F238E27FC236}">
-                <a16:creationId xmlns:a16="http://schemas.microsoft.com/office/drawing/2014/main" id="{2889F7A5-3A26-43F2-87E4-747A8170F827}"/>
-              </a:ext>
-            </a:extLst>
-          </p:cNvPr>
+          <p:cNvPr id="2" name="Title 1"/>
           <p:cNvSpPr>
             <a:spLocks noGrp="1"/>
           </p:cNvSpPr>
@@ -34757,19 +35021,13 @@
               <a:rPr lang="en-US"/>
               <a:t>Click to edit Master title style</a:t>
             </a:r>
-            <a:endParaRPr lang="fi-FI"/>
+            <a:endParaRPr lang="en-US" dirty="0"/>
           </a:p>
         </p:txBody>
       </p:sp>
       <p:sp>
         <p:nvSpPr>
-          <p:cNvPr id="3" name="Date Placeholder 2">
-            <a:extLst>
-              <a:ext uri="{FF2B5EF4-FFF2-40B4-BE49-F238E27FC236}">
-                <a16:creationId xmlns:a16="http://schemas.microsoft.com/office/drawing/2014/main" id="{8A6BAEFC-2280-4D4F-B7F0-8D85BC97EAA5}"/>
-              </a:ext>
-            </a:extLst>
-          </p:cNvPr>
+          <p:cNvPr id="3" name="Date Placeholder 2"/>
           <p:cNvSpPr>
             <a:spLocks noGrp="1"/>
           </p:cNvSpPr>
@@ -34792,13 +35050,7 @@
       </p:sp>
       <p:sp>
         <p:nvSpPr>
-          <p:cNvPr id="4" name="Footer Placeholder 3">
-            <a:extLst>
-              <a:ext uri="{FF2B5EF4-FFF2-40B4-BE49-F238E27FC236}">
-                <a16:creationId xmlns:a16="http://schemas.microsoft.com/office/drawing/2014/main" id="{CA82A42F-838E-4687-AF1C-AFA32ADECEFB}"/>
-              </a:ext>
-            </a:extLst>
-          </p:cNvPr>
+          <p:cNvPr id="4" name="Footer Placeholder 3"/>
           <p:cNvSpPr>
             <a:spLocks noGrp="1"/>
           </p:cNvSpPr>
@@ -34817,13 +35069,7 @@
       </p:sp>
       <p:sp>
         <p:nvSpPr>
-          <p:cNvPr id="5" name="Slide Number Placeholder 4">
-            <a:extLst>
-              <a:ext uri="{FF2B5EF4-FFF2-40B4-BE49-F238E27FC236}">
-                <a16:creationId xmlns:a16="http://schemas.microsoft.com/office/drawing/2014/main" id="{E961B278-13EB-4F23-81EA-61A687B0727F}"/>
-              </a:ext>
-            </a:extLst>
-          </p:cNvPr>
+          <p:cNvPr id="5" name="Slide Number Placeholder 4"/>
           <p:cNvSpPr>
             <a:spLocks noGrp="1"/>
           </p:cNvSpPr>
@@ -34847,7 +35093,7 @@
     </p:spTree>
     <p:extLst>
       <p:ext uri="{BB962C8B-B14F-4D97-AF65-F5344CB8AC3E}">
-        <p14:creationId xmlns:p14="http://schemas.microsoft.com/office/powerpoint/2010/main" val="2832355057"/>
+        <p14:creationId xmlns:p14="http://schemas.microsoft.com/office/powerpoint/2010/main" val="2657758910"/>
       </p:ext>
     </p:extLst>
   </p:cSld>
@@ -34876,13 +35122,7 @@
       </p:grpSpPr>
       <p:sp>
         <p:nvSpPr>
-          <p:cNvPr id="2" name="Date Placeholder 1">
-            <a:extLst>
-              <a:ext uri="{FF2B5EF4-FFF2-40B4-BE49-F238E27FC236}">
-                <a16:creationId xmlns:a16="http://schemas.microsoft.com/office/drawing/2014/main" id="{0B795694-7466-4B25-B9B4-5A171788A858}"/>
-              </a:ext>
-            </a:extLst>
-          </p:cNvPr>
+          <p:cNvPr id="2" name="Date Placeholder 1"/>
           <p:cNvSpPr>
             <a:spLocks noGrp="1"/>
           </p:cNvSpPr>
@@ -34905,13 +35145,7 @@
       </p:sp>
       <p:sp>
         <p:nvSpPr>
-          <p:cNvPr id="3" name="Footer Placeholder 2">
-            <a:extLst>
-              <a:ext uri="{FF2B5EF4-FFF2-40B4-BE49-F238E27FC236}">
-                <a16:creationId xmlns:a16="http://schemas.microsoft.com/office/drawing/2014/main" id="{7F6D2F0E-1802-4D68-B777-5A2D1BA023B8}"/>
-              </a:ext>
-            </a:extLst>
-          </p:cNvPr>
+          <p:cNvPr id="3" name="Footer Placeholder 2"/>
           <p:cNvSpPr>
             <a:spLocks noGrp="1"/>
           </p:cNvSpPr>
@@ -34930,13 +35164,7 @@
       </p:sp>
       <p:sp>
         <p:nvSpPr>
-          <p:cNvPr id="4" name="Slide Number Placeholder 3">
-            <a:extLst>
-              <a:ext uri="{FF2B5EF4-FFF2-40B4-BE49-F238E27FC236}">
-                <a16:creationId xmlns:a16="http://schemas.microsoft.com/office/drawing/2014/main" id="{573A4CF4-2997-4ED7-B526-26EF079778A6}"/>
-              </a:ext>
-            </a:extLst>
-          </p:cNvPr>
+          <p:cNvPr id="4" name="Slide Number Placeholder 3"/>
           <p:cNvSpPr>
             <a:spLocks noGrp="1"/>
           </p:cNvSpPr>
@@ -34960,7 +35188,7 @@
     </p:spTree>
     <p:extLst>
       <p:ext uri="{BB962C8B-B14F-4D97-AF65-F5344CB8AC3E}">
-        <p14:creationId xmlns:p14="http://schemas.microsoft.com/office/powerpoint/2010/main" val="3542399823"/>
+        <p14:creationId xmlns:p14="http://schemas.microsoft.com/office/powerpoint/2010/main" val="1318433536"/>
       </p:ext>
     </p:extLst>
   </p:cSld>
@@ -34971,7 +35199,7 @@
 </file>
 
 <file path=ppt/slideLayouts/slideLayout8.xml><?xml version="1.0" encoding="utf-8"?>
-<p:sldLayout xmlns:a="http://schemas.openxmlformats.org/drawingml/2006/main" xmlns:r="http://schemas.openxmlformats.org/officeDocument/2006/relationships" xmlns:p="http://schemas.openxmlformats.org/presentationml/2006/main" type="objTx" preserve="1">
+<p:sldLayout xmlns:a="http://schemas.openxmlformats.org/drawingml/2006/main" xmlns:r="http://schemas.openxmlformats.org/officeDocument/2006/relationships" xmlns:p="http://schemas.openxmlformats.org/presentationml/2006/main" showMasterSp="0" type="objTx" preserve="1">
   <p:cSld name="Content with Caption">
     <p:spTree>
       <p:nvGrpSpPr>
@@ -34989,13 +35217,45 @@
       </p:grpSpPr>
       <p:sp>
         <p:nvSpPr>
-          <p:cNvPr id="2" name="Title 1">
-            <a:extLst>
-              <a:ext uri="{FF2B5EF4-FFF2-40B4-BE49-F238E27FC236}">
-                <a16:creationId xmlns:a16="http://schemas.microsoft.com/office/drawing/2014/main" id="{58BC9DF8-4307-448D-B2A4-8A0552F55645}"/>
-              </a:ext>
-            </a:extLst>
-          </p:cNvPr>
+          <p:cNvPr id="8" name="Rectangle 7" title="Background Shape"/>
+          <p:cNvSpPr/>
+          <p:nvPr/>
+        </p:nvSpPr>
+        <p:spPr>
+          <a:xfrm>
+            <a:off x="0" y="376"/>
+            <a:ext cx="5303520" cy="6857624"/>
+          </a:xfrm>
+          <a:prstGeom prst="rect">
+            <a:avLst/>
+          </a:prstGeom>
+          <a:solidFill>
+            <a:schemeClr val="accent1"/>
+          </a:solidFill>
+          <a:ln>
+            <a:noFill/>
+          </a:ln>
+        </p:spPr>
+        <p:style>
+          <a:lnRef idx="2">
+            <a:schemeClr val="accent1">
+              <a:shade val="50000"/>
+            </a:schemeClr>
+          </a:lnRef>
+          <a:fillRef idx="1">
+            <a:schemeClr val="accent1"/>
+          </a:fillRef>
+          <a:effectRef idx="0">
+            <a:schemeClr val="accent1"/>
+          </a:effectRef>
+          <a:fontRef idx="minor">
+            <a:schemeClr val="lt1"/>
+          </a:fontRef>
+        </p:style>
+      </p:sp>
+      <p:sp>
+        <p:nvSpPr>
+          <p:cNvPr id="2" name="Title 1"/>
           <p:cNvSpPr>
             <a:spLocks noGrp="1"/>
           </p:cNvSpPr>
@@ -35005,15 +35265,24 @@
         </p:nvSpPr>
         <p:spPr>
           <a:xfrm>
-            <a:off x="839788" y="457200"/>
-            <a:ext cx="3932237" cy="1600200"/>
+            <a:off x="723900" y="685800"/>
+            <a:ext cx="3855720" cy="2157884"/>
           </a:xfrm>
         </p:spPr>
         <p:txBody>
-          <a:bodyPr anchor="b"/>
+          <a:bodyPr anchor="t">
+            <a:noAutofit/>
+          </a:bodyPr>
           <a:lstStyle>
             <a:lvl1pPr>
-              <a:defRPr sz="3200"/>
+              <a:lnSpc>
+                <a:spcPct val="84000"/>
+              </a:lnSpc>
+              <a:defRPr sz="4800" baseline="0">
+                <a:solidFill>
+                  <a:schemeClr val="tx2"/>
+                </a:solidFill>
+              </a:defRPr>
             </a:lvl1pPr>
           </a:lstStyle>
           <a:p>
@@ -35021,19 +35290,13 @@
               <a:rPr lang="en-US"/>
               <a:t>Click to edit Master title style</a:t>
             </a:r>
-            <a:endParaRPr lang="fi-FI"/>
+            <a:endParaRPr lang="en-US" dirty="0"/>
           </a:p>
         </p:txBody>
       </p:sp>
       <p:sp>
         <p:nvSpPr>
-          <p:cNvPr id="3" name="Content Placeholder 2">
-            <a:extLst>
-              <a:ext uri="{FF2B5EF4-FFF2-40B4-BE49-F238E27FC236}">
-                <a16:creationId xmlns:a16="http://schemas.microsoft.com/office/drawing/2014/main" id="{745E3075-2EE8-4E84-8F52-49F1CE1D41B9}"/>
-              </a:ext>
-            </a:extLst>
-          </p:cNvPr>
+          <p:cNvPr id="3" name="Content Placeholder 2"/>
           <p:cNvSpPr>
             <a:spLocks noGrp="1"/>
           </p:cNvSpPr>
@@ -35043,39 +35306,39 @@
         </p:nvSpPr>
         <p:spPr>
           <a:xfrm>
-            <a:off x="5183188" y="987425"/>
-            <a:ext cx="6172200" cy="4873625"/>
+            <a:off x="6256020" y="685801"/>
+            <a:ext cx="5212080" cy="5175250"/>
           </a:xfrm>
         </p:spPr>
         <p:txBody>
           <a:bodyPr/>
           <a:lstStyle>
             <a:lvl1pPr>
-              <a:defRPr sz="3200"/>
+              <a:defRPr sz="2000"/>
             </a:lvl1pPr>
             <a:lvl2pPr>
-              <a:defRPr sz="2800"/>
+              <a:defRPr sz="2000"/>
             </a:lvl2pPr>
             <a:lvl3pPr>
-              <a:defRPr sz="2400"/>
+              <a:defRPr sz="1800"/>
             </a:lvl3pPr>
             <a:lvl4pPr>
-              <a:defRPr sz="2000"/>
+              <a:defRPr sz="1800"/>
             </a:lvl4pPr>
             <a:lvl5pPr>
-              <a:defRPr sz="2000"/>
+              <a:defRPr sz="1600"/>
             </a:lvl5pPr>
             <a:lvl6pPr>
-              <a:defRPr sz="2000"/>
+              <a:defRPr sz="1600"/>
             </a:lvl6pPr>
             <a:lvl7pPr>
-              <a:defRPr sz="2000"/>
+              <a:defRPr sz="1600"/>
             </a:lvl7pPr>
             <a:lvl8pPr>
-              <a:defRPr sz="2000"/>
+              <a:defRPr sz="1600"/>
             </a:lvl8pPr>
             <a:lvl9pPr>
-              <a:defRPr sz="2000"/>
+              <a:defRPr sz="1600"/>
             </a:lvl9pPr>
           </a:lstStyle>
           <a:p>
@@ -35112,19 +35375,13 @@
               <a:rPr lang="en-US"/>
               <a:t>Fifth level</a:t>
             </a:r>
-            <a:endParaRPr lang="fi-FI"/>
+            <a:endParaRPr lang="en-US" dirty="0"/>
           </a:p>
         </p:txBody>
       </p:sp>
       <p:sp>
         <p:nvSpPr>
-          <p:cNvPr id="4" name="Text Placeholder 3">
-            <a:extLst>
-              <a:ext uri="{FF2B5EF4-FFF2-40B4-BE49-F238E27FC236}">
-                <a16:creationId xmlns:a16="http://schemas.microsoft.com/office/drawing/2014/main" id="{55655746-BD0A-4535-8D21-79BE0302725E}"/>
-              </a:ext>
-            </a:extLst>
-          </p:cNvPr>
+          <p:cNvPr id="4" name="Text Placeholder 3"/>
           <p:cNvSpPr>
             <a:spLocks noGrp="1"/>
           </p:cNvSpPr>
@@ -35134,14 +35391,23 @@
         </p:nvSpPr>
         <p:spPr>
           <a:xfrm>
-            <a:off x="839788" y="2057400"/>
-            <a:ext cx="3932237" cy="3811588"/>
+            <a:off x="723900" y="2856344"/>
+            <a:ext cx="3855720" cy="3011056"/>
           </a:xfrm>
         </p:spPr>
         <p:txBody>
           <a:bodyPr/>
           <a:lstStyle>
             <a:lvl1pPr marL="0" indent="0">
+              <a:lnSpc>
+                <a:spcPct val="113000"/>
+              </a:lnSpc>
+              <a:spcBef>
+                <a:spcPts val="0"/>
+              </a:spcBef>
+              <a:spcAft>
+                <a:spcPts val="1500"/>
+              </a:spcAft>
               <a:buNone/>
               <a:defRPr sz="1600"/>
             </a:lvl1pPr>
@@ -35189,13 +35455,7 @@
       </p:sp>
       <p:sp>
         <p:nvSpPr>
-          <p:cNvPr id="5" name="Date Placeholder 4">
-            <a:extLst>
-              <a:ext uri="{FF2B5EF4-FFF2-40B4-BE49-F238E27FC236}">
-                <a16:creationId xmlns:a16="http://schemas.microsoft.com/office/drawing/2014/main" id="{FDFC1C25-A048-420E-ADEF-D43542320B06}"/>
-              </a:ext>
-            </a:extLst>
-          </p:cNvPr>
+          <p:cNvPr id="5" name="Date Placeholder 4"/>
           <p:cNvSpPr>
             <a:spLocks noGrp="1"/>
           </p:cNvSpPr>
@@ -35203,10 +35463,23 @@
             <p:ph type="dt" sz="half" idx="10"/>
           </p:nvPr>
         </p:nvSpPr>
-        <p:spPr/>
+        <p:spPr>
+          <a:xfrm>
+            <a:off x="723900" y="6453386"/>
+            <a:ext cx="1204572" cy="404614"/>
+          </a:xfrm>
+        </p:spPr>
         <p:txBody>
           <a:bodyPr/>
-          <a:lstStyle/>
+          <a:lstStyle>
+            <a:lvl1pPr>
+              <a:defRPr>
+                <a:solidFill>
+                  <a:schemeClr val="tx2"/>
+                </a:solidFill>
+              </a:defRPr>
+            </a:lvl1pPr>
+          </a:lstStyle>
           <a:p>
             <a:fld id="{37A95FFF-27CC-4789-BEEC-3B8C038D4E97}" type="datetimeFigureOut">
               <a:rPr lang="fi-FI" smtClean="0"/>
@@ -35218,13 +35491,7 @@
       </p:sp>
       <p:sp>
         <p:nvSpPr>
-          <p:cNvPr id="6" name="Footer Placeholder 5">
-            <a:extLst>
-              <a:ext uri="{FF2B5EF4-FFF2-40B4-BE49-F238E27FC236}">
-                <a16:creationId xmlns:a16="http://schemas.microsoft.com/office/drawing/2014/main" id="{97A83E62-D8FB-4C63-9D02-88F942B23CE2}"/>
-              </a:ext>
-            </a:extLst>
-          </p:cNvPr>
+          <p:cNvPr id="6" name="Footer Placeholder 5"/>
           <p:cNvSpPr>
             <a:spLocks noGrp="1"/>
           </p:cNvSpPr>
@@ -35232,10 +35499,23 @@
             <p:ph type="ftr" sz="quarter" idx="11"/>
           </p:nvPr>
         </p:nvSpPr>
-        <p:spPr/>
+        <p:spPr>
+          <a:xfrm>
+            <a:off x="2205945" y="6453386"/>
+            <a:ext cx="2373675" cy="404614"/>
+          </a:xfrm>
+        </p:spPr>
         <p:txBody>
           <a:bodyPr/>
-          <a:lstStyle/>
+          <a:lstStyle>
+            <a:lvl1pPr>
+              <a:defRPr>
+                <a:solidFill>
+                  <a:schemeClr val="tx2"/>
+                </a:solidFill>
+              </a:defRPr>
+            </a:lvl1pPr>
+          </a:lstStyle>
           <a:p>
             <a:endParaRPr lang="fi-FI"/>
           </a:p>
@@ -35243,13 +35523,7 @@
       </p:sp>
       <p:sp>
         <p:nvSpPr>
-          <p:cNvPr id="7" name="Slide Number Placeholder 6">
-            <a:extLst>
-              <a:ext uri="{FF2B5EF4-FFF2-40B4-BE49-F238E27FC236}">
-                <a16:creationId xmlns:a16="http://schemas.microsoft.com/office/drawing/2014/main" id="{F0FBA3D1-D6B9-4344-8C67-1D2B9B9E678B}"/>
-              </a:ext>
-            </a:extLst>
-          </p:cNvPr>
+          <p:cNvPr id="7" name="Slide Number Placeholder 6"/>
           <p:cNvSpPr>
             <a:spLocks noGrp="1"/>
           </p:cNvSpPr>
@@ -35257,10 +35531,23 @@
             <p:ph type="sldNum" sz="quarter" idx="12"/>
           </p:nvPr>
         </p:nvSpPr>
-        <p:spPr/>
+        <p:spPr>
+          <a:xfrm>
+            <a:off x="9883140" y="6453386"/>
+            <a:ext cx="1596292" cy="404614"/>
+          </a:xfrm>
+        </p:spPr>
         <p:txBody>
           <a:bodyPr/>
-          <a:lstStyle/>
+          <a:lstStyle>
+            <a:lvl1pPr>
+              <a:defRPr>
+                <a:solidFill>
+                  <a:schemeClr val="tx2"/>
+                </a:solidFill>
+              </a:defRPr>
+            </a:lvl1pPr>
+          </a:lstStyle>
           <a:p>
             <a:fld id="{30628122-F659-4DE0-B790-F083F203E105}" type="slidenum">
               <a:rPr lang="fi-FI" smtClean="0"/>
@@ -35270,10 +35557,48 @@
           </a:p>
         </p:txBody>
       </p:sp>
+      <p:sp>
+        <p:nvSpPr>
+          <p:cNvPr id="9" name="Rectangle 8" title="Divider Bar"/>
+          <p:cNvSpPr/>
+          <p:nvPr/>
+        </p:nvSpPr>
+        <p:spPr>
+          <a:xfrm>
+            <a:off x="5303520" y="376"/>
+            <a:ext cx="228600" cy="6858000"/>
+          </a:xfrm>
+          <a:prstGeom prst="rect">
+            <a:avLst/>
+          </a:prstGeom>
+          <a:solidFill>
+            <a:schemeClr val="tx2"/>
+          </a:solidFill>
+          <a:ln>
+            <a:noFill/>
+          </a:ln>
+        </p:spPr>
+        <p:style>
+          <a:lnRef idx="2">
+            <a:schemeClr val="accent1">
+              <a:shade val="50000"/>
+            </a:schemeClr>
+          </a:lnRef>
+          <a:fillRef idx="1">
+            <a:schemeClr val="accent1"/>
+          </a:fillRef>
+          <a:effectRef idx="0">
+            <a:schemeClr val="accent1"/>
+          </a:effectRef>
+          <a:fontRef idx="minor">
+            <a:schemeClr val="lt1"/>
+          </a:fontRef>
+        </p:style>
+      </p:sp>
     </p:spTree>
     <p:extLst>
       <p:ext uri="{BB962C8B-B14F-4D97-AF65-F5344CB8AC3E}">
-        <p14:creationId xmlns:p14="http://schemas.microsoft.com/office/powerpoint/2010/main" val="1663706157"/>
+        <p14:creationId xmlns:p14="http://schemas.microsoft.com/office/powerpoint/2010/main" val="3289552710"/>
       </p:ext>
     </p:extLst>
   </p:cSld>
@@ -35284,7 +35609,7 @@
 </file>
 
 <file path=ppt/slideLayouts/slideLayout9.xml><?xml version="1.0" encoding="utf-8"?>
-<p:sldLayout xmlns:a="http://schemas.openxmlformats.org/drawingml/2006/main" xmlns:r="http://schemas.openxmlformats.org/officeDocument/2006/relationships" xmlns:p="http://schemas.openxmlformats.org/presentationml/2006/main" type="picTx" preserve="1">
+<p:sldLayout xmlns:a="http://schemas.openxmlformats.org/drawingml/2006/main" xmlns:r="http://schemas.openxmlformats.org/officeDocument/2006/relationships" xmlns:p="http://schemas.openxmlformats.org/presentationml/2006/main" showMasterSp="0" type="picTx" preserve="1">
   <p:cSld name="Picture with Caption">
     <p:spTree>
       <p:nvGrpSpPr>
@@ -35302,13 +35627,45 @@
       </p:grpSpPr>
       <p:sp>
         <p:nvSpPr>
-          <p:cNvPr id="2" name="Title 1">
-            <a:extLst>
-              <a:ext uri="{FF2B5EF4-FFF2-40B4-BE49-F238E27FC236}">
-                <a16:creationId xmlns:a16="http://schemas.microsoft.com/office/drawing/2014/main" id="{C8ED5BDA-FEEB-4A93-91E1-16D737071A17}"/>
-              </a:ext>
-            </a:extLst>
-          </p:cNvPr>
+          <p:cNvPr id="8" name="Rectangle 7" title="Background Shape"/>
+          <p:cNvSpPr/>
+          <p:nvPr/>
+        </p:nvSpPr>
+        <p:spPr>
+          <a:xfrm>
+            <a:off x="0" y="376"/>
+            <a:ext cx="5303520" cy="6857624"/>
+          </a:xfrm>
+          <a:prstGeom prst="rect">
+            <a:avLst/>
+          </a:prstGeom>
+          <a:solidFill>
+            <a:schemeClr val="accent1"/>
+          </a:solidFill>
+          <a:ln>
+            <a:noFill/>
+          </a:ln>
+        </p:spPr>
+        <p:style>
+          <a:lnRef idx="2">
+            <a:schemeClr val="accent1">
+              <a:shade val="50000"/>
+            </a:schemeClr>
+          </a:lnRef>
+          <a:fillRef idx="1">
+            <a:schemeClr val="accent1"/>
+          </a:fillRef>
+          <a:effectRef idx="0">
+            <a:schemeClr val="accent1"/>
+          </a:effectRef>
+          <a:fontRef idx="minor">
+            <a:schemeClr val="lt1"/>
+          </a:fontRef>
+        </p:style>
+      </p:sp>
+      <p:sp>
+        <p:nvSpPr>
+          <p:cNvPr id="2" name="Title 1"/>
           <p:cNvSpPr>
             <a:spLocks noGrp="1"/>
           </p:cNvSpPr>
@@ -35318,15 +35675,20 @@
         </p:nvSpPr>
         <p:spPr>
           <a:xfrm>
-            <a:off x="839788" y="457200"/>
-            <a:ext cx="3932237" cy="1600200"/>
+            <a:off x="723900" y="685800"/>
+            <a:ext cx="3855720" cy="2157884"/>
           </a:xfrm>
         </p:spPr>
         <p:txBody>
-          <a:bodyPr anchor="b"/>
+          <a:bodyPr anchor="t">
+            <a:normAutofit/>
+          </a:bodyPr>
           <a:lstStyle>
             <a:lvl1pPr>
-              <a:defRPr sz="3200"/>
+              <a:lnSpc>
+                <a:spcPct val="84000"/>
+              </a:lnSpc>
+              <a:defRPr sz="4800" baseline="0"/>
             </a:lvl1pPr>
           </a:lstStyle>
           <a:p>
@@ -35334,21 +35696,15 @@
               <a:rPr lang="en-US"/>
               <a:t>Click to edit Master title style</a:t>
             </a:r>
-            <a:endParaRPr lang="fi-FI"/>
+            <a:endParaRPr lang="en-US" dirty="0"/>
           </a:p>
         </p:txBody>
       </p:sp>
       <p:sp>
         <p:nvSpPr>
-          <p:cNvPr id="3" name="Picture Placeholder 2">
-            <a:extLst>
-              <a:ext uri="{FF2B5EF4-FFF2-40B4-BE49-F238E27FC236}">
-                <a16:creationId xmlns:a16="http://schemas.microsoft.com/office/drawing/2014/main" id="{6945BF74-7B8C-44B0-AC6B-7FB1CE43CE70}"/>
-              </a:ext>
-            </a:extLst>
-          </p:cNvPr>
+          <p:cNvPr id="3" name="Picture Placeholder 2"/>
           <p:cNvSpPr>
-            <a:spLocks noGrp="1"/>
+            <a:spLocks noGrp="1" noChangeAspect="1"/>
           </p:cNvSpPr>
           <p:nvPr>
             <p:ph type="pic" idx="1"/>
@@ -35356,24 +35712,26 @@
         </p:nvSpPr>
         <p:spPr>
           <a:xfrm>
-            <a:off x="5183188" y="987425"/>
-            <a:ext cx="6172200" cy="4873625"/>
+            <a:off x="5532120" y="0"/>
+            <a:ext cx="6659880" cy="6857999"/>
           </a:xfrm>
         </p:spPr>
         <p:txBody>
-          <a:bodyPr/>
+          <a:bodyPr anchor="t">
+            <a:normAutofit/>
+          </a:bodyPr>
           <a:lstStyle>
             <a:lvl1pPr marL="0" indent="0">
               <a:buNone/>
-              <a:defRPr sz="3200"/>
+              <a:defRPr sz="2000"/>
             </a:lvl1pPr>
             <a:lvl2pPr marL="457200" indent="0">
               <a:buNone/>
-              <a:defRPr sz="2800"/>
+              <a:defRPr sz="2000"/>
             </a:lvl2pPr>
             <a:lvl3pPr marL="914400" indent="0">
               <a:buNone/>
-              <a:defRPr sz="2400"/>
+              <a:defRPr sz="2000"/>
             </a:lvl3pPr>
             <a:lvl4pPr marL="1371600" indent="0">
               <a:buNone/>
@@ -35401,19 +35759,17 @@
             </a:lvl9pPr>
           </a:lstStyle>
           <a:p>
-            <a:endParaRPr lang="fi-FI"/>
+            <a:r>
+              <a:rPr lang="en-US"/>
+              <a:t>Click icon to add picture</a:t>
+            </a:r>
+            <a:endParaRPr lang="en-US" dirty="0"/>
           </a:p>
         </p:txBody>
       </p:sp>
       <p:sp>
         <p:nvSpPr>
-          <p:cNvPr id="4" name="Text Placeholder 3">
-            <a:extLst>
-              <a:ext uri="{FF2B5EF4-FFF2-40B4-BE49-F238E27FC236}">
-                <a16:creationId xmlns:a16="http://schemas.microsoft.com/office/drawing/2014/main" id="{529FF037-21AF-44A8-84AF-598F5A57BA73}"/>
-              </a:ext>
-            </a:extLst>
-          </p:cNvPr>
+          <p:cNvPr id="4" name="Text Placeholder 3"/>
           <p:cNvSpPr>
             <a:spLocks noGrp="1"/>
           </p:cNvSpPr>
@@ -35423,14 +35779,23 @@
         </p:nvSpPr>
         <p:spPr>
           <a:xfrm>
-            <a:off x="839788" y="2057400"/>
-            <a:ext cx="3932237" cy="3811588"/>
+            <a:off x="723900" y="2855968"/>
+            <a:ext cx="3855720" cy="3011432"/>
           </a:xfrm>
         </p:spPr>
         <p:txBody>
           <a:bodyPr/>
           <a:lstStyle>
             <a:lvl1pPr marL="0" indent="0">
+              <a:lnSpc>
+                <a:spcPct val="113000"/>
+              </a:lnSpc>
+              <a:spcBef>
+                <a:spcPts val="0"/>
+              </a:spcBef>
+              <a:spcAft>
+                <a:spcPts val="1500"/>
+              </a:spcAft>
               <a:buNone/>
               <a:defRPr sz="1600"/>
             </a:lvl1pPr>
@@ -35478,13 +35843,7 @@
       </p:sp>
       <p:sp>
         <p:nvSpPr>
-          <p:cNvPr id="5" name="Date Placeholder 4">
-            <a:extLst>
-              <a:ext uri="{FF2B5EF4-FFF2-40B4-BE49-F238E27FC236}">
-                <a16:creationId xmlns:a16="http://schemas.microsoft.com/office/drawing/2014/main" id="{89BC4FF9-1A2C-47AF-9F9F-7DA532419A64}"/>
-              </a:ext>
-            </a:extLst>
-          </p:cNvPr>
+          <p:cNvPr id="5" name="Date Placeholder 4"/>
           <p:cNvSpPr>
             <a:spLocks noGrp="1"/>
           </p:cNvSpPr>
@@ -35492,10 +35851,23 @@
             <p:ph type="dt" sz="half" idx="10"/>
           </p:nvPr>
         </p:nvSpPr>
-        <p:spPr/>
+        <p:spPr>
+          <a:xfrm>
+            <a:off x="723900" y="6453386"/>
+            <a:ext cx="1204572" cy="404614"/>
+          </a:xfrm>
+        </p:spPr>
         <p:txBody>
           <a:bodyPr/>
-          <a:lstStyle/>
+          <a:lstStyle>
+            <a:lvl1pPr>
+              <a:defRPr>
+                <a:solidFill>
+                  <a:schemeClr val="tx2"/>
+                </a:solidFill>
+              </a:defRPr>
+            </a:lvl1pPr>
+          </a:lstStyle>
           <a:p>
             <a:fld id="{37A95FFF-27CC-4789-BEEC-3B8C038D4E97}" type="datetimeFigureOut">
               <a:rPr lang="fi-FI" smtClean="0"/>
@@ -35507,13 +35879,7 @@
       </p:sp>
       <p:sp>
         <p:nvSpPr>
-          <p:cNvPr id="6" name="Footer Placeholder 5">
-            <a:extLst>
-              <a:ext uri="{FF2B5EF4-FFF2-40B4-BE49-F238E27FC236}">
-                <a16:creationId xmlns:a16="http://schemas.microsoft.com/office/drawing/2014/main" id="{2B905FBB-E2B8-4A3B-AA28-23C2CAC57740}"/>
-              </a:ext>
-            </a:extLst>
-          </p:cNvPr>
+          <p:cNvPr id="6" name="Footer Placeholder 5"/>
           <p:cNvSpPr>
             <a:spLocks noGrp="1"/>
           </p:cNvSpPr>
@@ -35521,10 +35887,23 @@
             <p:ph type="ftr" sz="quarter" idx="11"/>
           </p:nvPr>
         </p:nvSpPr>
-        <p:spPr/>
+        <p:spPr>
+          <a:xfrm>
+            <a:off x="2205945" y="6453386"/>
+            <a:ext cx="2373675" cy="404614"/>
+          </a:xfrm>
+        </p:spPr>
         <p:txBody>
           <a:bodyPr/>
-          <a:lstStyle/>
+          <a:lstStyle>
+            <a:lvl1pPr>
+              <a:defRPr>
+                <a:solidFill>
+                  <a:schemeClr val="tx2"/>
+                </a:solidFill>
+              </a:defRPr>
+            </a:lvl1pPr>
+          </a:lstStyle>
           <a:p>
             <a:endParaRPr lang="fi-FI"/>
           </a:p>
@@ -35532,13 +35911,7 @@
       </p:sp>
       <p:sp>
         <p:nvSpPr>
-          <p:cNvPr id="7" name="Slide Number Placeholder 6">
-            <a:extLst>
-              <a:ext uri="{FF2B5EF4-FFF2-40B4-BE49-F238E27FC236}">
-                <a16:creationId xmlns:a16="http://schemas.microsoft.com/office/drawing/2014/main" id="{6C8D8DCA-DA4E-4D88-90BF-92BA8A13E71D}"/>
-              </a:ext>
-            </a:extLst>
-          </p:cNvPr>
+          <p:cNvPr id="7" name="Slide Number Placeholder 6"/>
           <p:cNvSpPr>
             <a:spLocks noGrp="1"/>
           </p:cNvSpPr>
@@ -35546,10 +35919,23 @@
             <p:ph type="sldNum" sz="quarter" idx="12"/>
           </p:nvPr>
         </p:nvSpPr>
-        <p:spPr/>
+        <p:spPr>
+          <a:xfrm>
+            <a:off x="9883140" y="6453386"/>
+            <a:ext cx="1596292" cy="404614"/>
+          </a:xfrm>
+        </p:spPr>
         <p:txBody>
           <a:bodyPr/>
-          <a:lstStyle/>
+          <a:lstStyle>
+            <a:lvl1pPr>
+              <a:defRPr>
+                <a:solidFill>
+                  <a:schemeClr val="tx2"/>
+                </a:solidFill>
+              </a:defRPr>
+            </a:lvl1pPr>
+          </a:lstStyle>
           <a:p>
             <a:fld id="{30628122-F659-4DE0-B790-F083F203E105}" type="slidenum">
               <a:rPr lang="fi-FI" smtClean="0"/>
@@ -35559,10 +35945,48 @@
           </a:p>
         </p:txBody>
       </p:sp>
+      <p:sp>
+        <p:nvSpPr>
+          <p:cNvPr id="9" name="Rectangle 8" title="Divider Bar"/>
+          <p:cNvSpPr/>
+          <p:nvPr/>
+        </p:nvSpPr>
+        <p:spPr>
+          <a:xfrm>
+            <a:off x="5303520" y="376"/>
+            <a:ext cx="228600" cy="6858000"/>
+          </a:xfrm>
+          <a:prstGeom prst="rect">
+            <a:avLst/>
+          </a:prstGeom>
+          <a:solidFill>
+            <a:schemeClr val="tx2"/>
+          </a:solidFill>
+          <a:ln>
+            <a:noFill/>
+          </a:ln>
+        </p:spPr>
+        <p:style>
+          <a:lnRef idx="2">
+            <a:schemeClr val="accent1">
+              <a:shade val="50000"/>
+            </a:schemeClr>
+          </a:lnRef>
+          <a:fillRef idx="1">
+            <a:schemeClr val="accent1"/>
+          </a:fillRef>
+          <a:effectRef idx="0">
+            <a:schemeClr val="accent1"/>
+          </a:effectRef>
+          <a:fontRef idx="minor">
+            <a:schemeClr val="lt1"/>
+          </a:fontRef>
+        </p:style>
+      </p:sp>
     </p:spTree>
     <p:extLst>
       <p:ext uri="{BB962C8B-B14F-4D97-AF65-F5344CB8AC3E}">
-        <p14:creationId xmlns:p14="http://schemas.microsoft.com/office/powerpoint/2010/main" val="3551573738"/>
+        <p14:creationId xmlns:p14="http://schemas.microsoft.com/office/powerpoint/2010/main" val="2945936676"/>
       </p:ext>
     </p:extLst>
   </p:cSld>
@@ -35576,9 +36000,12 @@
 <p:sldMaster xmlns:a="http://schemas.openxmlformats.org/drawingml/2006/main" xmlns:r="http://schemas.openxmlformats.org/officeDocument/2006/relationships" xmlns:p="http://schemas.openxmlformats.org/presentationml/2006/main">
   <p:cSld>
     <p:bg>
-      <p:bgRef idx="1001">
-        <a:schemeClr val="bg1"/>
-      </p:bgRef>
+      <p:bgPr>
+        <a:solidFill>
+          <a:schemeClr val="bg2"/>
+        </a:solidFill>
+        <a:effectLst/>
+      </p:bgPr>
     </p:bg>
     <p:spTree>
       <p:nvGrpSpPr>
@@ -35596,13 +36023,7 @@
       </p:grpSpPr>
       <p:sp>
         <p:nvSpPr>
-          <p:cNvPr id="2" name="Title Placeholder 1">
-            <a:extLst>
-              <a:ext uri="{FF2B5EF4-FFF2-40B4-BE49-F238E27FC236}">
-                <a16:creationId xmlns:a16="http://schemas.microsoft.com/office/drawing/2014/main" id="{AD86ABAD-9A37-42C4-B7EB-BD968FCB7FF7}"/>
-              </a:ext>
-            </a:extLst>
-          </p:cNvPr>
+          <p:cNvPr id="2" name="Title Placeholder 1"/>
           <p:cNvSpPr>
             <a:spLocks noGrp="1"/>
           </p:cNvSpPr>
@@ -35612,15 +36033,15 @@
         </p:nvSpPr>
         <p:spPr>
           <a:xfrm>
-            <a:off x="838200" y="365125"/>
-            <a:ext cx="10515600" cy="1325563"/>
+            <a:off x="1371600" y="685800"/>
+            <a:ext cx="9601200" cy="1485900"/>
           </a:xfrm>
           <a:prstGeom prst="rect">
             <a:avLst/>
           </a:prstGeom>
         </p:spPr>
         <p:txBody>
-          <a:bodyPr vert="horz" lIns="91440" tIns="45720" rIns="91440" bIns="45720" rtlCol="0" anchor="ctr">
+          <a:bodyPr vert="horz" lIns="91440" tIns="45720" rIns="91440" bIns="45720" rtlCol="0" anchor="t">
             <a:normAutofit/>
           </a:bodyPr>
           <a:lstStyle/>
@@ -35629,19 +36050,13 @@
               <a:rPr lang="en-US"/>
               <a:t>Click to edit Master title style</a:t>
             </a:r>
-            <a:endParaRPr lang="fi-FI"/>
+            <a:endParaRPr lang="en-US" dirty="0"/>
           </a:p>
         </p:txBody>
       </p:sp>
       <p:sp>
         <p:nvSpPr>
-          <p:cNvPr id="3" name="Text Placeholder 2">
-            <a:extLst>
-              <a:ext uri="{FF2B5EF4-FFF2-40B4-BE49-F238E27FC236}">
-                <a16:creationId xmlns:a16="http://schemas.microsoft.com/office/drawing/2014/main" id="{C5B17545-4262-4052-84EC-BE44965CD136}"/>
-              </a:ext>
-            </a:extLst>
-          </p:cNvPr>
+          <p:cNvPr id="3" name="Text Placeholder 2"/>
           <p:cNvSpPr>
             <a:spLocks noGrp="1"/>
           </p:cNvSpPr>
@@ -35651,8 +36066,8 @@
         </p:nvSpPr>
         <p:spPr>
           <a:xfrm>
-            <a:off x="838200" y="1825625"/>
-            <a:ext cx="10515600" cy="4351338"/>
+            <a:off x="1371600" y="2286000"/>
+            <a:ext cx="9601200" cy="3581400"/>
           </a:xfrm>
           <a:prstGeom prst="rect">
             <a:avLst/>
@@ -35697,19 +36112,13 @@
               <a:rPr lang="en-US"/>
               <a:t>Fifth level</a:t>
             </a:r>
-            <a:endParaRPr lang="fi-FI"/>
+            <a:endParaRPr lang="en-US" dirty="0"/>
           </a:p>
         </p:txBody>
       </p:sp>
       <p:sp>
         <p:nvSpPr>
-          <p:cNvPr id="4" name="Date Placeholder 3">
-            <a:extLst>
-              <a:ext uri="{FF2B5EF4-FFF2-40B4-BE49-F238E27FC236}">
-                <a16:creationId xmlns:a16="http://schemas.microsoft.com/office/drawing/2014/main" id="{452D4FD7-04F4-4F23-85A3-4A1F1329B4BA}"/>
-              </a:ext>
-            </a:extLst>
-          </p:cNvPr>
+          <p:cNvPr id="4" name="Date Placeholder 3"/>
           <p:cNvSpPr>
             <a:spLocks noGrp="1"/>
           </p:cNvSpPr>
@@ -35719,8 +36128,8 @@
         </p:nvSpPr>
         <p:spPr>
           <a:xfrm>
-            <a:off x="838200" y="6356350"/>
-            <a:ext cx="2743200" cy="365125"/>
+            <a:off x="1390650" y="6453386"/>
+            <a:ext cx="1204572" cy="404614"/>
           </a:xfrm>
           <a:prstGeom prst="rect">
             <a:avLst/>
@@ -35730,11 +36139,9 @@
           <a:bodyPr vert="horz" lIns="91440" tIns="45720" rIns="91440" bIns="45720" rtlCol="0" anchor="ctr"/>
           <a:lstStyle>
             <a:lvl1pPr algn="l">
-              <a:defRPr sz="1200">
+              <a:defRPr sz="1200" baseline="0">
                 <a:solidFill>
-                  <a:schemeClr val="tx1">
-                    <a:tint val="75000"/>
-                  </a:schemeClr>
+                  <a:schemeClr val="tx2"/>
                 </a:solidFill>
               </a:defRPr>
             </a:lvl1pPr>
@@ -35750,13 +36157,7 @@
       </p:sp>
       <p:sp>
         <p:nvSpPr>
-          <p:cNvPr id="5" name="Footer Placeholder 4">
-            <a:extLst>
-              <a:ext uri="{FF2B5EF4-FFF2-40B4-BE49-F238E27FC236}">
-                <a16:creationId xmlns:a16="http://schemas.microsoft.com/office/drawing/2014/main" id="{44AD23CD-8490-41D7-9CB8-33760646C953}"/>
-              </a:ext>
-            </a:extLst>
-          </p:cNvPr>
+          <p:cNvPr id="5" name="Footer Placeholder 4"/>
           <p:cNvSpPr>
             <a:spLocks noGrp="1"/>
           </p:cNvSpPr>
@@ -35766,8 +36167,8 @@
         </p:nvSpPr>
         <p:spPr>
           <a:xfrm>
-            <a:off x="4038600" y="6356350"/>
-            <a:ext cx="4114800" cy="365125"/>
+            <a:off x="2893564" y="6453386"/>
+            <a:ext cx="6280830" cy="404614"/>
           </a:xfrm>
           <a:prstGeom prst="rect">
             <a:avLst/>
@@ -35776,12 +36177,10 @@
         <p:txBody>
           <a:bodyPr vert="horz" lIns="91440" tIns="45720" rIns="91440" bIns="45720" rtlCol="0" anchor="ctr"/>
           <a:lstStyle>
-            <a:lvl1pPr algn="ctr">
-              <a:defRPr sz="1200">
+            <a:lvl1pPr algn="l">
+              <a:defRPr sz="1200" baseline="0">
                 <a:solidFill>
-                  <a:schemeClr val="tx1">
-                    <a:tint val="75000"/>
-                  </a:schemeClr>
+                  <a:schemeClr val="tx2"/>
                 </a:solidFill>
               </a:defRPr>
             </a:lvl1pPr>
@@ -35793,13 +36192,7 @@
       </p:sp>
       <p:sp>
         <p:nvSpPr>
-          <p:cNvPr id="6" name="Slide Number Placeholder 5">
-            <a:extLst>
-              <a:ext uri="{FF2B5EF4-FFF2-40B4-BE49-F238E27FC236}">
-                <a16:creationId xmlns:a16="http://schemas.microsoft.com/office/drawing/2014/main" id="{656CF726-F8E4-4D30-A803-A1F8B7D057E3}"/>
-              </a:ext>
-            </a:extLst>
-          </p:cNvPr>
+          <p:cNvPr id="6" name="Slide Number Placeholder 5"/>
           <p:cNvSpPr>
             <a:spLocks noGrp="1"/>
           </p:cNvSpPr>
@@ -35809,8 +36202,8 @@
         </p:nvSpPr>
         <p:spPr>
           <a:xfrm>
-            <a:off x="8610600" y="6356350"/>
-            <a:ext cx="2743200" cy="365125"/>
+            <a:off x="9472736" y="6453386"/>
+            <a:ext cx="1596292" cy="404614"/>
           </a:xfrm>
           <a:prstGeom prst="rect">
             <a:avLst/>
@@ -35820,11 +36213,9 @@
           <a:bodyPr vert="horz" lIns="91440" tIns="45720" rIns="91440" bIns="45720" rtlCol="0" anchor="ctr"/>
           <a:lstStyle>
             <a:lvl1pPr algn="r">
-              <a:defRPr sz="1200">
+              <a:defRPr sz="1200" baseline="0">
                 <a:solidFill>
-                  <a:schemeClr val="tx1">
-                    <a:tint val="75000"/>
-                  </a:schemeClr>
+                  <a:schemeClr val="tx2"/>
                 </a:solidFill>
               </a:defRPr>
             </a:lvl1pPr>
@@ -35838,40 +36229,78 @@
           </a:p>
         </p:txBody>
       </p:sp>
+      <p:sp>
+        <p:nvSpPr>
+          <p:cNvPr id="9" name="Rectangle 8" title="Side bar"/>
+          <p:cNvSpPr/>
+          <p:nvPr/>
+        </p:nvSpPr>
+        <p:spPr>
+          <a:xfrm>
+            <a:off x="478095" y="376"/>
+            <a:ext cx="228600" cy="6858000"/>
+          </a:xfrm>
+          <a:prstGeom prst="rect">
+            <a:avLst/>
+          </a:prstGeom>
+          <a:solidFill>
+            <a:schemeClr val="tx2"/>
+          </a:solidFill>
+          <a:ln>
+            <a:noFill/>
+          </a:ln>
+        </p:spPr>
+        <p:style>
+          <a:lnRef idx="2">
+            <a:schemeClr val="accent1">
+              <a:shade val="50000"/>
+            </a:schemeClr>
+          </a:lnRef>
+          <a:fillRef idx="1">
+            <a:schemeClr val="accent1"/>
+          </a:fillRef>
+          <a:effectRef idx="0">
+            <a:schemeClr val="accent1"/>
+          </a:effectRef>
+          <a:fontRef idx="minor">
+            <a:schemeClr val="lt1"/>
+          </a:fontRef>
+        </p:style>
+      </p:sp>
     </p:spTree>
     <p:extLst>
       <p:ext uri="{BB962C8B-B14F-4D97-AF65-F5344CB8AC3E}">
-        <p14:creationId xmlns:p14="http://schemas.microsoft.com/office/powerpoint/2010/main" val="3084796941"/>
+        <p14:creationId xmlns:p14="http://schemas.microsoft.com/office/powerpoint/2010/main" val="515587844"/>
       </p:ext>
     </p:extLst>
   </p:cSld>
   <p:clrMap bg1="lt1" tx1="dk1" bg2="lt2" tx2="dk2" accent1="accent1" accent2="accent2" accent3="accent3" accent4="accent4" accent5="accent5" accent6="accent6" hlink="hlink" folHlink="folHlink"/>
   <p:sldLayoutIdLst>
-    <p:sldLayoutId id="2147483649" r:id="rId1"/>
-    <p:sldLayoutId id="2147483650" r:id="rId2"/>
-    <p:sldLayoutId id="2147483651" r:id="rId3"/>
-    <p:sldLayoutId id="2147483652" r:id="rId4"/>
-    <p:sldLayoutId id="2147483653" r:id="rId5"/>
-    <p:sldLayoutId id="2147483654" r:id="rId6"/>
-    <p:sldLayoutId id="2147483655" r:id="rId7"/>
-    <p:sldLayoutId id="2147483656" r:id="rId8"/>
-    <p:sldLayoutId id="2147483657" r:id="rId9"/>
-    <p:sldLayoutId id="2147483658" r:id="rId10"/>
-    <p:sldLayoutId id="2147483659" r:id="rId11"/>
+    <p:sldLayoutId id="2147483768" r:id="rId1"/>
+    <p:sldLayoutId id="2147483769" r:id="rId2"/>
+    <p:sldLayoutId id="2147483770" r:id="rId3"/>
+    <p:sldLayoutId id="2147483771" r:id="rId4"/>
+    <p:sldLayoutId id="2147483772" r:id="rId5"/>
+    <p:sldLayoutId id="2147483773" r:id="rId6"/>
+    <p:sldLayoutId id="2147483774" r:id="rId7"/>
+    <p:sldLayoutId id="2147483775" r:id="rId8"/>
+    <p:sldLayoutId id="2147483776" r:id="rId9"/>
+    <p:sldLayoutId id="2147483777" r:id="rId10"/>
+    <p:sldLayoutId id="2147483778" r:id="rId11"/>
   </p:sldLayoutIdLst>
   <p:txStyles>
     <p:titleStyle>
       <a:lvl1pPr algn="l" defTabSz="914400" rtl="0" eaLnBrk="1" latinLnBrk="0" hangingPunct="1">
         <a:lnSpc>
-          <a:spcPct val="90000"/>
+          <a:spcPct val="89000"/>
         </a:lnSpc>
         <a:spcBef>
           <a:spcPct val="0"/>
         </a:spcBef>
         <a:buNone/>
-        <a:defRPr sz="4400" kern="1200">
+        <a:defRPr sz="4400" kern="1200" baseline="0">
           <a:solidFill>
-            <a:schemeClr val="tx1"/>
+            <a:schemeClr val="tx2"/>
           </a:solidFill>
           <a:latin typeface="+mj-lt"/>
           <a:ea typeface="+mj-ea"/>
@@ -35880,162 +36309,189 @@
       </a:lvl1pPr>
     </p:titleStyle>
     <p:bodyStyle>
-      <a:lvl1pPr marL="228600" indent="-228600" algn="l" defTabSz="914400" rtl="0" eaLnBrk="1" latinLnBrk="0" hangingPunct="1">
+      <a:lvl1pPr marL="384048" indent="-384048" algn="l" defTabSz="914400" rtl="0" eaLnBrk="1" latinLnBrk="0" hangingPunct="1">
         <a:lnSpc>
-          <a:spcPct val="90000"/>
+          <a:spcPct val="94000"/>
         </a:lnSpc>
         <a:spcBef>
           <a:spcPts val="1000"/>
         </a:spcBef>
-        <a:buFont typeface="Arial" panose="020B0604020202020204" pitchFamily="34" charset="0"/>
-        <a:buChar char="•"/>
-        <a:defRPr sz="2800" kern="1200">
+        <a:spcAft>
+          <a:spcPts val="200"/>
+        </a:spcAft>
+        <a:buFont typeface="Franklin Gothic Book" panose="020B0503020102020204" pitchFamily="34" charset="0"/>
+        <a:buChar char="■"/>
+        <a:defRPr sz="2000" kern="1200" baseline="0">
           <a:solidFill>
-            <a:schemeClr val="tx1"/>
+            <a:schemeClr val="tx2"/>
           </a:solidFill>
           <a:latin typeface="+mn-lt"/>
           <a:ea typeface="+mn-ea"/>
           <a:cs typeface="+mn-cs"/>
         </a:defRPr>
       </a:lvl1pPr>
-      <a:lvl2pPr marL="685800" indent="-228600" algn="l" defTabSz="914400" rtl="0" eaLnBrk="1" latinLnBrk="0" hangingPunct="1">
+      <a:lvl2pPr marL="914400" indent="-384048" algn="l" defTabSz="914400" rtl="0" eaLnBrk="1" latinLnBrk="0" hangingPunct="1">
         <a:lnSpc>
-          <a:spcPct val="90000"/>
+          <a:spcPct val="94000"/>
         </a:lnSpc>
         <a:spcBef>
           <a:spcPts val="500"/>
         </a:spcBef>
-        <a:buFont typeface="Arial" panose="020B0604020202020204" pitchFamily="34" charset="0"/>
-        <a:buChar char="•"/>
-        <a:defRPr sz="2400" kern="1200">
+        <a:spcAft>
+          <a:spcPts val="200"/>
+        </a:spcAft>
+        <a:buFont typeface="Franklin Gothic Book" panose="020B0503020102020204" pitchFamily="34" charset="0"/>
+        <a:buChar char="–"/>
+        <a:defRPr sz="2000" i="1" kern="1200" baseline="0">
           <a:solidFill>
-            <a:schemeClr val="tx1"/>
+            <a:schemeClr val="tx2"/>
           </a:solidFill>
           <a:latin typeface="+mn-lt"/>
           <a:ea typeface="+mn-ea"/>
           <a:cs typeface="+mn-cs"/>
         </a:defRPr>
       </a:lvl2pPr>
-      <a:lvl3pPr marL="1143000" indent="-228600" algn="l" defTabSz="914400" rtl="0" eaLnBrk="1" latinLnBrk="0" hangingPunct="1">
+      <a:lvl3pPr marL="1371600" indent="-384048" algn="l" defTabSz="914400" rtl="0" eaLnBrk="1" latinLnBrk="0" hangingPunct="1">
         <a:lnSpc>
-          <a:spcPct val="90000"/>
+          <a:spcPct val="94000"/>
         </a:lnSpc>
         <a:spcBef>
           <a:spcPts val="500"/>
         </a:spcBef>
-        <a:buFont typeface="Arial" panose="020B0604020202020204" pitchFamily="34" charset="0"/>
-        <a:buChar char="•"/>
-        <a:defRPr sz="2000" kern="1200">
+        <a:spcAft>
+          <a:spcPts val="200"/>
+        </a:spcAft>
+        <a:buFont typeface="Franklin Gothic Book" panose="020B0503020102020204" pitchFamily="34" charset="0"/>
+        <a:buChar char="■"/>
+        <a:defRPr sz="1800" kern="1200" baseline="0">
           <a:solidFill>
-            <a:schemeClr val="tx1"/>
+            <a:schemeClr val="tx2"/>
           </a:solidFill>
           <a:latin typeface="+mn-lt"/>
           <a:ea typeface="+mn-ea"/>
           <a:cs typeface="+mn-cs"/>
         </a:defRPr>
       </a:lvl3pPr>
-      <a:lvl4pPr marL="1600200" indent="-228600" algn="l" defTabSz="914400" rtl="0" eaLnBrk="1" latinLnBrk="0" hangingPunct="1">
+      <a:lvl4pPr marL="1828800" indent="-384048" algn="l" defTabSz="914400" rtl="0" eaLnBrk="1" latinLnBrk="0" hangingPunct="1">
         <a:lnSpc>
-          <a:spcPct val="90000"/>
+          <a:spcPct val="94000"/>
         </a:lnSpc>
         <a:spcBef>
           <a:spcPts val="500"/>
         </a:spcBef>
-        <a:buFont typeface="Arial" panose="020B0604020202020204" pitchFamily="34" charset="0"/>
-        <a:buChar char="•"/>
-        <a:defRPr sz="1800" kern="1200">
+        <a:spcAft>
+          <a:spcPts val="200"/>
+        </a:spcAft>
+        <a:buFont typeface="Franklin Gothic Book" panose="020B0503020102020204" pitchFamily="34" charset="0"/>
+        <a:buChar char="–"/>
+        <a:defRPr sz="1800" i="1" kern="1200" baseline="0">
           <a:solidFill>
-            <a:schemeClr val="tx1"/>
+            <a:schemeClr val="tx2"/>
           </a:solidFill>
           <a:latin typeface="+mn-lt"/>
           <a:ea typeface="+mn-ea"/>
           <a:cs typeface="+mn-cs"/>
         </a:defRPr>
       </a:lvl4pPr>
-      <a:lvl5pPr marL="2057400" indent="-228600" algn="l" defTabSz="914400" rtl="0" eaLnBrk="1" latinLnBrk="0" hangingPunct="1">
+      <a:lvl5pPr marL="2286000" indent="-384048" algn="l" defTabSz="914400" rtl="0" eaLnBrk="1" latinLnBrk="0" hangingPunct="1">
         <a:lnSpc>
-          <a:spcPct val="90000"/>
+          <a:spcPct val="94000"/>
         </a:lnSpc>
         <a:spcBef>
           <a:spcPts val="500"/>
         </a:spcBef>
-        <a:buFont typeface="Arial" panose="020B0604020202020204" pitchFamily="34" charset="0"/>
-        <a:buChar char="•"/>
-        <a:defRPr sz="1800" kern="1200">
+        <a:spcAft>
+          <a:spcPts val="200"/>
+        </a:spcAft>
+        <a:buFont typeface="Franklin Gothic Book" panose="020B0503020102020204" pitchFamily="34" charset="0"/>
+        <a:buChar char="■"/>
+        <a:defRPr sz="1600" kern="1200" baseline="0">
           <a:solidFill>
-            <a:schemeClr val="tx1"/>
+            <a:schemeClr val="tx2"/>
           </a:solidFill>
           <a:latin typeface="+mn-lt"/>
           <a:ea typeface="+mn-ea"/>
           <a:cs typeface="+mn-cs"/>
         </a:defRPr>
       </a:lvl5pPr>
-      <a:lvl6pPr marL="2514600" indent="-228600" algn="l" defTabSz="914400" rtl="0" eaLnBrk="1" latinLnBrk="0" hangingPunct="1">
+      <a:lvl6pPr marL="2743200" indent="-384048" algn="l" defTabSz="914400" rtl="0" eaLnBrk="1" latinLnBrk="0" hangingPunct="1">
         <a:lnSpc>
-          <a:spcPct val="90000"/>
+          <a:spcPct val="94000"/>
         </a:lnSpc>
         <a:spcBef>
           <a:spcPts val="500"/>
         </a:spcBef>
-        <a:buFont typeface="Arial" panose="020B0604020202020204" pitchFamily="34" charset="0"/>
-        <a:buChar char="•"/>
-        <a:defRPr sz="1800" kern="1200">
+        <a:spcAft>
+          <a:spcPts val="200"/>
+        </a:spcAft>
+        <a:buFont typeface="Franklin Gothic Book" panose="020B0503020102020204" pitchFamily="34" charset="0"/>
+        <a:buChar char="–"/>
+        <a:defRPr sz="1600" i="1" kern="1200" baseline="0">
           <a:solidFill>
-            <a:schemeClr val="tx1"/>
+            <a:schemeClr val="tx2"/>
           </a:solidFill>
           <a:latin typeface="+mn-lt"/>
           <a:ea typeface="+mn-ea"/>
           <a:cs typeface="+mn-cs"/>
         </a:defRPr>
       </a:lvl6pPr>
-      <a:lvl7pPr marL="2971800" indent="-228600" algn="l" defTabSz="914400" rtl="0" eaLnBrk="1" latinLnBrk="0" hangingPunct="1">
+      <a:lvl7pPr marL="3200400" indent="-384048" algn="l" defTabSz="914400" rtl="0" eaLnBrk="1" latinLnBrk="0" hangingPunct="1">
         <a:lnSpc>
-          <a:spcPct val="90000"/>
+          <a:spcPct val="94000"/>
         </a:lnSpc>
         <a:spcBef>
           <a:spcPts val="500"/>
         </a:spcBef>
-        <a:buFont typeface="Arial" panose="020B0604020202020204" pitchFamily="34" charset="0"/>
-        <a:buChar char="•"/>
-        <a:defRPr sz="1800" kern="1200">
+        <a:spcAft>
+          <a:spcPts val="200"/>
+        </a:spcAft>
+        <a:buFont typeface="Franklin Gothic Book" panose="020B0503020102020204" pitchFamily="34" charset="0"/>
+        <a:buChar char="■"/>
+        <a:defRPr sz="1400" kern="1200" baseline="0">
           <a:solidFill>
-            <a:schemeClr val="tx1"/>
+            <a:schemeClr val="tx2"/>
           </a:solidFill>
           <a:latin typeface="+mn-lt"/>
           <a:ea typeface="+mn-ea"/>
           <a:cs typeface="+mn-cs"/>
         </a:defRPr>
       </a:lvl7pPr>
-      <a:lvl8pPr marL="3429000" indent="-228600" algn="l" defTabSz="914400" rtl="0" eaLnBrk="1" latinLnBrk="0" hangingPunct="1">
+      <a:lvl8pPr marL="3657600" indent="-384048" algn="l" defTabSz="914400" rtl="0" eaLnBrk="1" latinLnBrk="0" hangingPunct="1">
         <a:lnSpc>
-          <a:spcPct val="90000"/>
+          <a:spcPct val="94000"/>
         </a:lnSpc>
         <a:spcBef>
           <a:spcPts val="500"/>
         </a:spcBef>
-        <a:buFont typeface="Arial" panose="020B0604020202020204" pitchFamily="34" charset="0"/>
-        <a:buChar char="•"/>
-        <a:defRPr sz="1800" kern="1200">
+        <a:spcAft>
+          <a:spcPts val="200"/>
+        </a:spcAft>
+        <a:buFont typeface="Franklin Gothic Book" panose="020B0503020102020204" pitchFamily="34" charset="0"/>
+        <a:buChar char="–"/>
+        <a:defRPr sz="1400" i="1" kern="1200" baseline="0">
           <a:solidFill>
-            <a:schemeClr val="tx1"/>
+            <a:schemeClr val="tx2"/>
           </a:solidFill>
           <a:latin typeface="+mn-lt"/>
           <a:ea typeface="+mn-ea"/>
           <a:cs typeface="+mn-cs"/>
         </a:defRPr>
       </a:lvl8pPr>
-      <a:lvl9pPr marL="3886200" indent="-228600" algn="l" defTabSz="914400" rtl="0" eaLnBrk="1" latinLnBrk="0" hangingPunct="1">
+      <a:lvl9pPr marL="4114800" indent="-384048" algn="l" defTabSz="914400" rtl="0" eaLnBrk="1" latinLnBrk="0" hangingPunct="1">
         <a:lnSpc>
-          <a:spcPct val="90000"/>
+          <a:spcPct val="94000"/>
         </a:lnSpc>
         <a:spcBef>
           <a:spcPts val="500"/>
         </a:spcBef>
-        <a:buFont typeface="Arial" panose="020B0604020202020204" pitchFamily="34" charset="0"/>
-        <a:buChar char="•"/>
-        <a:defRPr sz="1800" kern="1200">
+        <a:spcAft>
+          <a:spcPts val="200"/>
+        </a:spcAft>
+        <a:buFont typeface="Franklin Gothic Book" panose="020B0503020102020204" pitchFamily="34" charset="0"/>
+        <a:buChar char="■"/>
+        <a:defRPr sz="1400" kern="1200" baseline="0">
           <a:solidFill>
-            <a:schemeClr val="tx1"/>
+            <a:schemeClr val="tx2"/>
           </a:solidFill>
           <a:latin typeface="+mn-lt"/>
           <a:ea typeface="+mn-ea"/>
@@ -36045,7 +36501,7 @@
     </p:bodyStyle>
     <p:otherStyle>
       <a:defPPr>
-        <a:defRPr lang="fi-FI"/>
+        <a:defRPr lang="en-US"/>
       </a:defPPr>
       <a:lvl1pPr marL="0" algn="l" defTabSz="914400" rtl="0" eaLnBrk="1" latinLnBrk="0" hangingPunct="1">
         <a:defRPr sz="1800" kern="1200">
@@ -36139,6 +36595,52 @@
       </a:lvl9pPr>
     </p:otherStyle>
   </p:txStyles>
+  <p:extLst mod="1">
+    <p:ext uri="{27BBF7A9-308A-43DC-89C8-2F10F3537804}">
+      <p15:sldGuideLst xmlns:p15="http://schemas.microsoft.com/office/powerpoint/2012/main">
+        <p15:guide id="3" orient="horz" pos="1368">
+          <p15:clr>
+            <a:srgbClr val="F26B43"/>
+          </p15:clr>
+        </p15:guide>
+        <p15:guide id="4" orient="horz" pos="1440">
+          <p15:clr>
+            <a:srgbClr val="F26B43"/>
+          </p15:clr>
+        </p15:guide>
+        <p15:guide id="6" orient="horz" pos="3696">
+          <p15:clr>
+            <a:srgbClr val="F26B43"/>
+          </p15:clr>
+        </p15:guide>
+        <p15:guide id="7" orient="horz" pos="432">
+          <p15:clr>
+            <a:srgbClr val="F26B43"/>
+          </p15:clr>
+        </p15:guide>
+        <p15:guide id="8" orient="horz" pos="1512">
+          <p15:clr>
+            <a:srgbClr val="F26B43"/>
+          </p15:clr>
+        </p15:guide>
+        <p15:guide id="9" pos="6912">
+          <p15:clr>
+            <a:srgbClr val="F26B43"/>
+          </p15:clr>
+        </p15:guide>
+        <p15:guide id="10" pos="936">
+          <p15:clr>
+            <a:srgbClr val="F26B43"/>
+          </p15:clr>
+        </p15:guide>
+        <p15:guide id="11" pos="864">
+          <p15:clr>
+            <a:srgbClr val="F26B43"/>
+          </p15:clr>
+        </p15:guide>
+      </p15:sldGuideLst>
+    </p:ext>
+  </p:extLst>
 </p:sldMaster>
 </file>
 
@@ -36172,7 +36674,7 @@
           <p:nvPr>
             <p:extLst>
               <p:ext uri="{D42A27DB-BD31-4B8C-83A1-F6EECF244321}">
-                <p14:modId xmlns:p14="http://schemas.microsoft.com/office/powerpoint/2010/main" val="382416240"/>
+                <p14:modId xmlns:p14="http://schemas.microsoft.com/office/powerpoint/2010/main" val="1762347727"/>
               </p:ext>
             </p:extLst>
           </p:nvPr>
@@ -36231,16 +36733,44 @@
           </p:cNvPicPr>
           <p:nvPr/>
         </p:nvPicPr>
-        <p:blipFill>
+        <p:blipFill rotWithShape="1">
           <a:blip r:embed="rId2"/>
-          <a:stretch>
-            <a:fillRect/>
-          </a:stretch>
+          <a:srcRect l="4301" t="42454" b="2508"/>
+          <a:stretch/>
         </p:blipFill>
         <p:spPr>
           <a:xfrm>
-            <a:off x="543574" y="2224646"/>
-            <a:ext cx="11104851" cy="2408708"/>
+            <a:off x="1547655" y="4160519"/>
+            <a:ext cx="9089219" cy="1133857"/>
+          </a:xfrm>
+          <a:prstGeom prst="rect">
+            <a:avLst/>
+          </a:prstGeom>
+        </p:spPr>
+      </p:pic>
+      <p:pic>
+        <p:nvPicPr>
+          <p:cNvPr id="2" name="Picture 1">
+            <a:extLst>
+              <a:ext uri="{FF2B5EF4-FFF2-40B4-BE49-F238E27FC236}">
+                <a16:creationId xmlns:a16="http://schemas.microsoft.com/office/drawing/2014/main" id="{2B3F557F-BA08-480A-A066-DAD2C5610F4A}"/>
+              </a:ext>
+            </a:extLst>
+          </p:cNvPr>
+          <p:cNvPicPr>
+            <a:picLocks noChangeAspect="1"/>
+          </p:cNvPicPr>
+          <p:nvPr/>
+        </p:nvPicPr>
+        <p:blipFill rotWithShape="1">
+          <a:blip r:embed="rId3"/>
+          <a:srcRect t="4909" b="4527"/>
+          <a:stretch/>
+        </p:blipFill>
+        <p:spPr>
+          <a:xfrm>
+            <a:off x="1547655" y="2157983"/>
+            <a:ext cx="9089219" cy="1627633"/>
           </a:xfrm>
           <a:prstGeom prst="rect">
             <a:avLst/>
@@ -36251,6 +36781,116 @@
     <p:extLst>
       <p:ext uri="{BB962C8B-B14F-4D97-AF65-F5344CB8AC3E}">
         <p14:creationId xmlns:p14="http://schemas.microsoft.com/office/powerpoint/2010/main" val="281542438"/>
+      </p:ext>
+    </p:extLst>
+  </p:cSld>
+  <p:clrMapOvr>
+    <a:masterClrMapping/>
+  </p:clrMapOvr>
+</p:sld>
+</file>
+
+<file path=ppt/slides/slide11.xml><?xml version="1.0" encoding="utf-8"?>
+<p:sld xmlns:a="http://schemas.openxmlformats.org/drawingml/2006/main" xmlns:r="http://schemas.openxmlformats.org/officeDocument/2006/relationships" xmlns:p="http://schemas.openxmlformats.org/presentationml/2006/main">
+  <p:cSld>
+    <p:spTree>
+      <p:nvGrpSpPr>
+        <p:cNvPr id="1" name=""/>
+        <p:cNvGrpSpPr/>
+        <p:nvPr/>
+      </p:nvGrpSpPr>
+      <p:grpSpPr>
+        <a:xfrm>
+          <a:off x="0" y="0"/>
+          <a:ext cx="0" cy="0"/>
+          <a:chOff x="0" y="0"/>
+          <a:chExt cx="0" cy="0"/>
+        </a:xfrm>
+      </p:grpSpPr>
+      <p:sp>
+        <p:nvSpPr>
+          <p:cNvPr id="2" name="Title 1">
+            <a:extLst>
+              <a:ext uri="{FF2B5EF4-FFF2-40B4-BE49-F238E27FC236}">
+                <a16:creationId xmlns:a16="http://schemas.microsoft.com/office/drawing/2014/main" id="{26F1CF57-D65B-4421-A7CB-82DDEB335BC5}"/>
+              </a:ext>
+            </a:extLst>
+          </p:cNvPr>
+          <p:cNvSpPr>
+            <a:spLocks noGrp="1"/>
+          </p:cNvSpPr>
+          <p:nvPr>
+            <p:ph type="title"/>
+          </p:nvPr>
+        </p:nvSpPr>
+        <p:spPr/>
+        <p:txBody>
+          <a:bodyPr/>
+          <a:lstStyle/>
+          <a:p>
+            <a:endParaRPr lang="fi-FI"/>
+          </a:p>
+        </p:txBody>
+      </p:sp>
+      <p:sp>
+        <p:nvSpPr>
+          <p:cNvPr id="3" name="Content Placeholder 2">
+            <a:extLst>
+              <a:ext uri="{FF2B5EF4-FFF2-40B4-BE49-F238E27FC236}">
+                <a16:creationId xmlns:a16="http://schemas.microsoft.com/office/drawing/2014/main" id="{BC4112FD-C8F6-408B-A9BB-C4BCDBF6A85C}"/>
+              </a:ext>
+            </a:extLst>
+          </p:cNvPr>
+          <p:cNvSpPr>
+            <a:spLocks noGrp="1"/>
+          </p:cNvSpPr>
+          <p:nvPr>
+            <p:ph idx="1"/>
+          </p:nvPr>
+        </p:nvSpPr>
+        <p:spPr/>
+        <p:txBody>
+          <a:bodyPr/>
+          <a:lstStyle/>
+          <a:p>
+            <a:endParaRPr lang="fi-FI"/>
+          </a:p>
+        </p:txBody>
+      </p:sp>
+      <p:pic>
+        <p:nvPicPr>
+          <p:cNvPr id="4" name="Picture 3">
+            <a:extLst>
+              <a:ext uri="{FF2B5EF4-FFF2-40B4-BE49-F238E27FC236}">
+                <a16:creationId xmlns:a16="http://schemas.microsoft.com/office/drawing/2014/main" id="{7A4D9BB2-5CDB-4870-AB6A-DAB824AF1179}"/>
+              </a:ext>
+            </a:extLst>
+          </p:cNvPr>
+          <p:cNvPicPr>
+            <a:picLocks noChangeAspect="1"/>
+          </p:cNvPicPr>
+          <p:nvPr/>
+        </p:nvPicPr>
+        <p:blipFill>
+          <a:blip r:embed="rId2"/>
+          <a:stretch>
+            <a:fillRect/>
+          </a:stretch>
+        </p:blipFill>
+        <p:spPr>
+          <a:xfrm>
+            <a:off x="811850" y="402523"/>
+            <a:ext cx="10568299" cy="5769677"/>
+          </a:xfrm>
+          <a:prstGeom prst="rect">
+            <a:avLst/>
+          </a:prstGeom>
+        </p:spPr>
+      </p:pic>
+    </p:spTree>
+    <p:extLst>
+      <p:ext uri="{BB962C8B-B14F-4D97-AF65-F5344CB8AC3E}">
+        <p14:creationId xmlns:p14="http://schemas.microsoft.com/office/powerpoint/2010/main" val="3746927043"/>
       </p:ext>
     </p:extLst>
   </p:cSld>
@@ -36673,7 +37313,7 @@
           <p:nvPr>
             <p:extLst>
               <p:ext uri="{D42A27DB-BD31-4B8C-83A1-F6EECF244321}">
-                <p14:modId xmlns:p14="http://schemas.microsoft.com/office/powerpoint/2010/main" val="326421632"/>
+                <p14:modId xmlns:p14="http://schemas.microsoft.com/office/powerpoint/2010/main" val="3409128184"/>
               </p:ext>
             </p:extLst>
           </p:nvPr>
@@ -36731,7 +37371,7 @@
           <p:nvPr>
             <p:extLst>
               <p:ext uri="{D42A27DB-BD31-4B8C-83A1-F6EECF244321}">
-                <p14:modId xmlns:p14="http://schemas.microsoft.com/office/powerpoint/2010/main" val="1133215930"/>
+                <p14:modId xmlns:p14="http://schemas.microsoft.com/office/powerpoint/2010/main" val="2625949485"/>
               </p:ext>
             </p:extLst>
           </p:nvPr>
@@ -36847,7 +37487,7 @@
           <p:nvPr>
             <p:extLst>
               <p:ext uri="{D42A27DB-BD31-4B8C-83A1-F6EECF244321}">
-                <p14:modId xmlns:p14="http://schemas.microsoft.com/office/powerpoint/2010/main" val="1963528845"/>
+                <p14:modId xmlns:p14="http://schemas.microsoft.com/office/powerpoint/2010/main" val="4129701854"/>
               </p:ext>
             </p:extLst>
           </p:nvPr>
@@ -36876,6 +37516,64 @@
 </file>
 
 <file path=ppt/slides/slide7.xml><?xml version="1.0" encoding="utf-8"?>
+<p:sld xmlns:a="http://schemas.openxmlformats.org/drawingml/2006/main" xmlns:r="http://schemas.openxmlformats.org/officeDocument/2006/relationships" xmlns:p="http://schemas.openxmlformats.org/presentationml/2006/main">
+  <p:cSld>
+    <p:spTree>
+      <p:nvGrpSpPr>
+        <p:cNvPr id="1" name=""/>
+        <p:cNvGrpSpPr/>
+        <p:nvPr/>
+      </p:nvGrpSpPr>
+      <p:grpSpPr>
+        <a:xfrm>
+          <a:off x="0" y="0"/>
+          <a:ext cx="0" cy="0"/>
+          <a:chOff x="0" y="0"/>
+          <a:chExt cx="0" cy="0"/>
+        </a:xfrm>
+      </p:grpSpPr>
+      <p:graphicFrame>
+        <p:nvGraphicFramePr>
+          <p:cNvPr id="4" name="Diagram 3">
+            <a:extLst>
+              <a:ext uri="{FF2B5EF4-FFF2-40B4-BE49-F238E27FC236}">
+                <a16:creationId xmlns:a16="http://schemas.microsoft.com/office/drawing/2014/main" id="{BADA7AEE-29EF-4D21-96B1-8A5C97BD4745}"/>
+              </a:ext>
+            </a:extLst>
+          </p:cNvPr>
+          <p:cNvGraphicFramePr/>
+          <p:nvPr>
+            <p:extLst>
+              <p:ext uri="{D42A27DB-BD31-4B8C-83A1-F6EECF244321}">
+                <p14:modId xmlns:p14="http://schemas.microsoft.com/office/powerpoint/2010/main" val="1578907297"/>
+              </p:ext>
+            </p:extLst>
+          </p:nvPr>
+        </p:nvGraphicFramePr>
+        <p:xfrm>
+          <a:off x="2032000" y="719666"/>
+          <a:ext cx="8128000" cy="5418667"/>
+        </p:xfrm>
+        <a:graphic>
+          <a:graphicData uri="http://schemas.openxmlformats.org/drawingml/2006/diagram">
+            <dgm:relIds xmlns:dgm="http://schemas.openxmlformats.org/drawingml/2006/diagram" xmlns:r="http://schemas.openxmlformats.org/officeDocument/2006/relationships" r:dm="rId2" r:lo="rId3" r:qs="rId4" r:cs="rId5"/>
+          </a:graphicData>
+        </a:graphic>
+      </p:graphicFrame>
+    </p:spTree>
+    <p:extLst>
+      <p:ext uri="{BB962C8B-B14F-4D97-AF65-F5344CB8AC3E}">
+        <p14:creationId xmlns:p14="http://schemas.microsoft.com/office/powerpoint/2010/main" val="4153680159"/>
+      </p:ext>
+    </p:extLst>
+  </p:cSld>
+  <p:clrMapOvr>
+    <a:masterClrMapping/>
+  </p:clrMapOvr>
+</p:sld>
+</file>
+
+<file path=ppt/slides/slide8.xml><?xml version="1.0" encoding="utf-8"?>
 <p:sld xmlns:a="http://schemas.openxmlformats.org/drawingml/2006/main" xmlns:r="http://schemas.openxmlformats.org/officeDocument/2006/relationships" xmlns:p="http://schemas.openxmlformats.org/presentationml/2006/main">
   <p:cSld>
     <p:spTree>
@@ -36935,64 +37633,6 @@
 </p:sld>
 </file>
 
-<file path=ppt/slides/slide8.xml><?xml version="1.0" encoding="utf-8"?>
-<p:sld xmlns:a="http://schemas.openxmlformats.org/drawingml/2006/main" xmlns:r="http://schemas.openxmlformats.org/officeDocument/2006/relationships" xmlns:p="http://schemas.openxmlformats.org/presentationml/2006/main">
-  <p:cSld>
-    <p:spTree>
-      <p:nvGrpSpPr>
-        <p:cNvPr id="1" name=""/>
-        <p:cNvGrpSpPr/>
-        <p:nvPr/>
-      </p:nvGrpSpPr>
-      <p:grpSpPr>
-        <a:xfrm>
-          <a:off x="0" y="0"/>
-          <a:ext cx="0" cy="0"/>
-          <a:chOff x="0" y="0"/>
-          <a:chExt cx="0" cy="0"/>
-        </a:xfrm>
-      </p:grpSpPr>
-      <p:graphicFrame>
-        <p:nvGraphicFramePr>
-          <p:cNvPr id="4" name="Diagram 3">
-            <a:extLst>
-              <a:ext uri="{FF2B5EF4-FFF2-40B4-BE49-F238E27FC236}">
-                <a16:creationId xmlns:a16="http://schemas.microsoft.com/office/drawing/2014/main" id="{BADA7AEE-29EF-4D21-96B1-8A5C97BD4745}"/>
-              </a:ext>
-            </a:extLst>
-          </p:cNvPr>
-          <p:cNvGraphicFramePr/>
-          <p:nvPr>
-            <p:extLst>
-              <p:ext uri="{D42A27DB-BD31-4B8C-83A1-F6EECF244321}">
-                <p14:modId xmlns:p14="http://schemas.microsoft.com/office/powerpoint/2010/main" val="1578907297"/>
-              </p:ext>
-            </p:extLst>
-          </p:nvPr>
-        </p:nvGraphicFramePr>
-        <p:xfrm>
-          <a:off x="2032000" y="719666"/>
-          <a:ext cx="8128000" cy="5418667"/>
-        </p:xfrm>
-        <a:graphic>
-          <a:graphicData uri="http://schemas.openxmlformats.org/drawingml/2006/diagram">
-            <dgm:relIds xmlns:dgm="http://schemas.openxmlformats.org/drawingml/2006/diagram" xmlns:r="http://schemas.openxmlformats.org/officeDocument/2006/relationships" r:dm="rId2" r:lo="rId3" r:qs="rId4" r:cs="rId5"/>
-          </a:graphicData>
-        </a:graphic>
-      </p:graphicFrame>
-    </p:spTree>
-    <p:extLst>
-      <p:ext uri="{BB962C8B-B14F-4D97-AF65-F5344CB8AC3E}">
-        <p14:creationId xmlns:p14="http://schemas.microsoft.com/office/powerpoint/2010/main" val="4153680159"/>
-      </p:ext>
-    </p:extLst>
-  </p:cSld>
-  <p:clrMapOvr>
-    <a:masterClrMapping/>
-  </p:clrMapOvr>
-</p:sld>
-</file>
-
 <file path=ppt/slides/slide9.xml><?xml version="1.0" encoding="utf-8"?>
 <p:sld xmlns:a="http://schemas.openxmlformats.org/drawingml/2006/main" xmlns:r="http://schemas.openxmlformats.org/officeDocument/2006/relationships" xmlns:p="http://schemas.openxmlformats.org/presentationml/2006/main">
   <p:cSld>
@@ -37032,7 +37672,7 @@
         </p:blipFill>
         <p:spPr>
           <a:xfrm>
-            <a:off x="838200" y="365125"/>
+            <a:off x="3924299" y="339488"/>
             <a:ext cx="4343400" cy="2924175"/>
           </a:xfrm>
           <a:prstGeom prst="rect">
@@ -37062,7 +37702,7 @@
         </p:blipFill>
         <p:spPr>
           <a:xfrm>
-            <a:off x="705427" y="3289300"/>
+            <a:off x="1619827" y="3429000"/>
             <a:ext cx="8952345" cy="2967350"/>
           </a:xfrm>
           <a:prstGeom prst="rect">
@@ -37084,9 +37724,9 @@
 </file>
 
 <file path=ppt/theme/theme1.xml><?xml version="1.0" encoding="utf-8"?>
-<a:theme xmlns:a="http://schemas.openxmlformats.org/drawingml/2006/main" name="Office Theme">
+<a:theme xmlns:a="http://schemas.openxmlformats.org/drawingml/2006/main" name="Crop">
   <a:themeElements>
-    <a:clrScheme name="Office">
+    <a:clrScheme name="Crop">
       <a:dk1>
         <a:sysClr val="windowText" lastClr="000000"/>
       </a:dk1>
@@ -37094,100 +37734,48 @@
         <a:sysClr val="window" lastClr="FFFFFF"/>
       </a:lt1>
       <a:dk2>
-        <a:srgbClr val="44546A"/>
+        <a:srgbClr val="191B0E"/>
       </a:dk2>
       <a:lt2>
-        <a:srgbClr val="E7E6E6"/>
+        <a:srgbClr val="EFEDE3"/>
       </a:lt2>
       <a:accent1>
-        <a:srgbClr val="4472C4"/>
+        <a:srgbClr val="8C8D86"/>
       </a:accent1>
       <a:accent2>
-        <a:srgbClr val="ED7D31"/>
+        <a:srgbClr val="E6C069"/>
       </a:accent2>
       <a:accent3>
-        <a:srgbClr val="A5A5A5"/>
+        <a:srgbClr val="897B61"/>
       </a:accent3>
       <a:accent4>
-        <a:srgbClr val="FFC000"/>
+        <a:srgbClr val="8DAB8E"/>
       </a:accent4>
       <a:accent5>
-        <a:srgbClr val="5B9BD5"/>
+        <a:srgbClr val="77A2BB"/>
       </a:accent5>
       <a:accent6>
-        <a:srgbClr val="70AD47"/>
+        <a:srgbClr val="E28394"/>
       </a:accent6>
       <a:hlink>
-        <a:srgbClr val="0563C1"/>
+        <a:srgbClr val="77A2BB"/>
       </a:hlink>
       <a:folHlink>
-        <a:srgbClr val="954F72"/>
+        <a:srgbClr val="957A99"/>
       </a:folHlink>
     </a:clrScheme>
-    <a:fontScheme name="Office">
+    <a:fontScheme name="Crop">
       <a:majorFont>
-        <a:latin typeface="Calibri Light" panose="020F0302020204030204"/>
+        <a:latin typeface="Franklin Gothic Book" panose="020B0503020102020204"/>
         <a:ea typeface=""/>
         <a:cs typeface=""/>
-        <a:font script="Jpan" typeface="游ゴシック Light"/>
-        <a:font script="Hang" typeface="맑은 고딕"/>
-        <a:font script="Hans" typeface="等线 Light"/>
-        <a:font script="Hant" typeface="新細明體"/>
-        <a:font script="Arab" typeface="Times New Roman"/>
-        <a:font script="Hebr" typeface="Times New Roman"/>
-        <a:font script="Thai" typeface="Angsana New"/>
-        <a:font script="Ethi" typeface="Nyala"/>
-        <a:font script="Beng" typeface="Vrinda"/>
-        <a:font script="Gujr" typeface="Shruti"/>
-        <a:font script="Khmr" typeface="MoolBoran"/>
-        <a:font script="Knda" typeface="Tunga"/>
-        <a:font script="Guru" typeface="Raavi"/>
-        <a:font script="Cans" typeface="Euphemia"/>
-        <a:font script="Cher" typeface="Plantagenet Cherokee"/>
-        <a:font script="Yiii" typeface="Microsoft Yi Baiti"/>
-        <a:font script="Tibt" typeface="Microsoft Himalaya"/>
-        <a:font script="Thaa" typeface="MV Boli"/>
-        <a:font script="Deva" typeface="Mangal"/>
-        <a:font script="Telu" typeface="Gautami"/>
-        <a:font script="Taml" typeface="Latha"/>
-        <a:font script="Syrc" typeface="Estrangelo Edessa"/>
-        <a:font script="Orya" typeface="Kalinga"/>
-        <a:font script="Mlym" typeface="Kartika"/>
-        <a:font script="Laoo" typeface="DokChampa"/>
-        <a:font script="Sinh" typeface="Iskoola Pota"/>
-        <a:font script="Mong" typeface="Mongolian Baiti"/>
-        <a:font script="Viet" typeface="Times New Roman"/>
-        <a:font script="Uigh" typeface="Microsoft Uighur"/>
-        <a:font script="Geor" typeface="Sylfaen"/>
-        <a:font script="Armn" typeface="Arial"/>
-        <a:font script="Bugi" typeface="Leelawadee UI"/>
-        <a:font script="Bopo" typeface="Microsoft JhengHei"/>
-        <a:font script="Java" typeface="Javanese Text"/>
-        <a:font script="Lisu" typeface="Segoe UI"/>
-        <a:font script="Mymr" typeface="Myanmar Text"/>
-        <a:font script="Nkoo" typeface="Ebrima"/>
-        <a:font script="Olck" typeface="Nirmala UI"/>
-        <a:font script="Osma" typeface="Ebrima"/>
-        <a:font script="Phag" typeface="Phagspa"/>
-        <a:font script="Syrn" typeface="Estrangelo Edessa"/>
-        <a:font script="Syrj" typeface="Estrangelo Edessa"/>
-        <a:font script="Syre" typeface="Estrangelo Edessa"/>
-        <a:font script="Sora" typeface="Nirmala UI"/>
-        <a:font script="Tale" typeface="Microsoft Tai Le"/>
-        <a:font script="Talu" typeface="Microsoft New Tai Lue"/>
-        <a:font script="Tfng" typeface="Ebrima"/>
-      </a:majorFont>
-      <a:minorFont>
-        <a:latin typeface="Calibri" panose="020F0502020204030204"/>
-        <a:ea typeface=""/>
-        <a:cs typeface=""/>
-        <a:font script="Jpan" typeface="游ゴシック"/>
-        <a:font script="Hang" typeface="맑은 고딕"/>
-        <a:font script="Hans" typeface="等线"/>
-        <a:font script="Hant" typeface="新細明體"/>
-        <a:font script="Arab" typeface="Arial"/>
-        <a:font script="Hebr" typeface="Arial"/>
-        <a:font script="Thai" typeface="Cordia New"/>
+        <a:font script="Jpan" typeface="メイリオ"/>
+        <a:font script="Hang" typeface="돋움"/>
+        <a:font script="Hans" typeface="华文楷体"/>
+        <a:font script="Hant" typeface="微軟正黑體"/>
+        <a:font script="Arab" typeface="Tahoma"/>
+        <a:font script="Hebr" typeface="Aharoni"/>
+        <a:font script="Thai" typeface="LilyUPC"/>
         <a:font script="Ethi" typeface="Nyala"/>
         <a:font script="Beng" typeface="Vrinda"/>
         <a:font script="Gujr" typeface="Shruti"/>
@@ -37208,29 +37796,47 @@
         <a:font script="Laoo" typeface="DokChampa"/>
         <a:font script="Sinh" typeface="Iskoola Pota"/>
         <a:font script="Mong" typeface="Mongolian Baiti"/>
-        <a:font script="Viet" typeface="Arial"/>
+        <a:font script="Viet" typeface="Tahoma"/>
         <a:font script="Uigh" typeface="Microsoft Uighur"/>
         <a:font script="Geor" typeface="Sylfaen"/>
-        <a:font script="Armn" typeface="Arial"/>
-        <a:font script="Bugi" typeface="Leelawadee UI"/>
-        <a:font script="Bopo" typeface="Microsoft JhengHei"/>
-        <a:font script="Java" typeface="Javanese Text"/>
-        <a:font script="Lisu" typeface="Segoe UI"/>
-        <a:font script="Mymr" typeface="Myanmar Text"/>
-        <a:font script="Nkoo" typeface="Ebrima"/>
-        <a:font script="Olck" typeface="Nirmala UI"/>
-        <a:font script="Osma" typeface="Ebrima"/>
-        <a:font script="Phag" typeface="Phagspa"/>
-        <a:font script="Syrn" typeface="Estrangelo Edessa"/>
-        <a:font script="Syrj" typeface="Estrangelo Edessa"/>
-        <a:font script="Syre" typeface="Estrangelo Edessa"/>
-        <a:font script="Sora" typeface="Nirmala UI"/>
-        <a:font script="Tale" typeface="Microsoft Tai Le"/>
-        <a:font script="Talu" typeface="Microsoft New Tai Lue"/>
-        <a:font script="Tfng" typeface="Ebrima"/>
+      </a:majorFont>
+      <a:minorFont>
+        <a:latin typeface="Franklin Gothic Book" panose="020B0503020102020204"/>
+        <a:ea typeface=""/>
+        <a:cs typeface=""/>
+        <a:font script="Jpan" typeface="メイリオ"/>
+        <a:font script="Hang" typeface="돋움"/>
+        <a:font script="Hans" typeface="华文楷体"/>
+        <a:font script="Hant" typeface="微軟正黑體"/>
+        <a:font script="Arab" typeface="Tahoma"/>
+        <a:font script="Hebr" typeface="Aharoni"/>
+        <a:font script="Thai" typeface="LilyUPC"/>
+        <a:font script="Ethi" typeface="Nyala"/>
+        <a:font script="Beng" typeface="Vrinda"/>
+        <a:font script="Gujr" typeface="Shruti"/>
+        <a:font script="Khmr" typeface="DaunPenh"/>
+        <a:font script="Knda" typeface="Tunga"/>
+        <a:font script="Guru" typeface="Raavi"/>
+        <a:font script="Cans" typeface="Euphemia"/>
+        <a:font script="Cher" typeface="Plantagenet Cherokee"/>
+        <a:font script="Yiii" typeface="Microsoft Yi Baiti"/>
+        <a:font script="Tibt" typeface="Microsoft Himalaya"/>
+        <a:font script="Thaa" typeface="MV Boli"/>
+        <a:font script="Deva" typeface="Mangal"/>
+        <a:font script="Telu" typeface="Gautami"/>
+        <a:font script="Taml" typeface="Latha"/>
+        <a:font script="Syrc" typeface="Estrangelo Edessa"/>
+        <a:font script="Orya" typeface="Kalinga"/>
+        <a:font script="Mlym" typeface="Kartika"/>
+        <a:font script="Laoo" typeface="DokChampa"/>
+        <a:font script="Sinh" typeface="Iskoola Pota"/>
+        <a:font script="Mong" typeface="Mongolian Baiti"/>
+        <a:font script="Viet" typeface="Tahoma"/>
+        <a:font script="Uigh" typeface="Microsoft Uighur"/>
+        <a:font script="Geor" typeface="Sylfaen"/>
       </a:minorFont>
     </a:fontScheme>
-    <a:fmtScheme name="Office">
+    <a:fmtScheme name="Crop">
       <a:fillStyleLst>
         <a:solidFill>
           <a:schemeClr val="phClr"/>
@@ -37239,23 +37845,23 @@
           <a:gsLst>
             <a:gs pos="0">
               <a:schemeClr val="phClr">
+                <a:tint val="67000"/>
+                <a:satMod val="105000"/>
                 <a:lumMod val="110000"/>
-                <a:satMod val="105000"/>
-                <a:tint val="67000"/>
               </a:schemeClr>
             </a:gs>
             <a:gs pos="50000">
               <a:schemeClr val="phClr">
+                <a:tint val="73000"/>
+                <a:satMod val="103000"/>
                 <a:lumMod val="105000"/>
-                <a:satMod val="103000"/>
-                <a:tint val="73000"/>
               </a:schemeClr>
             </a:gs>
             <a:gs pos="100000">
               <a:schemeClr val="phClr">
+                <a:tint val="81000"/>
+                <a:satMod val="109000"/>
                 <a:lumMod val="105000"/>
-                <a:satMod val="109000"/>
-                <a:tint val="81000"/>
               </a:schemeClr>
             </a:gs>
           </a:gsLst>
@@ -37265,23 +37871,23 @@
           <a:gsLst>
             <a:gs pos="0">
               <a:schemeClr val="phClr">
+                <a:tint val="94000"/>
                 <a:satMod val="103000"/>
                 <a:lumMod val="102000"/>
-                <a:tint val="94000"/>
               </a:schemeClr>
             </a:gs>
             <a:gs pos="50000">
               <a:schemeClr val="phClr">
+                <a:shade val="100000"/>
                 <a:satMod val="110000"/>
                 <a:lumMod val="100000"/>
-                <a:shade val="100000"/>
               </a:schemeClr>
             </a:gs>
             <a:gs pos="100000">
               <a:schemeClr val="phClr">
+                <a:shade val="78000"/>
+                <a:satMod val="120000"/>
                 <a:lumMod val="99000"/>
-                <a:satMod val="120000"/>
-                <a:shade val="78000"/>
               </a:schemeClr>
             </a:gs>
           </a:gsLst>
@@ -37289,26 +37895,23 @@
         </a:gradFill>
       </a:fillStyleLst>
       <a:lnStyleLst>
-        <a:ln w="6350" cap="flat" cmpd="sng" algn="ctr">
+        <a:ln w="6350" cap="flat" cmpd="sng" algn="in">
           <a:solidFill>
             <a:schemeClr val="phClr"/>
           </a:solidFill>
           <a:prstDash val="solid"/>
-          <a:miter lim="800000"/>
         </a:ln>
-        <a:ln w="12700" cap="flat" cmpd="sng" algn="ctr">
+        <a:ln w="34925" cap="flat" cmpd="sng" algn="in">
           <a:solidFill>
             <a:schemeClr val="phClr"/>
           </a:solidFill>
           <a:prstDash val="solid"/>
-          <a:miter lim="800000"/>
         </a:ln>
-        <a:ln w="19050" cap="flat" cmpd="sng" algn="ctr">
+        <a:ln w="19050" cap="flat" cmpd="sng" algn="in">
           <a:solidFill>
             <a:schemeClr val="phClr"/>
           </a:solidFill>
           <a:prstDash val="solid"/>
-          <a:miter lim="800000"/>
         </a:ln>
       </a:lnStyleLst>
       <a:effectStyleLst>
@@ -37322,7 +37925,7 @@
           <a:effectLst>
             <a:outerShdw blurRad="57150" dist="19050" dir="5400000" algn="ctr" rotWithShape="0">
               <a:srgbClr val="000000">
-                <a:alpha val="63000"/>
+                <a:alpha val="35000"/>
               </a:srgbClr>
             </a:outerShdw>
           </a:effectLst>
@@ -37343,16 +37946,16 @@
             <a:gs pos="0">
               <a:schemeClr val="phClr">
                 <a:tint val="93000"/>
+                <a:shade val="98000"/>
                 <a:satMod val="150000"/>
-                <a:shade val="98000"/>
                 <a:lumMod val="102000"/>
               </a:schemeClr>
             </a:gs>
             <a:gs pos="50000">
               <a:schemeClr val="phClr">
                 <a:tint val="98000"/>
+                <a:shade val="90000"/>
                 <a:satMod val="130000"/>
-                <a:shade val="90000"/>
                 <a:lumMod val="103000"/>
               </a:schemeClr>
             </a:gs>
@@ -37372,7 +37975,7 @@
   <a:extraClrSchemeLst/>
   <a:extLst>
     <a:ext uri="{05A4C25C-085E-4340-85A3-A5531E510DB2}">
-      <thm15:themeFamily xmlns:thm15="http://schemas.microsoft.com/office/thememl/2012/main" name="Office Theme" id="{62F939B6-93AF-4DB8-9C6B-D6C7DFDC589F}" vid="{4A3C46E8-61CC-4603-A589-7422A47A8E4A}"/>
+      <thm15:themeFamily xmlns:thm15="http://schemas.microsoft.com/office/thememl/2012/main" name="Crop" id="{EC9488ED-E761-4D60-9AC4-764D1FE2C171}" vid="{CE19780C-D67D-4C13-9DE9-A52BC3BA51B4}"/>
     </a:ext>
   </a:extLst>
 </a:theme>
